--- a/转正答辩PPT_篮球前端_王祖雄.pptx
+++ b/转正答辩PPT_篮球前端_王祖雄.pptx
@@ -5,21 +5,21 @@
     <p:sldMasterId id="2147483648" r:id="rId1"/>
   </p:sldMasterIdLst>
   <p:notesMasterIdLst>
-    <p:notesMasterId r:id="rId11"/>
+    <p:notesMasterId r:id="rId6"/>
   </p:notesMasterIdLst>
   <p:sldIdLst>
-    <p:sldId id="257" r:id="rId2"/>
-    <p:sldId id="322" r:id="rId3"/>
-    <p:sldId id="258" r:id="rId4"/>
-    <p:sldId id="269" r:id="rId5"/>
-    <p:sldId id="317" r:id="rId6"/>
-    <p:sldId id="277" r:id="rId7"/>
-    <p:sldId id="294" r:id="rId8"/>
-    <p:sldId id="259" r:id="rId9"/>
-    <p:sldId id="266" r:id="rId10"/>
+    <p:sldId id="257" r:id="rId3"/>
+    <p:sldId id="322" r:id="rId4"/>
+    <p:sldId id="258" r:id="rId5"/>
+    <p:sldId id="269" r:id="rId7"/>
+    <p:sldId id="317" r:id="rId8"/>
+    <p:sldId id="277" r:id="rId9"/>
+    <p:sldId id="294" r:id="rId10"/>
+    <p:sldId id="259" r:id="rId11"/>
+    <p:sldId id="266" r:id="rId12"/>
   </p:sldIdLst>
   <p:sldSz cx="12192000" cy="6858000"/>
-  <p:notesSz cx="7104063" cy="10234613"/>
+  <p:notesSz cx="7103745" cy="10234295"/>
   <p:defaultTextStyle>
     <a:defPPr>
       <a:defRPr lang="zh-CN"/>
@@ -205,22 +205,6 @@
       </a:defRPr>
     </a:lvl9pPr>
   </p:defaultTextStyle>
-  <p:extLst>
-    <p:ext uri="{EFAFB233-063F-42B5-8137-9DF3F51BA10A}">
-      <p15:sldGuideLst xmlns:p15="http://schemas.microsoft.com/office/powerpoint/2012/main">
-        <p15:guide id="1" orient="horz" pos="2159">
-          <p15:clr>
-            <a:srgbClr val="A4A3A4"/>
-          </p15:clr>
-        </p15:guide>
-        <p15:guide id="2" pos="2880">
-          <p15:clr>
-            <a:srgbClr val="A4A3A4"/>
-          </p15:clr>
-        </p15:guide>
-      </p15:sldGuideLst>
-    </p:ext>
-  </p:extLst>
 </p:presentation>
 </file>
 
@@ -312,7 +296,6 @@
                 <a:ea typeface="+mn-ea"/>
                 <a:cs typeface="+mn-cs"/>
               </a:rPr>
-              <a:t>2019/7/8</a:t>
             </a:fld>
             <a:endParaRPr lang="zh-CN" altLang="en-US" strike="noStrike" noProof="1"/>
           </a:p>
@@ -380,6 +363,7 @@
               <a:rPr lang="zh-CN" altLang="en-US"/>
               <a:t>单击此处编辑母版文本样式</a:t>
             </a:r>
+            <a:endParaRPr lang="zh-CN" altLang="en-US"/>
           </a:p>
           <a:p>
             <a:pPr lvl="1" indent="0"/>
@@ -387,6 +371,7 @@
               <a:rPr lang="zh-CN" altLang="en-US"/>
               <a:t>第二级</a:t>
             </a:r>
+            <a:endParaRPr lang="zh-CN" altLang="en-US"/>
           </a:p>
           <a:p>
             <a:pPr lvl="2" indent="0"/>
@@ -394,6 +379,7 @@
               <a:rPr lang="zh-CN" altLang="en-US"/>
               <a:t>第三级</a:t>
             </a:r>
+            <a:endParaRPr lang="zh-CN" altLang="en-US"/>
           </a:p>
           <a:p>
             <a:pPr lvl="3" indent="0"/>
@@ -401,6 +387,7 @@
               <a:rPr lang="zh-CN" altLang="en-US"/>
               <a:t>第四级</a:t>
             </a:r>
+            <a:endParaRPr lang="zh-CN" altLang="en-US"/>
           </a:p>
           <a:p>
             <a:pPr lvl="4" indent="0"/>
@@ -408,6 +395,7 @@
               <a:rPr lang="zh-CN" altLang="en-US"/>
               <a:t>第五级</a:t>
             </a:r>
+            <a:endParaRPr lang="zh-CN" altLang="en-US"/>
           </a:p>
         </p:txBody>
       </p:sp>
@@ -477,7 +465,6 @@
                 <a:ea typeface="+mn-ea"/>
                 <a:cs typeface="+mn-cs"/>
               </a:rPr>
-              <a:t>‹#›</a:t>
             </a:fld>
             <a:endParaRPr lang="zh-CN" altLang="en-US" strike="noStrike" noProof="1"/>
           </a:p>
@@ -661,7 +648,6 @@
             <a:pPr lvl="0" indent="0" algn="r"/>
             <a:fld id="{9A0DB2DC-4C9A-4742-B13C-FB6460FD3503}" type="slidenum">
               <a:rPr lang="zh-CN" altLang="en-US" sz="1200"/>
-              <a:t>3</a:t>
             </a:fld>
             <a:endParaRPr lang="zh-CN" altLang="en-US" sz="1200"/>
           </a:p>
@@ -754,7 +740,6 @@
             <a:pPr lvl="0" indent="0" algn="r"/>
             <a:fld id="{9A0DB2DC-4C9A-4742-B13C-FB6460FD3503}" type="slidenum">
               <a:rPr lang="zh-CN" altLang="en-US" sz="1200"/>
-              <a:t>4</a:t>
             </a:fld>
             <a:endParaRPr lang="zh-CN" altLang="en-US" sz="1200"/>
           </a:p>
@@ -847,7 +832,6 @@
             <a:pPr lvl="0" indent="0" algn="r"/>
             <a:fld id="{9A0DB2DC-4C9A-4742-B13C-FB6460FD3503}" type="slidenum">
               <a:rPr lang="zh-CN" altLang="en-US" sz="1200"/>
-              <a:t>5</a:t>
             </a:fld>
             <a:endParaRPr lang="zh-CN" altLang="en-US" sz="1200"/>
           </a:p>
@@ -940,7 +924,6 @@
             <a:pPr lvl="0" indent="0" algn="r"/>
             <a:fld id="{9A0DB2DC-4C9A-4742-B13C-FB6460FD3503}" type="slidenum">
               <a:rPr lang="zh-CN" altLang="en-US" sz="1200"/>
-              <a:t>6</a:t>
             </a:fld>
             <a:endParaRPr lang="zh-CN" altLang="en-US" sz="1200"/>
           </a:p>
@@ -1033,7 +1016,6 @@
             <a:pPr lvl="0" indent="0" algn="r"/>
             <a:fld id="{9A0DB2DC-4C9A-4742-B13C-FB6460FD3503}" type="slidenum">
               <a:rPr lang="zh-CN" altLang="en-US" sz="1200"/>
-              <a:t>7</a:t>
             </a:fld>
             <a:endParaRPr lang="zh-CN" altLang="en-US" sz="1200"/>
           </a:p>
@@ -1126,7 +1108,6 @@
             <a:pPr lvl="0" indent="0" algn="r"/>
             <a:fld id="{9A0DB2DC-4C9A-4742-B13C-FB6460FD3503}" type="slidenum">
               <a:rPr lang="zh-CN" altLang="en-US" sz="1200"/>
-              <a:t>8</a:t>
             </a:fld>
             <a:endParaRPr lang="zh-CN" altLang="en-US" sz="1200"/>
           </a:p>
@@ -1186,6 +1167,7 @@
               <a:rPr lang="zh-CN" altLang="en-US" strike="noStrike" noProof="1"/>
               <a:t>单击此处编辑母版标题样式</a:t>
             </a:r>
+            <a:endParaRPr lang="zh-CN" altLang="en-US" strike="noStrike" noProof="1"/>
           </a:p>
         </p:txBody>
       </p:sp>
@@ -1251,6 +1233,7 @@
               <a:rPr lang="zh-CN" altLang="en-US" strike="noStrike" noProof="1"/>
               <a:t>单击此处编辑母版副标题样式</a:t>
             </a:r>
+            <a:endParaRPr lang="zh-CN" altLang="en-US" strike="noStrike" noProof="1"/>
           </a:p>
         </p:txBody>
       </p:sp>
@@ -1276,7 +1259,6 @@
                 <a:ea typeface="+mn-ea"/>
                 <a:cs typeface="+mn-cs"/>
               </a:rPr>
-              <a:t>2019/7/8</a:t>
             </a:fld>
             <a:endParaRPr lang="zh-CN" altLang="en-US" strike="noStrike" noProof="1"/>
           </a:p>
@@ -1324,7 +1306,6 @@
                 <a:ea typeface="+mn-ea"/>
                 <a:cs typeface="+mn-cs"/>
               </a:rPr>
-              <a:t>‹#›</a:t>
             </a:fld>
             <a:endParaRPr lang="zh-CN" altLang="en-US" strike="noStrike" noProof="1"/>
           </a:p>
@@ -1380,6 +1361,7 @@
               <a:rPr lang="zh-CN" altLang="en-US" strike="noStrike" noProof="1"/>
               <a:t>单击此处编辑母版文本样式</a:t>
             </a:r>
+            <a:endParaRPr lang="zh-CN" altLang="en-US" strike="noStrike" noProof="1"/>
           </a:p>
           <a:p>
             <a:pPr lvl="1" fontAlgn="auto"/>
@@ -1387,6 +1369,7 @@
               <a:rPr lang="zh-CN" altLang="en-US" strike="noStrike" noProof="1"/>
               <a:t>第二级</a:t>
             </a:r>
+            <a:endParaRPr lang="zh-CN" altLang="en-US" strike="noStrike" noProof="1"/>
           </a:p>
           <a:p>
             <a:pPr lvl="2" fontAlgn="auto"/>
@@ -1394,6 +1377,7 @@
               <a:rPr lang="zh-CN" altLang="en-US" strike="noStrike" noProof="1"/>
               <a:t>第三级</a:t>
             </a:r>
+            <a:endParaRPr lang="zh-CN" altLang="en-US" strike="noStrike" noProof="1"/>
           </a:p>
           <a:p>
             <a:pPr lvl="3" fontAlgn="auto"/>
@@ -1401,6 +1385,7 @@
               <a:rPr lang="zh-CN" altLang="en-US" strike="noStrike" noProof="1"/>
               <a:t>第四级</a:t>
             </a:r>
+            <a:endParaRPr lang="zh-CN" altLang="en-US" strike="noStrike" noProof="1"/>
           </a:p>
           <a:p>
             <a:pPr lvl="4" fontAlgn="auto"/>
@@ -1408,6 +1393,7 @@
               <a:rPr lang="zh-CN" altLang="en-US" strike="noStrike" noProof="1"/>
               <a:t>第五级</a:t>
             </a:r>
+            <a:endParaRPr lang="zh-CN" altLang="en-US" strike="noStrike" noProof="1"/>
           </a:p>
         </p:txBody>
       </p:sp>
@@ -1433,7 +1419,6 @@
                 <a:ea typeface="+mn-ea"/>
                 <a:cs typeface="+mn-cs"/>
               </a:rPr>
-              <a:t>2019/7/8</a:t>
             </a:fld>
             <a:endParaRPr lang="zh-CN" altLang="en-US" strike="noStrike" noProof="1"/>
           </a:p>
@@ -1481,7 +1466,6 @@
                 <a:ea typeface="+mn-ea"/>
                 <a:cs typeface="+mn-cs"/>
               </a:rPr>
-              <a:t>‹#›</a:t>
             </a:fld>
             <a:endParaRPr lang="zh-CN" altLang="en-US" strike="noStrike" noProof="1"/>
           </a:p>
@@ -1532,6 +1516,7 @@
               <a:rPr lang="zh-CN" altLang="en-US" strike="noStrike" noProof="1"/>
               <a:t>单击此处编辑母版标题样式</a:t>
             </a:r>
+            <a:endParaRPr lang="zh-CN" altLang="en-US" strike="noStrike" noProof="1"/>
           </a:p>
         </p:txBody>
       </p:sp>
@@ -1555,6 +1540,7 @@
               <a:rPr lang="zh-CN" altLang="en-US" strike="noStrike" noProof="1"/>
               <a:t>单击此处编辑母版文本样式</a:t>
             </a:r>
+            <a:endParaRPr lang="zh-CN" altLang="en-US" strike="noStrike" noProof="1"/>
           </a:p>
           <a:p>
             <a:pPr lvl="1" fontAlgn="auto"/>
@@ -1562,6 +1548,7 @@
               <a:rPr lang="zh-CN" altLang="en-US" strike="noStrike" noProof="1"/>
               <a:t>第二级</a:t>
             </a:r>
+            <a:endParaRPr lang="zh-CN" altLang="en-US" strike="noStrike" noProof="1"/>
           </a:p>
           <a:p>
             <a:pPr lvl="2" fontAlgn="auto"/>
@@ -1569,6 +1556,7 @@
               <a:rPr lang="zh-CN" altLang="en-US" strike="noStrike" noProof="1"/>
               <a:t>第三级</a:t>
             </a:r>
+            <a:endParaRPr lang="zh-CN" altLang="en-US" strike="noStrike" noProof="1"/>
           </a:p>
           <a:p>
             <a:pPr lvl="3" fontAlgn="auto"/>
@@ -1576,6 +1564,7 @@
               <a:rPr lang="zh-CN" altLang="en-US" strike="noStrike" noProof="1"/>
               <a:t>第四级</a:t>
             </a:r>
+            <a:endParaRPr lang="zh-CN" altLang="en-US" strike="noStrike" noProof="1"/>
           </a:p>
           <a:p>
             <a:pPr lvl="4" fontAlgn="auto"/>
@@ -1583,6 +1572,7 @@
               <a:rPr lang="zh-CN" altLang="en-US" strike="noStrike" noProof="1"/>
               <a:t>第五级</a:t>
             </a:r>
+            <a:endParaRPr lang="zh-CN" altLang="en-US" strike="noStrike" noProof="1"/>
           </a:p>
         </p:txBody>
       </p:sp>
@@ -1608,7 +1598,6 @@
                 <a:ea typeface="+mn-ea"/>
                 <a:cs typeface="+mn-cs"/>
               </a:rPr>
-              <a:t>2019/7/8</a:t>
             </a:fld>
             <a:endParaRPr lang="zh-CN" altLang="en-US" strike="noStrike" noProof="1"/>
           </a:p>
@@ -1656,7 +1645,6 @@
                 <a:ea typeface="+mn-ea"/>
                 <a:cs typeface="+mn-cs"/>
               </a:rPr>
-              <a:t>‹#›</a:t>
             </a:fld>
             <a:endParaRPr lang="zh-CN" altLang="en-US" strike="noStrike" noProof="1"/>
           </a:p>
@@ -1716,6 +1704,7 @@
               <a:rPr lang="zh-CN" altLang="en-US" strike="noStrike" noProof="1"/>
               <a:t>单击此处编辑母版标题样式</a:t>
             </a:r>
+            <a:endParaRPr lang="zh-CN" altLang="en-US" strike="noStrike" noProof="1"/>
           </a:p>
         </p:txBody>
       </p:sp>
@@ -1835,6 +1824,7 @@
               <a:rPr lang="zh-CN" altLang="en-US" strike="noStrike" noProof="1"/>
               <a:t>单击此处编辑母版文本样式</a:t>
             </a:r>
+            <a:endParaRPr lang="zh-CN" altLang="en-US" strike="noStrike" noProof="1"/>
           </a:p>
         </p:txBody>
       </p:sp>
@@ -1860,7 +1850,6 @@
                 <a:ea typeface="+mn-ea"/>
                 <a:cs typeface="+mn-cs"/>
               </a:rPr>
-              <a:t>2019/7/8</a:t>
             </a:fld>
             <a:endParaRPr lang="zh-CN" altLang="en-US" strike="noStrike" noProof="1"/>
           </a:p>
@@ -1908,7 +1897,6 @@
                 <a:ea typeface="+mn-ea"/>
                 <a:cs typeface="+mn-cs"/>
               </a:rPr>
-              <a:t>‹#›</a:t>
             </a:fld>
             <a:endParaRPr lang="zh-CN" altLang="en-US" strike="noStrike" noProof="1"/>
           </a:p>
@@ -1959,6 +1947,7 @@
               <a:rPr lang="zh-CN" altLang="en-US" strike="noStrike" noProof="1"/>
               <a:t>单击此处编辑母版标题样式</a:t>
             </a:r>
+            <a:endParaRPr lang="zh-CN" altLang="en-US" strike="noStrike" noProof="1"/>
           </a:p>
         </p:txBody>
       </p:sp>
@@ -1987,6 +1976,7 @@
               <a:rPr lang="zh-CN" altLang="en-US" strike="noStrike" noProof="1"/>
               <a:t>单击此处编辑母版文本样式</a:t>
             </a:r>
+            <a:endParaRPr lang="zh-CN" altLang="en-US" strike="noStrike" noProof="1"/>
           </a:p>
           <a:p>
             <a:pPr lvl="1" fontAlgn="auto"/>
@@ -1994,6 +1984,7 @@
               <a:rPr lang="zh-CN" altLang="en-US" strike="noStrike" noProof="1"/>
               <a:t>第二级</a:t>
             </a:r>
+            <a:endParaRPr lang="zh-CN" altLang="en-US" strike="noStrike" noProof="1"/>
           </a:p>
           <a:p>
             <a:pPr lvl="2" fontAlgn="auto"/>
@@ -2001,6 +1992,7 @@
               <a:rPr lang="zh-CN" altLang="en-US" strike="noStrike" noProof="1"/>
               <a:t>第三级</a:t>
             </a:r>
+            <a:endParaRPr lang="zh-CN" altLang="en-US" strike="noStrike" noProof="1"/>
           </a:p>
           <a:p>
             <a:pPr lvl="3" fontAlgn="auto"/>
@@ -2008,6 +2000,7 @@
               <a:rPr lang="zh-CN" altLang="en-US" strike="noStrike" noProof="1"/>
               <a:t>第四级</a:t>
             </a:r>
+            <a:endParaRPr lang="zh-CN" altLang="en-US" strike="noStrike" noProof="1"/>
           </a:p>
           <a:p>
             <a:pPr lvl="4" fontAlgn="auto"/>
@@ -2015,6 +2008,7 @@
               <a:rPr lang="zh-CN" altLang="en-US" strike="noStrike" noProof="1"/>
               <a:t>第五级</a:t>
             </a:r>
+            <a:endParaRPr lang="zh-CN" altLang="en-US" strike="noStrike" noProof="1"/>
           </a:p>
         </p:txBody>
       </p:sp>
@@ -2043,6 +2037,7 @@
               <a:rPr lang="zh-CN" altLang="en-US" strike="noStrike" noProof="1"/>
               <a:t>单击此处编辑母版文本样式</a:t>
             </a:r>
+            <a:endParaRPr lang="zh-CN" altLang="en-US" strike="noStrike" noProof="1"/>
           </a:p>
           <a:p>
             <a:pPr lvl="1" fontAlgn="auto"/>
@@ -2050,6 +2045,7 @@
               <a:rPr lang="zh-CN" altLang="en-US" strike="noStrike" noProof="1"/>
               <a:t>第二级</a:t>
             </a:r>
+            <a:endParaRPr lang="zh-CN" altLang="en-US" strike="noStrike" noProof="1"/>
           </a:p>
           <a:p>
             <a:pPr lvl="2" fontAlgn="auto"/>
@@ -2057,6 +2053,7 @@
               <a:rPr lang="zh-CN" altLang="en-US" strike="noStrike" noProof="1"/>
               <a:t>第三级</a:t>
             </a:r>
+            <a:endParaRPr lang="zh-CN" altLang="en-US" strike="noStrike" noProof="1"/>
           </a:p>
           <a:p>
             <a:pPr lvl="3" fontAlgn="auto"/>
@@ -2064,6 +2061,7 @@
               <a:rPr lang="zh-CN" altLang="en-US" strike="noStrike" noProof="1"/>
               <a:t>第四级</a:t>
             </a:r>
+            <a:endParaRPr lang="zh-CN" altLang="en-US" strike="noStrike" noProof="1"/>
           </a:p>
           <a:p>
             <a:pPr lvl="4" fontAlgn="auto"/>
@@ -2071,6 +2069,7 @@
               <a:rPr lang="zh-CN" altLang="en-US" strike="noStrike" noProof="1"/>
               <a:t>第五级</a:t>
             </a:r>
+            <a:endParaRPr lang="zh-CN" altLang="en-US" strike="noStrike" noProof="1"/>
           </a:p>
         </p:txBody>
       </p:sp>
@@ -2096,7 +2095,6 @@
                 <a:ea typeface="+mn-ea"/>
                 <a:cs typeface="+mn-cs"/>
               </a:rPr>
-              <a:t>2019/7/8</a:t>
             </a:fld>
             <a:endParaRPr lang="zh-CN" altLang="en-US" strike="noStrike" noProof="1"/>
           </a:p>
@@ -2144,7 +2142,6 @@
                 <a:ea typeface="+mn-ea"/>
                 <a:cs typeface="+mn-cs"/>
               </a:rPr>
-              <a:t>‹#›</a:t>
             </a:fld>
             <a:endParaRPr lang="zh-CN" altLang="en-US" strike="noStrike" noProof="1"/>
           </a:p>
@@ -2200,6 +2197,7 @@
               <a:rPr lang="zh-CN" altLang="en-US" strike="noStrike" noProof="1"/>
               <a:t>单击此处编辑母版标题样式</a:t>
             </a:r>
+            <a:endParaRPr lang="zh-CN" altLang="en-US" strike="noStrike" noProof="1"/>
           </a:p>
         </p:txBody>
       </p:sp>
@@ -2265,6 +2263,7 @@
               <a:rPr lang="zh-CN" altLang="en-US" strike="noStrike" noProof="1"/>
               <a:t>单击此处编辑母版文本样式</a:t>
             </a:r>
+            <a:endParaRPr lang="zh-CN" altLang="en-US" strike="noStrike" noProof="1"/>
           </a:p>
         </p:txBody>
       </p:sp>
@@ -2293,6 +2292,7 @@
               <a:rPr lang="zh-CN" altLang="en-US" strike="noStrike" noProof="1"/>
               <a:t>单击此处编辑母版文本样式</a:t>
             </a:r>
+            <a:endParaRPr lang="zh-CN" altLang="en-US" strike="noStrike" noProof="1"/>
           </a:p>
           <a:p>
             <a:pPr lvl="1" fontAlgn="auto"/>
@@ -2300,6 +2300,7 @@
               <a:rPr lang="zh-CN" altLang="en-US" strike="noStrike" noProof="1"/>
               <a:t>第二级</a:t>
             </a:r>
+            <a:endParaRPr lang="zh-CN" altLang="en-US" strike="noStrike" noProof="1"/>
           </a:p>
           <a:p>
             <a:pPr lvl="2" fontAlgn="auto"/>
@@ -2307,6 +2308,7 @@
               <a:rPr lang="zh-CN" altLang="en-US" strike="noStrike" noProof="1"/>
               <a:t>第三级</a:t>
             </a:r>
+            <a:endParaRPr lang="zh-CN" altLang="en-US" strike="noStrike" noProof="1"/>
           </a:p>
           <a:p>
             <a:pPr lvl="3" fontAlgn="auto"/>
@@ -2314,6 +2316,7 @@
               <a:rPr lang="zh-CN" altLang="en-US" strike="noStrike" noProof="1"/>
               <a:t>第四级</a:t>
             </a:r>
+            <a:endParaRPr lang="zh-CN" altLang="en-US" strike="noStrike" noProof="1"/>
           </a:p>
           <a:p>
             <a:pPr lvl="4" fontAlgn="auto"/>
@@ -2321,6 +2324,7 @@
               <a:rPr lang="zh-CN" altLang="en-US" strike="noStrike" noProof="1"/>
               <a:t>第五级</a:t>
             </a:r>
+            <a:endParaRPr lang="zh-CN" altLang="en-US" strike="noStrike" noProof="1"/>
           </a:p>
         </p:txBody>
       </p:sp>
@@ -2386,6 +2390,7 @@
               <a:rPr lang="zh-CN" altLang="en-US" strike="noStrike" noProof="1"/>
               <a:t>单击此处编辑母版文本样式</a:t>
             </a:r>
+            <a:endParaRPr lang="zh-CN" altLang="en-US" strike="noStrike" noProof="1"/>
           </a:p>
         </p:txBody>
       </p:sp>
@@ -2414,6 +2419,7 @@
               <a:rPr lang="zh-CN" altLang="en-US" strike="noStrike" noProof="1"/>
               <a:t>单击此处编辑母版文本样式</a:t>
             </a:r>
+            <a:endParaRPr lang="zh-CN" altLang="en-US" strike="noStrike" noProof="1"/>
           </a:p>
           <a:p>
             <a:pPr lvl="1" fontAlgn="auto"/>
@@ -2421,6 +2427,7 @@
               <a:rPr lang="zh-CN" altLang="en-US" strike="noStrike" noProof="1"/>
               <a:t>第二级</a:t>
             </a:r>
+            <a:endParaRPr lang="zh-CN" altLang="en-US" strike="noStrike" noProof="1"/>
           </a:p>
           <a:p>
             <a:pPr lvl="2" fontAlgn="auto"/>
@@ -2428,6 +2435,7 @@
               <a:rPr lang="zh-CN" altLang="en-US" strike="noStrike" noProof="1"/>
               <a:t>第三级</a:t>
             </a:r>
+            <a:endParaRPr lang="zh-CN" altLang="en-US" strike="noStrike" noProof="1"/>
           </a:p>
           <a:p>
             <a:pPr lvl="3" fontAlgn="auto"/>
@@ -2435,6 +2443,7 @@
               <a:rPr lang="zh-CN" altLang="en-US" strike="noStrike" noProof="1"/>
               <a:t>第四级</a:t>
             </a:r>
+            <a:endParaRPr lang="zh-CN" altLang="en-US" strike="noStrike" noProof="1"/>
           </a:p>
           <a:p>
             <a:pPr lvl="4" fontAlgn="auto"/>
@@ -2442,6 +2451,7 @@
               <a:rPr lang="zh-CN" altLang="en-US" strike="noStrike" noProof="1"/>
               <a:t>第五级</a:t>
             </a:r>
+            <a:endParaRPr lang="zh-CN" altLang="en-US" strike="noStrike" noProof="1"/>
           </a:p>
         </p:txBody>
       </p:sp>
@@ -2467,7 +2477,6 @@
                 <a:ea typeface="+mn-ea"/>
                 <a:cs typeface="+mn-cs"/>
               </a:rPr>
-              <a:t>2019/7/8</a:t>
             </a:fld>
             <a:endParaRPr lang="zh-CN" altLang="en-US" strike="noStrike" noProof="1"/>
           </a:p>
@@ -2515,7 +2524,6 @@
                 <a:ea typeface="+mn-ea"/>
                 <a:cs typeface="+mn-cs"/>
               </a:rPr>
-              <a:t>‹#›</a:t>
             </a:fld>
             <a:endParaRPr lang="zh-CN" altLang="en-US" strike="noStrike" noProof="1"/>
           </a:p>
@@ -2566,6 +2574,7 @@
               <a:rPr lang="zh-CN" altLang="en-US" strike="noStrike" noProof="1"/>
               <a:t>单击此处编辑母版标题样式</a:t>
             </a:r>
+            <a:endParaRPr lang="zh-CN" altLang="en-US" strike="noStrike" noProof="1"/>
           </a:p>
         </p:txBody>
       </p:sp>
@@ -2591,7 +2600,6 @@
                 <a:ea typeface="+mn-ea"/>
                 <a:cs typeface="+mn-cs"/>
               </a:rPr>
-              <a:t>2019/7/8</a:t>
             </a:fld>
             <a:endParaRPr lang="zh-CN" altLang="en-US" strike="noStrike" noProof="1"/>
           </a:p>
@@ -2639,7 +2647,6 @@
                 <a:ea typeface="+mn-ea"/>
                 <a:cs typeface="+mn-cs"/>
               </a:rPr>
-              <a:t>‹#›</a:t>
             </a:fld>
             <a:endParaRPr lang="zh-CN" altLang="en-US" strike="noStrike" noProof="1"/>
           </a:p>
@@ -2692,7 +2699,6 @@
                 <a:ea typeface="+mn-ea"/>
                 <a:cs typeface="+mn-cs"/>
               </a:rPr>
-              <a:t>2019/7/8</a:t>
             </a:fld>
             <a:endParaRPr lang="zh-CN" altLang="en-US" strike="noStrike" noProof="1"/>
           </a:p>
@@ -2740,7 +2746,6 @@
                 <a:ea typeface="+mn-ea"/>
                 <a:cs typeface="+mn-cs"/>
               </a:rPr>
-              <a:t>‹#›</a:t>
             </a:fld>
             <a:endParaRPr lang="zh-CN" altLang="en-US" strike="noStrike" noProof="1"/>
           </a:p>
@@ -2800,6 +2805,7 @@
               <a:rPr lang="zh-CN" altLang="en-US" strike="noStrike" noProof="1"/>
               <a:t>单击此处编辑母版标题样式</a:t>
             </a:r>
+            <a:endParaRPr lang="zh-CN" altLang="en-US" strike="noStrike" noProof="1"/>
           </a:p>
         </p:txBody>
       </p:sp>
@@ -2927,6 +2933,7 @@
               <a:rPr lang="zh-CN" altLang="en-US" strike="noStrike" noProof="1"/>
               <a:t>单击此处编辑母版文本样式</a:t>
             </a:r>
+            <a:endParaRPr lang="zh-CN" altLang="en-US" strike="noStrike" noProof="1"/>
           </a:p>
         </p:txBody>
       </p:sp>
@@ -2952,7 +2959,6 @@
                 <a:ea typeface="+mn-ea"/>
                 <a:cs typeface="+mn-cs"/>
               </a:rPr>
-              <a:t>2019/7/8</a:t>
             </a:fld>
             <a:endParaRPr lang="zh-CN" altLang="en-US" strike="noStrike" noProof="1"/>
           </a:p>
@@ -3000,7 +3006,6 @@
                 <a:ea typeface="+mn-ea"/>
                 <a:cs typeface="+mn-cs"/>
               </a:rPr>
-              <a:t>‹#›</a:t>
             </a:fld>
             <a:endParaRPr lang="zh-CN" altLang="en-US" strike="noStrike" noProof="1"/>
           </a:p>
@@ -3056,6 +3061,7 @@
               <a:rPr lang="zh-CN" altLang="en-US" strike="noStrike" noProof="1"/>
               <a:t>单击此处编辑母版标题样式</a:t>
             </a:r>
+            <a:endParaRPr lang="zh-CN" altLang="en-US" strike="noStrike" noProof="1"/>
           </a:p>
         </p:txBody>
       </p:sp>
@@ -3084,6 +3090,7 @@
               <a:rPr lang="zh-CN" altLang="en-US" strike="noStrike" noProof="1"/>
               <a:t>单击此处编辑母版文本样式</a:t>
             </a:r>
+            <a:endParaRPr lang="zh-CN" altLang="en-US" strike="noStrike" noProof="1"/>
           </a:p>
           <a:p>
             <a:pPr lvl="1" fontAlgn="auto"/>
@@ -3091,6 +3098,7 @@
               <a:rPr lang="zh-CN" altLang="en-US" strike="noStrike" noProof="1"/>
               <a:t>第二级</a:t>
             </a:r>
+            <a:endParaRPr lang="zh-CN" altLang="en-US" strike="noStrike" noProof="1"/>
           </a:p>
           <a:p>
             <a:pPr lvl="2" fontAlgn="auto"/>
@@ -3098,6 +3106,7 @@
               <a:rPr lang="zh-CN" altLang="en-US" strike="noStrike" noProof="1"/>
               <a:t>第三级</a:t>
             </a:r>
+            <a:endParaRPr lang="zh-CN" altLang="en-US" strike="noStrike" noProof="1"/>
           </a:p>
           <a:p>
             <a:pPr lvl="3" fontAlgn="auto"/>
@@ -3105,6 +3114,7 @@
               <a:rPr lang="zh-CN" altLang="en-US" strike="noStrike" noProof="1"/>
               <a:t>第四级</a:t>
             </a:r>
+            <a:endParaRPr lang="zh-CN" altLang="en-US" strike="noStrike" noProof="1"/>
           </a:p>
           <a:p>
             <a:pPr lvl="4" fontAlgn="auto"/>
@@ -3112,6 +3122,7 @@
               <a:rPr lang="zh-CN" altLang="en-US" strike="noStrike" noProof="1"/>
               <a:t>第五级</a:t>
             </a:r>
+            <a:endParaRPr lang="zh-CN" altLang="en-US" strike="noStrike" noProof="1"/>
           </a:p>
         </p:txBody>
       </p:sp>
@@ -3137,7 +3148,6 @@
                 <a:ea typeface="+mn-ea"/>
                 <a:cs typeface="+mn-cs"/>
               </a:rPr>
-              <a:t>2019/7/8</a:t>
             </a:fld>
             <a:endParaRPr lang="zh-CN" altLang="en-US" strike="noStrike" noProof="1"/>
           </a:p>
@@ -3185,7 +3195,6 @@
                 <a:ea typeface="+mn-ea"/>
                 <a:cs typeface="+mn-cs"/>
               </a:rPr>
-              <a:t>‹#›</a:t>
             </a:fld>
             <a:endParaRPr lang="zh-CN" altLang="en-US" strike="noStrike" noProof="1"/>
           </a:p>
@@ -3253,6 +3262,7 @@
               <a:rPr lang="zh-CN" altLang="en-US"/>
               <a:t>单击此处编辑母版标题样式</a:t>
             </a:r>
+            <a:endParaRPr lang="zh-CN" altLang="en-US"/>
           </a:p>
         </p:txBody>
       </p:sp>
@@ -3288,6 +3298,7 @@
               <a:rPr lang="zh-CN" altLang="en-US"/>
               <a:t>单击此处编辑母版文本样式</a:t>
             </a:r>
+            <a:endParaRPr lang="zh-CN" altLang="en-US"/>
           </a:p>
           <a:p>
             <a:pPr lvl="1" indent="-228600"/>
@@ -3295,6 +3306,7 @@
               <a:rPr lang="zh-CN" altLang="en-US"/>
               <a:t>第二级</a:t>
             </a:r>
+            <a:endParaRPr lang="zh-CN" altLang="en-US"/>
           </a:p>
           <a:p>
             <a:pPr lvl="2" indent="-228600"/>
@@ -3302,6 +3314,7 @@
               <a:rPr lang="zh-CN" altLang="en-US"/>
               <a:t>第三级</a:t>
             </a:r>
+            <a:endParaRPr lang="zh-CN" altLang="en-US"/>
           </a:p>
           <a:p>
             <a:pPr lvl="3" indent="-228600"/>
@@ -3309,6 +3322,7 @@
               <a:rPr lang="zh-CN" altLang="en-US"/>
               <a:t>第四级</a:t>
             </a:r>
+            <a:endParaRPr lang="zh-CN" altLang="en-US"/>
           </a:p>
           <a:p>
             <a:pPr lvl="4" indent="-228600"/>
@@ -3316,6 +3330,7 @@
               <a:rPr lang="zh-CN" altLang="en-US"/>
               <a:t>第五级</a:t>
             </a:r>
+            <a:endParaRPr lang="zh-CN" altLang="en-US"/>
           </a:p>
         </p:txBody>
       </p:sp>
@@ -3359,7 +3374,6 @@
                 <a:ea typeface="+mn-ea"/>
                 <a:cs typeface="+mn-cs"/>
               </a:rPr>
-              <a:t>2019/7/8</a:t>
             </a:fld>
             <a:endParaRPr lang="zh-CN" altLang="en-US" strike="noStrike" noProof="1"/>
           </a:p>
@@ -3443,7 +3457,6 @@
                 <a:ea typeface="+mn-ea"/>
                 <a:cs typeface="+mn-cs"/>
               </a:rPr>
-              <a:t>‹#›</a:t>
             </a:fld>
             <a:endParaRPr lang="zh-CN" altLang="en-US" strike="noStrike" noProof="1"/>
           </a:p>
@@ -3458,7 +3471,7 @@
           <p:nvPr userDrawn="1"/>
         </p:nvPicPr>
         <p:blipFill>
-          <a:blip r:embed="rId12"/>
+          <a:blip r:embed="rId11"/>
           <a:stretch>
             <a:fillRect/>
           </a:stretch>
@@ -3888,7 +3901,7 @@
           <p:nvPr/>
         </p:nvPicPr>
         <p:blipFill>
-          <a:blip r:embed="rId2"/>
+          <a:blip r:embed="rId1"/>
           <a:stretch>
             <a:fillRect/>
           </a:stretch>
@@ -3968,6 +3981,13 @@
               </a:rPr>
               <a:t>目录：</a:t>
             </a:r>
+            <a:endParaRPr lang="zh-CN" altLang="en-US" sz="3600" dirty="0">
+              <a:solidFill>
+                <a:srgbClr val="262626"/>
+              </a:solidFill>
+              <a:latin typeface="微软雅黑" panose="020B0503020204020204" charset="-122"/>
+              <a:ea typeface="微软雅黑" panose="020B0503020204020204" charset="-122"/>
+            </a:endParaRPr>
           </a:p>
           <a:p>
             <a:pPr algn="l"/>
@@ -4015,6 +4035,13 @@
               </a:rPr>
               <a:t>（做了什么？）</a:t>
             </a:r>
+            <a:endParaRPr lang="zh-CN" altLang="en-US" sz="1600" dirty="0">
+              <a:solidFill>
+                <a:srgbClr val="262626"/>
+              </a:solidFill>
+              <a:latin typeface="微软雅黑" panose="020B0503020204020204" charset="-122"/>
+              <a:ea typeface="微软雅黑" panose="020B0503020204020204" charset="-122"/>
+            </a:endParaRPr>
           </a:p>
           <a:p>
             <a:pPr algn="l">
@@ -4052,6 +4079,13 @@
               </a:rPr>
               <a:t>（你认为自己对团队的最大帮忙、价值？）</a:t>
             </a:r>
+            <a:endParaRPr lang="zh-CN" altLang="en-US" sz="1800" dirty="0">
+              <a:solidFill>
+                <a:srgbClr val="262626"/>
+              </a:solidFill>
+              <a:latin typeface="微软雅黑" panose="020B0503020204020204" charset="-122"/>
+              <a:ea typeface="微软雅黑" panose="020B0503020204020204" charset="-122"/>
+            </a:endParaRPr>
           </a:p>
           <a:p>
             <a:pPr algn="l">
@@ -4130,6 +4164,13 @@
               </a:rPr>
               <a:t>？）</a:t>
             </a:r>
+            <a:endParaRPr lang="zh-CN" altLang="en-US" sz="1800" dirty="0">
+              <a:solidFill>
+                <a:srgbClr val="262626"/>
+              </a:solidFill>
+              <a:latin typeface="微软雅黑" panose="020B0503020204020204" charset="-122"/>
+              <a:ea typeface="微软雅黑" panose="020B0503020204020204" charset="-122"/>
+            </a:endParaRPr>
           </a:p>
           <a:p>
             <a:pPr algn="l">
@@ -4167,6 +4208,13 @@
               </a:rPr>
               <a:t>（在工作中遇到的问题以及如何解决的？）</a:t>
             </a:r>
+            <a:endParaRPr lang="zh-CN" altLang="en-US" sz="1800" dirty="0">
+              <a:solidFill>
+                <a:srgbClr val="262626"/>
+              </a:solidFill>
+              <a:latin typeface="微软雅黑" panose="020B0503020204020204" charset="-122"/>
+              <a:ea typeface="微软雅黑" panose="020B0503020204020204" charset="-122"/>
+            </a:endParaRPr>
           </a:p>
           <a:p>
             <a:pPr algn="l">
@@ -4204,6 +4252,13 @@
               </a:rPr>
               <a:t>（包含职业规划，目前的计划？）</a:t>
             </a:r>
+            <a:endParaRPr lang="zh-CN" altLang="en-US" sz="1800" dirty="0">
+              <a:solidFill>
+                <a:srgbClr val="262626"/>
+              </a:solidFill>
+              <a:latin typeface="微软雅黑" panose="020B0503020204020204" charset="-122"/>
+              <a:ea typeface="微软雅黑" panose="020B0503020204020204" charset="-122"/>
+            </a:endParaRPr>
           </a:p>
           <a:p>
             <a:pPr algn="l">
@@ -4241,6 +4296,13 @@
               </a:rPr>
               <a:t>（对项目团队、公司各方面有什么建议？）</a:t>
             </a:r>
+            <a:endParaRPr lang="zh-CN" altLang="en-US" sz="1800" dirty="0">
+              <a:solidFill>
+                <a:srgbClr val="262626"/>
+              </a:solidFill>
+              <a:latin typeface="微软雅黑" panose="020B0503020204020204" charset="-122"/>
+              <a:ea typeface="微软雅黑" panose="020B0503020204020204" charset="-122"/>
+            </a:endParaRPr>
           </a:p>
           <a:p>
             <a:pPr algn="l"/>
@@ -4338,7 +4400,7 @@
           <p:nvPr/>
         </p:nvPicPr>
         <p:blipFill>
-          <a:blip r:embed="rId3"/>
+          <a:blip r:embed="rId1"/>
           <a:stretch>
             <a:fillRect/>
           </a:stretch>
@@ -4433,7 +4495,7 @@
                 <a:latin typeface="微软雅黑" panose="020B0503020204020204" charset="-122"/>
                 <a:ea typeface="微软雅黑" panose="020B0503020204020204" charset="-122"/>
               </a:rPr>
-              <a:t>x</a:t>
+              <a:t>4</a:t>
             </a:r>
             <a:r>
               <a:rPr lang="zh-CN" altLang="en-US">
@@ -4442,6 +4504,10 @@
               </a:rPr>
               <a:t>月</a:t>
             </a:r>
+            <a:endParaRPr lang="zh-CN" altLang="en-US">
+              <a:latin typeface="微软雅黑" panose="020B0503020204020204" charset="-122"/>
+              <a:ea typeface="微软雅黑" panose="020B0503020204020204" charset="-122"/>
+            </a:endParaRPr>
           </a:p>
         </p:txBody>
       </p:sp>
@@ -4473,7 +4539,7 @@
                 <a:latin typeface="微软雅黑" panose="020B0503020204020204" charset="-122"/>
                 <a:ea typeface="微软雅黑" panose="020B0503020204020204" charset="-122"/>
               </a:rPr>
-              <a:t>x</a:t>
+              <a:t>5</a:t>
             </a:r>
             <a:r>
               <a:rPr lang="zh-CN" altLang="en-US">
@@ -4482,6 +4548,10 @@
               </a:rPr>
               <a:t>月</a:t>
             </a:r>
+            <a:endParaRPr lang="zh-CN" altLang="en-US">
+              <a:latin typeface="微软雅黑" panose="020B0503020204020204" charset="-122"/>
+              <a:ea typeface="微软雅黑" panose="020B0503020204020204" charset="-122"/>
+            </a:endParaRPr>
           </a:p>
         </p:txBody>
       </p:sp>
@@ -4513,7 +4583,7 @@
                 <a:latin typeface="微软雅黑" panose="020B0503020204020204" charset="-122"/>
                 <a:ea typeface="微软雅黑" panose="020B0503020204020204" charset="-122"/>
               </a:rPr>
-              <a:t>x</a:t>
+              <a:t>6</a:t>
             </a:r>
             <a:r>
               <a:rPr lang="zh-CN" altLang="en-US">
@@ -4522,6 +4592,10 @@
               </a:rPr>
               <a:t>月</a:t>
             </a:r>
+            <a:endParaRPr lang="zh-CN" altLang="en-US">
+              <a:latin typeface="微软雅黑" panose="020B0503020204020204" charset="-122"/>
+              <a:ea typeface="微软雅黑" panose="020B0503020204020204" charset="-122"/>
+            </a:endParaRPr>
           </a:p>
         </p:txBody>
       </p:sp>
@@ -4534,7 +4608,7 @@
         <p:spPr>
           <a:xfrm>
             <a:off x="1163955" y="2111375"/>
-            <a:ext cx="1804670" cy="368300"/>
+            <a:ext cx="1804670" cy="1753235"/>
           </a:xfrm>
           <a:prstGeom prst="rect">
             <a:avLst/>
@@ -4547,9 +4621,9 @@
           </a:bodyPr>
           <a:lstStyle/>
           <a:p>
-            <a:pPr algn="ctr"/>
-            <a:r>
-              <a:rPr lang="zh-CN" altLang="en-US">
+            <a:pPr algn="l"/>
+            <a:r>
+              <a:rPr lang="en-US" altLang="zh-CN">
                 <a:solidFill>
                   <a:schemeClr val="tx1">
                     <a:lumMod val="50000"/>
@@ -4559,8 +4633,200 @@
                 <a:latin typeface="微软雅黑" panose="020B0503020204020204" charset="-122"/>
                 <a:ea typeface="微软雅黑" panose="020B0503020204020204" charset="-122"/>
               </a:rPr>
-              <a:t>主要工作内容</a:t>
-            </a:r>
+              <a:t>1.</a:t>
+            </a:r>
+            <a:r>
+              <a:rPr lang="zh-CN" altLang="en-US">
+                <a:solidFill>
+                  <a:schemeClr val="tx1">
+                    <a:lumMod val="50000"/>
+                    <a:lumOff val="50000"/>
+                  </a:schemeClr>
+                </a:solidFill>
+                <a:latin typeface="微软雅黑" panose="020B0503020204020204" charset="-122"/>
+                <a:ea typeface="微软雅黑" panose="020B0503020204020204" charset="-122"/>
+              </a:rPr>
+              <a:t>快速上手项目</a:t>
+            </a:r>
+            <a:endParaRPr lang="zh-CN" altLang="en-US">
+              <a:solidFill>
+                <a:schemeClr val="tx1">
+                  <a:lumMod val="50000"/>
+                  <a:lumOff val="50000"/>
+                </a:schemeClr>
+              </a:solidFill>
+              <a:latin typeface="微软雅黑" panose="020B0503020204020204" charset="-122"/>
+              <a:ea typeface="微软雅黑" panose="020B0503020204020204" charset="-122"/>
+            </a:endParaRPr>
+          </a:p>
+          <a:p>
+            <a:pPr algn="l"/>
+            <a:r>
+              <a:rPr lang="en-US" altLang="zh-CN">
+                <a:solidFill>
+                  <a:schemeClr val="tx1">
+                    <a:lumMod val="50000"/>
+                    <a:lumOff val="50000"/>
+                  </a:schemeClr>
+                </a:solidFill>
+                <a:latin typeface="微软雅黑" panose="020B0503020204020204" charset="-122"/>
+                <a:ea typeface="微软雅黑" panose="020B0503020204020204" charset="-122"/>
+              </a:rPr>
+              <a:t>2.</a:t>
+            </a:r>
+            <a:r>
+              <a:rPr lang="zh-CN" altLang="en-US">
+                <a:solidFill>
+                  <a:schemeClr val="tx1">
+                    <a:lumMod val="50000"/>
+                    <a:lumOff val="50000"/>
+                  </a:schemeClr>
+                </a:solidFill>
+                <a:latin typeface="微软雅黑" panose="020B0503020204020204" charset="-122"/>
+                <a:ea typeface="微软雅黑" panose="020B0503020204020204" charset="-122"/>
+              </a:rPr>
+              <a:t>完成</a:t>
+            </a:r>
+            <a:r>
+              <a:rPr lang="en-US" altLang="zh-CN">
+                <a:solidFill>
+                  <a:schemeClr val="tx1">
+                    <a:lumMod val="50000"/>
+                    <a:lumOff val="50000"/>
+                  </a:schemeClr>
+                </a:solidFill>
+                <a:latin typeface="微软雅黑" panose="020B0503020204020204" charset="-122"/>
+                <a:ea typeface="微软雅黑" panose="020B0503020204020204" charset="-122"/>
+              </a:rPr>
+              <a:t>“</a:t>
+            </a:r>
+            <a:r>
+              <a:rPr lang="zh-CN" altLang="en-US">
+                <a:solidFill>
+                  <a:schemeClr val="tx1">
+                    <a:lumMod val="50000"/>
+                    <a:lumOff val="50000"/>
+                  </a:schemeClr>
+                </a:solidFill>
+                <a:latin typeface="微软雅黑" panose="020B0503020204020204" charset="-122"/>
+                <a:ea typeface="微软雅黑" panose="020B0503020204020204" charset="-122"/>
+              </a:rPr>
+              <a:t>赞助商额外加成</a:t>
+            </a:r>
+            <a:r>
+              <a:rPr lang="en-US" altLang="zh-CN">
+                <a:solidFill>
+                  <a:schemeClr val="tx1">
+                    <a:lumMod val="50000"/>
+                    <a:lumOff val="50000"/>
+                  </a:schemeClr>
+                </a:solidFill>
+                <a:latin typeface="微软雅黑" panose="020B0503020204020204" charset="-122"/>
+                <a:ea typeface="微软雅黑" panose="020B0503020204020204" charset="-122"/>
+              </a:rPr>
+              <a:t>”</a:t>
+            </a:r>
+            <a:r>
+              <a:rPr lang="zh-CN" altLang="en-US">
+                <a:solidFill>
+                  <a:schemeClr val="tx1">
+                    <a:lumMod val="50000"/>
+                    <a:lumOff val="50000"/>
+                  </a:schemeClr>
+                </a:solidFill>
+                <a:latin typeface="微软雅黑" panose="020B0503020204020204" charset="-122"/>
+                <a:ea typeface="微软雅黑" panose="020B0503020204020204" charset="-122"/>
+              </a:rPr>
+              <a:t>需求</a:t>
+            </a:r>
+            <a:endParaRPr lang="zh-CN" altLang="en-US">
+              <a:solidFill>
+                <a:schemeClr val="tx1">
+                  <a:lumMod val="50000"/>
+                  <a:lumOff val="50000"/>
+                </a:schemeClr>
+              </a:solidFill>
+              <a:latin typeface="微软雅黑" panose="020B0503020204020204" charset="-122"/>
+              <a:ea typeface="微软雅黑" panose="020B0503020204020204" charset="-122"/>
+            </a:endParaRPr>
+          </a:p>
+          <a:p>
+            <a:pPr algn="l"/>
+            <a:r>
+              <a:rPr lang="en-US" altLang="zh-CN">
+                <a:solidFill>
+                  <a:schemeClr val="tx1">
+                    <a:lumMod val="50000"/>
+                    <a:lumOff val="50000"/>
+                  </a:schemeClr>
+                </a:solidFill>
+                <a:latin typeface="微软雅黑" panose="020B0503020204020204" charset="-122"/>
+                <a:ea typeface="微软雅黑" panose="020B0503020204020204" charset="-122"/>
+              </a:rPr>
+              <a:t>3.</a:t>
+            </a:r>
+            <a:r>
+              <a:rPr lang="zh-CN" altLang="en-US">
+                <a:solidFill>
+                  <a:schemeClr val="tx1">
+                    <a:lumMod val="50000"/>
+                    <a:lumOff val="50000"/>
+                  </a:schemeClr>
+                </a:solidFill>
+                <a:latin typeface="微软雅黑" panose="020B0503020204020204" charset="-122"/>
+                <a:ea typeface="微软雅黑" panose="020B0503020204020204" charset="-122"/>
+              </a:rPr>
+              <a:t>修改一些体验</a:t>
+            </a:r>
+            <a:r>
+              <a:rPr lang="en-US" altLang="zh-CN">
+                <a:solidFill>
+                  <a:schemeClr val="tx1">
+                    <a:lumMod val="50000"/>
+                    <a:lumOff val="50000"/>
+                  </a:schemeClr>
+                </a:solidFill>
+                <a:latin typeface="微软雅黑" panose="020B0503020204020204" charset="-122"/>
+                <a:ea typeface="微软雅黑" panose="020B0503020204020204" charset="-122"/>
+              </a:rPr>
+              <a:t>bug</a:t>
+            </a:r>
+            <a:endParaRPr lang="en-US" altLang="zh-CN">
+              <a:solidFill>
+                <a:schemeClr val="tx1">
+                  <a:lumMod val="50000"/>
+                  <a:lumOff val="50000"/>
+                </a:schemeClr>
+              </a:solidFill>
+              <a:latin typeface="微软雅黑" panose="020B0503020204020204" charset="-122"/>
+              <a:ea typeface="微软雅黑" panose="020B0503020204020204" charset="-122"/>
+            </a:endParaRPr>
+          </a:p>
+          <a:p>
+            <a:pPr algn="l"/>
+            <a:r>
+              <a:rPr lang="en-US" altLang="zh-CN">
+                <a:solidFill>
+                  <a:schemeClr val="tx1">
+                    <a:lumMod val="50000"/>
+                    <a:lumOff val="50000"/>
+                  </a:schemeClr>
+                </a:solidFill>
+                <a:latin typeface="微软雅黑" panose="020B0503020204020204" charset="-122"/>
+                <a:ea typeface="微软雅黑" panose="020B0503020204020204" charset="-122"/>
+              </a:rPr>
+              <a:t>4.</a:t>
+            </a:r>
+            <a:endParaRPr lang="en-US" altLang="zh-CN">
+              <a:solidFill>
+                <a:schemeClr val="tx1">
+                  <a:lumMod val="50000"/>
+                  <a:lumOff val="50000"/>
+                </a:schemeClr>
+              </a:solidFill>
+              <a:latin typeface="微软雅黑" panose="020B0503020204020204" charset="-122"/>
+              <a:ea typeface="微软雅黑" panose="020B0503020204020204" charset="-122"/>
+            </a:endParaRPr>
           </a:p>
         </p:txBody>
       </p:sp>
@@ -4573,7 +4839,7 @@
         <p:spPr>
           <a:xfrm>
             <a:off x="4757420" y="2111375"/>
-            <a:ext cx="1804670" cy="368300"/>
+            <a:ext cx="1804670" cy="1753235"/>
           </a:xfrm>
           <a:prstGeom prst="rect">
             <a:avLst/>
@@ -4586,9 +4852,9 @@
           </a:bodyPr>
           <a:lstStyle/>
           <a:p>
-            <a:pPr algn="ctr"/>
-            <a:r>
-              <a:rPr lang="zh-CN" altLang="en-US">
+            <a:pPr algn="l"/>
+            <a:r>
+              <a:rPr lang="en-US" altLang="zh-CN">
                 <a:solidFill>
                   <a:schemeClr val="tx1">
                     <a:lumMod val="50000"/>
@@ -4598,8 +4864,83 @@
                 <a:latin typeface="微软雅黑" panose="020B0503020204020204" charset="-122"/>
                 <a:ea typeface="微软雅黑" panose="020B0503020204020204" charset="-122"/>
               </a:rPr>
-              <a:t>主要工作内容</a:t>
-            </a:r>
+              <a:t>1.</a:t>
+            </a:r>
+            <a:r>
+              <a:rPr lang="zh-CN" altLang="en-US">
+                <a:solidFill>
+                  <a:schemeClr val="tx1">
+                    <a:lumMod val="50000"/>
+                    <a:lumOff val="50000"/>
+                  </a:schemeClr>
+                </a:solidFill>
+                <a:latin typeface="微软雅黑" panose="020B0503020204020204" charset="-122"/>
+                <a:ea typeface="微软雅黑" panose="020B0503020204020204" charset="-122"/>
+              </a:rPr>
+              <a:t>更换美术资源</a:t>
+            </a:r>
+            <a:r>
+              <a:rPr lang="en-US" altLang="zh-CN">
+                <a:solidFill>
+                  <a:schemeClr val="tx1">
+                    <a:lumMod val="50000"/>
+                    <a:lumOff val="50000"/>
+                  </a:schemeClr>
+                </a:solidFill>
+                <a:latin typeface="微软雅黑" panose="020B0503020204020204" charset="-122"/>
+                <a:ea typeface="微软雅黑" panose="020B0503020204020204" charset="-122"/>
+              </a:rPr>
+              <a:t>2.</a:t>
+            </a:r>
+            <a:r>
+              <a:rPr lang="zh-CN" altLang="en-US">
+                <a:solidFill>
+                  <a:schemeClr val="tx1">
+                    <a:lumMod val="50000"/>
+                    <a:lumOff val="50000"/>
+                  </a:schemeClr>
+                </a:solidFill>
+                <a:latin typeface="微软雅黑" panose="020B0503020204020204" charset="-122"/>
+                <a:ea typeface="微软雅黑" panose="020B0503020204020204" charset="-122"/>
+              </a:rPr>
+              <a:t>编写编辑器拓展工具，提高查找、更换美术资源的效率</a:t>
+            </a:r>
+            <a:endParaRPr lang="zh-CN" altLang="en-US">
+              <a:solidFill>
+                <a:schemeClr val="tx1">
+                  <a:lumMod val="50000"/>
+                  <a:lumOff val="50000"/>
+                </a:schemeClr>
+              </a:solidFill>
+              <a:latin typeface="微软雅黑" panose="020B0503020204020204" charset="-122"/>
+              <a:ea typeface="微软雅黑" panose="020B0503020204020204" charset="-122"/>
+            </a:endParaRPr>
+          </a:p>
+          <a:p>
+            <a:pPr algn="l"/>
+            <a:r>
+              <a:rPr lang="en-US" altLang="zh-CN">
+                <a:solidFill>
+                  <a:schemeClr val="tx1">
+                    <a:lumMod val="50000"/>
+                    <a:lumOff val="50000"/>
+                  </a:schemeClr>
+                </a:solidFill>
+                <a:latin typeface="微软雅黑" panose="020B0503020204020204" charset="-122"/>
+                <a:ea typeface="微软雅黑" panose="020B0503020204020204" charset="-122"/>
+              </a:rPr>
+              <a:t>3.</a:t>
+            </a:r>
+            <a:endParaRPr lang="en-US" altLang="zh-CN">
+              <a:solidFill>
+                <a:schemeClr val="tx1">
+                  <a:lumMod val="50000"/>
+                  <a:lumOff val="50000"/>
+                </a:schemeClr>
+              </a:solidFill>
+              <a:latin typeface="微软雅黑" panose="020B0503020204020204" charset="-122"/>
+              <a:ea typeface="微软雅黑" panose="020B0503020204020204" charset="-122"/>
+            </a:endParaRPr>
           </a:p>
         </p:txBody>
       </p:sp>
@@ -4612,7 +4953,7 @@
         <p:spPr>
           <a:xfrm>
             <a:off x="8301355" y="2111375"/>
-            <a:ext cx="1804670" cy="368300"/>
+            <a:ext cx="1804670" cy="922020"/>
           </a:xfrm>
           <a:prstGeom prst="rect">
             <a:avLst/>
@@ -4625,9 +4966,9 @@
           </a:bodyPr>
           <a:lstStyle/>
           <a:p>
-            <a:pPr algn="ctr"/>
-            <a:r>
-              <a:rPr lang="zh-CN" altLang="en-US">
+            <a:pPr algn="l"/>
+            <a:r>
+              <a:rPr lang="en-US" altLang="zh-CN">
                 <a:solidFill>
                   <a:schemeClr val="tx1">
                     <a:lumMod val="50000"/>
@@ -4637,8 +4978,57 @@
                 <a:latin typeface="微软雅黑" panose="020B0503020204020204" charset="-122"/>
                 <a:ea typeface="微软雅黑" panose="020B0503020204020204" charset="-122"/>
               </a:rPr>
-              <a:t>主要工作内容</a:t>
-            </a:r>
+              <a:t>1.</a:t>
+            </a:r>
+            <a:r>
+              <a:rPr lang="zh-CN" altLang="en-US">
+                <a:solidFill>
+                  <a:schemeClr val="tx1">
+                    <a:lumMod val="50000"/>
+                    <a:lumOff val="50000"/>
+                  </a:schemeClr>
+                </a:solidFill>
+                <a:latin typeface="微软雅黑" panose="020B0503020204020204" charset="-122"/>
+                <a:ea typeface="微软雅黑" panose="020B0503020204020204" charset="-122"/>
+              </a:rPr>
+              <a:t>巅峰对决模块开发</a:t>
+            </a:r>
+            <a:endParaRPr lang="zh-CN" altLang="en-US">
+              <a:solidFill>
+                <a:schemeClr val="tx1">
+                  <a:lumMod val="50000"/>
+                  <a:lumOff val="50000"/>
+                </a:schemeClr>
+              </a:solidFill>
+              <a:latin typeface="微软雅黑" panose="020B0503020204020204" charset="-122"/>
+              <a:ea typeface="微软雅黑" panose="020B0503020204020204" charset="-122"/>
+            </a:endParaRPr>
+          </a:p>
+          <a:p>
+            <a:pPr algn="l"/>
+            <a:r>
+              <a:rPr lang="en-US" altLang="zh-CN">
+                <a:solidFill>
+                  <a:schemeClr val="tx1">
+                    <a:lumMod val="50000"/>
+                    <a:lumOff val="50000"/>
+                  </a:schemeClr>
+                </a:solidFill>
+                <a:latin typeface="微软雅黑" panose="020B0503020204020204" charset="-122"/>
+                <a:ea typeface="微软雅黑" panose="020B0503020204020204" charset="-122"/>
+              </a:rPr>
+              <a:t>2.</a:t>
+            </a:r>
+            <a:endParaRPr lang="en-US" altLang="zh-CN">
+              <a:solidFill>
+                <a:schemeClr val="tx1">
+                  <a:lumMod val="50000"/>
+                  <a:lumOff val="50000"/>
+                </a:schemeClr>
+              </a:solidFill>
+              <a:latin typeface="微软雅黑" panose="020B0503020204020204" charset="-122"/>
+              <a:ea typeface="微软雅黑" panose="020B0503020204020204" charset="-122"/>
+            </a:endParaRPr>
           </a:p>
         </p:txBody>
       </p:sp>
@@ -4858,6 +5248,16 @@
               </a:rPr>
               <a:t>，图表，截图等表示；            </a:t>
             </a:r>
+            <a:endParaRPr lang="zh-CN" altLang="en-US">
+              <a:solidFill>
+                <a:schemeClr val="tx1">
+                  <a:lumMod val="50000"/>
+                  <a:lumOff val="50000"/>
+                </a:schemeClr>
+              </a:solidFill>
+              <a:latin typeface="微软雅黑" panose="020B0503020204020204" charset="-122"/>
+              <a:ea typeface="微软雅黑" panose="020B0503020204020204" charset="-122"/>
+            </a:endParaRPr>
           </a:p>
           <a:p>
             <a:pPr algn="l"/>
@@ -4900,10 +5300,23 @@
               </a:rPr>
               <a:t>需要清晰且较详细的阐述。</a:t>
             </a:r>
+            <a:endParaRPr lang="zh-CN" altLang="en-US">
+              <a:solidFill>
+                <a:schemeClr val="tx1">
+                  <a:lumMod val="50000"/>
+                  <a:lumOff val="50000"/>
+                </a:schemeClr>
+              </a:solidFill>
+              <a:latin typeface="微软雅黑" panose="020B0503020204020204" charset="-122"/>
+              <a:ea typeface="微软雅黑" panose="020B0503020204020204" charset="-122"/>
+            </a:endParaRPr>
           </a:p>
         </p:txBody>
       </p:sp>
     </p:spTree>
+    <p:custDataLst>
+      <p:tags r:id="rId2"/>
+    </p:custDataLst>
   </p:cSld>
   <p:clrMapOvr>
     <a:masterClrMapping/>
@@ -4937,7 +5350,7 @@
           <p:nvPr/>
         </p:nvPicPr>
         <p:blipFill>
-          <a:blip r:embed="rId3"/>
+          <a:blip r:embed="rId1"/>
           <a:stretch>
             <a:fillRect/>
           </a:stretch>
@@ -5056,6 +5469,10 @@
               </a:rPr>
               <a:t>部门报到</a:t>
             </a:r>
+            <a:endParaRPr lang="zh-CN" altLang="zh-CN" strike="noStrike" noProof="1">
+              <a:latin typeface="楷体" panose="02010609060101010101" charset="-122"/>
+              <a:ea typeface="楷体" panose="02010609060101010101" charset="-122"/>
+            </a:endParaRPr>
           </a:p>
           <a:p>
             <a:pPr algn="ctr" fontAlgn="auto"/>
@@ -5066,6 +5483,10 @@
               </a:rPr>
               <a:t>（部门负责人）</a:t>
             </a:r>
+            <a:endParaRPr lang="zh-CN" altLang="zh-CN" strike="noStrike" noProof="1">
+              <a:latin typeface="楷体" panose="02010609060101010101" charset="-122"/>
+              <a:ea typeface="楷体" panose="02010609060101010101" charset="-122"/>
+            </a:endParaRPr>
           </a:p>
         </p:txBody>
       </p:sp>
@@ -5118,6 +5539,10 @@
               </a:rPr>
               <a:t>办公用品领取</a:t>
             </a:r>
+            <a:endParaRPr lang="zh-CN" altLang="zh-CN" strike="noStrike" noProof="1">
+              <a:latin typeface="楷体" panose="02010609060101010101" charset="-122"/>
+              <a:ea typeface="楷体" panose="02010609060101010101" charset="-122"/>
+            </a:endParaRPr>
           </a:p>
           <a:p>
             <a:pPr algn="ctr" fontAlgn="auto"/>
@@ -5142,6 +5567,10 @@
               </a:rPr>
               <a:t>行政）</a:t>
             </a:r>
+            <a:endParaRPr lang="zh-CN" altLang="zh-CN" strike="noStrike" noProof="1">
+              <a:latin typeface="楷体" panose="02010609060101010101" charset="-122"/>
+              <a:ea typeface="楷体" panose="02010609060101010101" charset="-122"/>
+            </a:endParaRPr>
           </a:p>
         </p:txBody>
       </p:sp>
@@ -5344,6 +5773,10 @@
               </a:rPr>
               <a:t>集中组织</a:t>
             </a:r>
+            <a:endParaRPr lang="zh-CN" altLang="en-US" dirty="0">
+              <a:latin typeface="楷体" panose="02010609060101010101" charset="-122"/>
+              <a:ea typeface="楷体" panose="02010609060101010101" charset="-122"/>
+            </a:endParaRPr>
           </a:p>
         </p:txBody>
       </p:sp>
@@ -5356,7 +5789,7 @@
           <p:nvPr/>
         </p:nvPicPr>
         <p:blipFill>
-          <a:blip r:embed="rId3"/>
+          <a:blip r:embed="rId1"/>
           <a:stretch>
             <a:fillRect/>
           </a:stretch>
@@ -5475,6 +5908,10 @@
               </a:rPr>
               <a:t>部门报到</a:t>
             </a:r>
+            <a:endParaRPr lang="zh-CN" altLang="zh-CN" strike="noStrike" noProof="1">
+              <a:latin typeface="楷体" panose="02010609060101010101" charset="-122"/>
+              <a:ea typeface="楷体" panose="02010609060101010101" charset="-122"/>
+            </a:endParaRPr>
           </a:p>
           <a:p>
             <a:pPr algn="ctr" fontAlgn="auto"/>
@@ -5485,6 +5922,10 @@
               </a:rPr>
               <a:t>（部门负责人）</a:t>
             </a:r>
+            <a:endParaRPr lang="zh-CN" altLang="zh-CN" strike="noStrike" noProof="1">
+              <a:latin typeface="楷体" panose="02010609060101010101" charset="-122"/>
+              <a:ea typeface="楷体" panose="02010609060101010101" charset="-122"/>
+            </a:endParaRPr>
           </a:p>
         </p:txBody>
       </p:sp>
@@ -5537,6 +5978,10 @@
               </a:rPr>
               <a:t>办公用品领取</a:t>
             </a:r>
+            <a:endParaRPr lang="zh-CN" altLang="zh-CN" strike="noStrike" noProof="1">
+              <a:latin typeface="楷体" panose="02010609060101010101" charset="-122"/>
+              <a:ea typeface="楷体" panose="02010609060101010101" charset="-122"/>
+            </a:endParaRPr>
           </a:p>
           <a:p>
             <a:pPr algn="ctr" fontAlgn="auto"/>
@@ -5561,6 +6006,10 @@
               </a:rPr>
               <a:t>行政）</a:t>
             </a:r>
+            <a:endParaRPr lang="zh-CN" altLang="zh-CN" strike="noStrike" noProof="1">
+              <a:latin typeface="楷体" panose="02010609060101010101" charset="-122"/>
+              <a:ea typeface="楷体" panose="02010609060101010101" charset="-122"/>
+            </a:endParaRPr>
           </a:p>
         </p:txBody>
       </p:sp>
@@ -5763,6 +6212,10 @@
               </a:rPr>
               <a:t>集中组织</a:t>
             </a:r>
+            <a:endParaRPr lang="zh-CN" altLang="en-US" dirty="0">
+              <a:latin typeface="楷体" panose="02010609060101010101" charset="-122"/>
+              <a:ea typeface="楷体" panose="02010609060101010101" charset="-122"/>
+            </a:endParaRPr>
           </a:p>
         </p:txBody>
       </p:sp>
@@ -5775,7 +6228,7 @@
           <p:nvPr/>
         </p:nvPicPr>
         <p:blipFill>
-          <a:blip r:embed="rId3"/>
+          <a:blip r:embed="rId1"/>
           <a:stretch>
             <a:fillRect/>
           </a:stretch>
@@ -5894,6 +6347,10 @@
               </a:rPr>
               <a:t>部门报到</a:t>
             </a:r>
+            <a:endParaRPr lang="zh-CN" altLang="zh-CN" strike="noStrike" noProof="1">
+              <a:latin typeface="楷体" panose="02010609060101010101" charset="-122"/>
+              <a:ea typeface="楷体" panose="02010609060101010101" charset="-122"/>
+            </a:endParaRPr>
           </a:p>
           <a:p>
             <a:pPr algn="ctr" fontAlgn="auto"/>
@@ -5904,6 +6361,10 @@
               </a:rPr>
               <a:t>（部门负责人）</a:t>
             </a:r>
+            <a:endParaRPr lang="zh-CN" altLang="zh-CN" strike="noStrike" noProof="1">
+              <a:latin typeface="楷体" panose="02010609060101010101" charset="-122"/>
+              <a:ea typeface="楷体" panose="02010609060101010101" charset="-122"/>
+            </a:endParaRPr>
           </a:p>
         </p:txBody>
       </p:sp>
@@ -5956,6 +6417,10 @@
               </a:rPr>
               <a:t>办公用品领取</a:t>
             </a:r>
+            <a:endParaRPr lang="zh-CN" altLang="zh-CN" strike="noStrike" noProof="1">
+              <a:latin typeface="楷体" panose="02010609060101010101" charset="-122"/>
+              <a:ea typeface="楷体" panose="02010609060101010101" charset="-122"/>
+            </a:endParaRPr>
           </a:p>
           <a:p>
             <a:pPr algn="ctr" fontAlgn="auto"/>
@@ -5980,6 +6445,10 @@
               </a:rPr>
               <a:t>行政）</a:t>
             </a:r>
+            <a:endParaRPr lang="zh-CN" altLang="zh-CN" strike="noStrike" noProof="1">
+              <a:latin typeface="楷体" panose="02010609060101010101" charset="-122"/>
+              <a:ea typeface="楷体" panose="02010609060101010101" charset="-122"/>
+            </a:endParaRPr>
           </a:p>
         </p:txBody>
       </p:sp>
@@ -6182,6 +6651,10 @@
               </a:rPr>
               <a:t>集中组织</a:t>
             </a:r>
+            <a:endParaRPr lang="zh-CN" altLang="en-US" dirty="0">
+              <a:latin typeface="楷体" panose="02010609060101010101" charset="-122"/>
+              <a:ea typeface="楷体" panose="02010609060101010101" charset="-122"/>
+            </a:endParaRPr>
           </a:p>
         </p:txBody>
       </p:sp>
@@ -6194,7 +6667,7 @@
           <p:nvPr/>
         </p:nvPicPr>
         <p:blipFill>
-          <a:blip r:embed="rId3"/>
+          <a:blip r:embed="rId1"/>
           <a:stretch>
             <a:fillRect/>
           </a:stretch>
@@ -6370,7 +6843,105 @@
                 <a:latin typeface="微软雅黑" panose="020B0503020204020204" charset="-122"/>
                 <a:ea typeface="微软雅黑" panose="020B0503020204020204" charset="-122"/>
               </a:rPr>
-              <a:t>1.</a:t>
+              <a:t>1.编写编辑器拓展工具，提高查找、更换美术资源的效率</a:t>
+            </a:r>
+            <a:endParaRPr lang="en-US" altLang="zh-CN" sz="1800" dirty="0">
+              <a:solidFill>
+                <a:srgbClr val="262626"/>
+              </a:solidFill>
+              <a:latin typeface="微软雅黑" panose="020B0503020204020204" charset="-122"/>
+              <a:ea typeface="微软雅黑" panose="020B0503020204020204" charset="-122"/>
+            </a:endParaRPr>
+          </a:p>
+          <a:p>
+            <a:pPr algn="l">
+              <a:lnSpc>
+                <a:spcPts val="5120"/>
+              </a:lnSpc>
+            </a:pPr>
+            <a:r>
+              <a:rPr lang="en-US" altLang="zh-CN" sz="1800" dirty="0">
+                <a:solidFill>
+                  <a:srgbClr val="262626"/>
+                </a:solidFill>
+                <a:latin typeface="微软雅黑" panose="020B0503020204020204" charset="-122"/>
+                <a:ea typeface="微软雅黑" panose="020B0503020204020204" charset="-122"/>
+              </a:rPr>
+              <a:t>2.</a:t>
+            </a:r>
+            <a:r>
+              <a:rPr lang="zh-CN" altLang="en-US" sz="1800" dirty="0">
+                <a:solidFill>
+                  <a:srgbClr val="262626"/>
+                </a:solidFill>
+                <a:latin typeface="微软雅黑" panose="020B0503020204020204" charset="-122"/>
+                <a:ea typeface="微软雅黑" panose="020B0503020204020204" charset="-122"/>
+              </a:rPr>
+              <a:t>编写了</a:t>
+            </a:r>
+            <a:r>
+              <a:rPr lang="en-US" altLang="zh-CN" sz="1800" dirty="0">
+                <a:solidFill>
+                  <a:srgbClr val="262626"/>
+                </a:solidFill>
+                <a:latin typeface="微软雅黑" panose="020B0503020204020204" charset="-122"/>
+                <a:ea typeface="微软雅黑" panose="020B0503020204020204" charset="-122"/>
+              </a:rPr>
+              <a:t>4</a:t>
+            </a:r>
+            <a:r>
+              <a:rPr lang="zh-CN" altLang="en-US" sz="1800" dirty="0">
+                <a:solidFill>
+                  <a:srgbClr val="262626"/>
+                </a:solidFill>
+                <a:latin typeface="微软雅黑" panose="020B0503020204020204" charset="-122"/>
+                <a:ea typeface="微软雅黑" panose="020B0503020204020204" charset="-122"/>
+              </a:rPr>
+              <a:t>个公共组件，方便以后其他模块的开发</a:t>
+            </a:r>
+            <a:endParaRPr lang="en-US" altLang="zh-CN" sz="1800" dirty="0">
+              <a:solidFill>
+                <a:srgbClr val="262626"/>
+              </a:solidFill>
+              <a:latin typeface="微软雅黑" panose="020B0503020204020204" charset="-122"/>
+              <a:ea typeface="微软雅黑" panose="020B0503020204020204" charset="-122"/>
+            </a:endParaRPr>
+          </a:p>
+          <a:p>
+            <a:pPr algn="l">
+              <a:lnSpc>
+                <a:spcPts val="5120"/>
+              </a:lnSpc>
+            </a:pPr>
+            <a:r>
+              <a:rPr lang="en-US" altLang="zh-CN" sz="1800" dirty="0">
+                <a:solidFill>
+                  <a:srgbClr val="262626"/>
+                </a:solidFill>
+                <a:latin typeface="微软雅黑" panose="020B0503020204020204" charset="-122"/>
+                <a:ea typeface="微软雅黑" panose="020B0503020204020204" charset="-122"/>
+              </a:rPr>
+              <a:t>3.帮助特效同事同步环境，提高了</a:t>
+            </a:r>
+            <a:r>
+              <a:rPr lang="zh-CN" altLang="en-US" sz="1800" dirty="0">
+                <a:solidFill>
+                  <a:srgbClr val="262626"/>
+                </a:solidFill>
+                <a:latin typeface="微软雅黑" panose="020B0503020204020204" charset="-122"/>
+                <a:ea typeface="微软雅黑" panose="020B0503020204020204" charset="-122"/>
+              </a:rPr>
+              <a:t>前端</a:t>
+            </a:r>
+            <a:r>
+              <a:rPr lang="en-US" altLang="zh-CN" sz="1800" dirty="0">
+                <a:solidFill>
+                  <a:srgbClr val="262626"/>
+                </a:solidFill>
+                <a:latin typeface="微软雅黑" panose="020B0503020204020204" charset="-122"/>
+                <a:ea typeface="微软雅黑" panose="020B0503020204020204" charset="-122"/>
+              </a:rPr>
+              <a:t>添加特效的效率 </a:t>
             </a:r>
             <a:endParaRPr lang="zh-CN" altLang="en-US" sz="1800" dirty="0">
               <a:solidFill>
@@ -6394,49 +6965,25 @@
                 <a:latin typeface="微软雅黑" panose="020B0503020204020204" charset="-122"/>
                 <a:ea typeface="微软雅黑" panose="020B0503020204020204" charset="-122"/>
               </a:rPr>
-              <a:t>2.</a:t>
-            </a:r>
-          </a:p>
-          <a:p>
-            <a:pPr algn="l">
-              <a:lnSpc>
-                <a:spcPts val="5120"/>
-              </a:lnSpc>
-            </a:pPr>
-            <a:r>
-              <a:rPr lang="en-US" altLang="zh-CN" sz="1800" dirty="0">
+              <a:t>4.</a:t>
+            </a:r>
+            <a:r>
+              <a:rPr lang="zh-CN" altLang="en-US" sz="1800" dirty="0">
                 <a:solidFill>
                   <a:srgbClr val="262626"/>
                 </a:solidFill>
                 <a:latin typeface="微软雅黑" panose="020B0503020204020204" charset="-122"/>
                 <a:ea typeface="微软雅黑" panose="020B0503020204020204" charset="-122"/>
               </a:rPr>
-              <a:t>3. </a:t>
-            </a:r>
-            <a:endParaRPr lang="zh-CN" altLang="en-US" sz="1800" dirty="0">
+              <a:t>整理了部分图集</a:t>
+            </a:r>
+            <a:endParaRPr lang="en-US" altLang="zh-CN" sz="1800" dirty="0">
               <a:solidFill>
                 <a:srgbClr val="262626"/>
               </a:solidFill>
               <a:latin typeface="微软雅黑" panose="020B0503020204020204" charset="-122"/>
               <a:ea typeface="微软雅黑" panose="020B0503020204020204" charset="-122"/>
             </a:endParaRPr>
-          </a:p>
-          <a:p>
-            <a:pPr algn="l">
-              <a:lnSpc>
-                <a:spcPts val="5120"/>
-              </a:lnSpc>
-            </a:pPr>
-            <a:r>
-              <a:rPr lang="en-US" altLang="zh-CN" sz="1800" dirty="0">
-                <a:solidFill>
-                  <a:srgbClr val="262626"/>
-                </a:solidFill>
-                <a:latin typeface="微软雅黑" panose="020B0503020204020204" charset="-122"/>
-                <a:ea typeface="微软雅黑" panose="020B0503020204020204" charset="-122"/>
-              </a:rPr>
-              <a:t>4.</a:t>
-            </a:r>
           </a:p>
           <a:p>
             <a:pPr algn="l">
@@ -6616,6 +7163,16 @@
               </a:rPr>
               <a:t>项目组所带来的惊喜变化和对其他的同事的帮助。</a:t>
             </a:r>
+            <a:endParaRPr lang="zh-CN" altLang="en-US">
+              <a:solidFill>
+                <a:schemeClr val="tx1">
+                  <a:lumMod val="50000"/>
+                  <a:lumOff val="50000"/>
+                </a:schemeClr>
+              </a:solidFill>
+              <a:latin typeface="微软雅黑" panose="020B0503020204020204" charset="-122"/>
+              <a:ea typeface="微软雅黑" panose="020B0503020204020204" charset="-122"/>
+            </a:endParaRPr>
           </a:p>
         </p:txBody>
       </p:sp>
@@ -6653,7 +7210,7 @@
           <p:nvPr/>
         </p:nvPicPr>
         <p:blipFill>
-          <a:blip r:embed="rId3"/>
+          <a:blip r:embed="rId1"/>
           <a:stretch>
             <a:fillRect/>
           </a:stretch>
@@ -6828,6 +7385,26 @@
               </a:rPr>
               <a:t>1.</a:t>
             </a:r>
+            <a:r>
+              <a:rPr lang="zh-CN" altLang="en-US" sz="1800" dirty="0">
+                <a:solidFill>
+                  <a:srgbClr val="262626"/>
+                </a:solidFill>
+                <a:latin typeface="微软雅黑" panose="020B0503020204020204" charset="-122"/>
+                <a:ea typeface="微软雅黑" panose="020B0503020204020204" charset="-122"/>
+              </a:rPr>
+              <a:t>更加深入的了解了</a:t>
+            </a:r>
+            <a:r>
+              <a:rPr lang="en-US" altLang="zh-CN" sz="1800" dirty="0">
+                <a:solidFill>
+                  <a:srgbClr val="262626"/>
+                </a:solidFill>
+                <a:latin typeface="微软雅黑" panose="020B0503020204020204" charset="-122"/>
+                <a:ea typeface="微软雅黑" panose="020B0503020204020204" charset="-122"/>
+              </a:rPr>
+              <a:t>Unity API</a:t>
+            </a:r>
             <a:endParaRPr lang="zh-CN" altLang="en-US" sz="1800" dirty="0">
               <a:solidFill>
                 <a:srgbClr val="262626"/>
@@ -6852,6 +7429,23 @@
               </a:rPr>
               <a:t>2.</a:t>
             </a:r>
+            <a:r>
+              <a:rPr lang="zh-CN" altLang="en-US" sz="1800" dirty="0">
+                <a:solidFill>
+                  <a:srgbClr val="262626"/>
+                </a:solidFill>
+                <a:latin typeface="微软雅黑" panose="020B0503020204020204" charset="-122"/>
+                <a:ea typeface="微软雅黑" panose="020B0503020204020204" charset="-122"/>
+              </a:rPr>
+              <a:t>基础知识更加扎实了</a:t>
+            </a:r>
+            <a:endParaRPr lang="en-US" altLang="zh-CN" sz="1800" dirty="0">
+              <a:solidFill>
+                <a:srgbClr val="262626"/>
+              </a:solidFill>
+              <a:latin typeface="微软雅黑" panose="020B0503020204020204" charset="-122"/>
+              <a:ea typeface="微软雅黑" panose="020B0503020204020204" charset="-122"/>
+            </a:endParaRPr>
           </a:p>
           <a:p>
             <a:pPr algn="l">
@@ -6868,6 +7462,16 @@
                 <a:ea typeface="微软雅黑" panose="020B0503020204020204" charset="-122"/>
               </a:rPr>
               <a:t>3. </a:t>
+            </a:r>
+            <a:r>
+              <a:rPr lang="zh-CN" altLang="en-US" sz="1800" dirty="0">
+                <a:solidFill>
+                  <a:srgbClr val="262626"/>
+                </a:solidFill>
+                <a:latin typeface="微软雅黑" panose="020B0503020204020204" charset="-122"/>
+                <a:ea typeface="微软雅黑" panose="020B0503020204020204" charset="-122"/>
+              </a:rPr>
+              <a:t>了解到了开发时的注意点，隐患</a:t>
             </a:r>
             <a:endParaRPr lang="zh-CN" altLang="en-US" sz="1800" dirty="0">
               <a:solidFill>
@@ -6893,6 +7497,13 @@
               </a:rPr>
               <a:t>4.</a:t>
             </a:r>
+            <a:endParaRPr lang="en-US" altLang="zh-CN" sz="1800" dirty="0">
+              <a:solidFill>
+                <a:srgbClr val="262626"/>
+              </a:solidFill>
+              <a:latin typeface="微软雅黑" panose="020B0503020204020204" charset="-122"/>
+              <a:ea typeface="微软雅黑" panose="020B0503020204020204" charset="-122"/>
+            </a:endParaRPr>
           </a:p>
           <a:p>
             <a:pPr algn="l">
@@ -7047,6 +7658,16 @@
               </a:rPr>
               <a:t>入职以来这段时间自己的成长。</a:t>
             </a:r>
+            <a:endParaRPr lang="zh-CN" altLang="en-US">
+              <a:solidFill>
+                <a:schemeClr val="tx1">
+                  <a:lumMod val="50000"/>
+                  <a:lumOff val="50000"/>
+                </a:schemeClr>
+              </a:solidFill>
+              <a:latin typeface="微软雅黑" panose="020B0503020204020204" charset="-122"/>
+              <a:ea typeface="微软雅黑" panose="020B0503020204020204" charset="-122"/>
+            </a:endParaRPr>
           </a:p>
         </p:txBody>
       </p:sp>
@@ -7084,7 +7705,7 @@
           <p:nvPr/>
         </p:nvPicPr>
         <p:blipFill>
-          <a:blip r:embed="rId3"/>
+          <a:blip r:embed="rId1"/>
           <a:stretch>
             <a:fillRect/>
           </a:stretch>
@@ -7279,6 +7900,13 @@
               </a:rPr>
               <a:t>如何解决</a:t>
             </a:r>
+            <a:endParaRPr lang="zh-CN" altLang="en-US" sz="1800" dirty="0">
+              <a:solidFill>
+                <a:srgbClr val="262626"/>
+              </a:solidFill>
+              <a:latin typeface="微软雅黑" panose="020B0503020204020204" charset="-122"/>
+              <a:ea typeface="微软雅黑" panose="020B0503020204020204" charset="-122"/>
+            </a:endParaRPr>
           </a:p>
           <a:p>
             <a:pPr algn="l">
@@ -7394,7 +8022,7 @@
                 <a:latin typeface="微软雅黑" panose="020B0503020204020204" charset="-122"/>
                 <a:ea typeface="微软雅黑" panose="020B0503020204020204" charset="-122"/>
               </a:rPr>
-              <a:t>4.                                                          </a:t>
+              <a:t>4.  </a:t>
             </a:r>
             <a:r>
               <a:rPr lang="zh-CN" altLang="en-US" sz="1800" dirty="0">
@@ -7403,9 +8031,19 @@
                 </a:solidFill>
                 <a:latin typeface="微软雅黑" panose="020B0503020204020204" charset="-122"/>
                 <a:ea typeface="微软雅黑" panose="020B0503020204020204" charset="-122"/>
+              </a:rPr>
+              <a:t>同时加载图片卡顿，</a:t>
+            </a:r>
+            <a:r>
+              <a:rPr lang="zh-CN" altLang="en-US" sz="1800" dirty="0">
+                <a:solidFill>
+                  <a:srgbClr val="262626"/>
+                </a:solidFill>
+                <a:latin typeface="微软雅黑" panose="020B0503020204020204" charset="-122"/>
+                <a:ea typeface="微软雅黑" panose="020B0503020204020204" charset="-122"/>
                 <a:sym typeface="+mn-ea"/>
               </a:rPr>
-              <a:t>如何解决</a:t>
+              <a:t>如何解决：采纳翔哥，涛哥，仲光的意见</a:t>
             </a:r>
             <a:endParaRPr lang="en-US" altLang="zh-CN" sz="1800" dirty="0">
               <a:solidFill>
@@ -7507,6 +8145,16 @@
               </a:rPr>
               <a:t>注：请列出入职以来工作中遇到的比较棘手的问题以及解决途径。</a:t>
             </a:r>
+            <a:endParaRPr lang="zh-CN" altLang="en-US">
+              <a:solidFill>
+                <a:schemeClr val="tx1">
+                  <a:lumMod val="50000"/>
+                  <a:lumOff val="50000"/>
+                </a:schemeClr>
+              </a:solidFill>
+              <a:latin typeface="微软雅黑" panose="020B0503020204020204" charset="-122"/>
+              <a:ea typeface="微软雅黑" panose="020B0503020204020204" charset="-122"/>
+            </a:endParaRPr>
           </a:p>
         </p:txBody>
       </p:sp>
@@ -7544,7 +8192,7 @@
           <p:nvPr/>
         </p:nvPicPr>
         <p:blipFill>
-          <a:blip r:embed="rId3"/>
+          <a:blip r:embed="rId1"/>
           <a:stretch>
             <a:fillRect/>
           </a:stretch>
@@ -7695,6 +8343,136 @@
               </a:rPr>
               <a:t>注：包含且不限于从自身职业发展生涯规划、工作相关技能提升、当前工作中存在的不足等。</a:t>
             </a:r>
+            <a:endParaRPr lang="zh-CN" altLang="en-US">
+              <a:solidFill>
+                <a:schemeClr val="tx1">
+                  <a:lumMod val="50000"/>
+                  <a:lumOff val="50000"/>
+                </a:schemeClr>
+              </a:solidFill>
+              <a:latin typeface="微软雅黑" panose="020B0503020204020204" charset="-122"/>
+              <a:ea typeface="微软雅黑" panose="020B0503020204020204" charset="-122"/>
+            </a:endParaRPr>
+          </a:p>
+        </p:txBody>
+      </p:sp>
+      <p:sp>
+        <p:nvSpPr>
+          <p:cNvPr id="4" name="文本框 3"/>
+          <p:cNvSpPr txBox="1"/>
+          <p:nvPr/>
+        </p:nvSpPr>
+        <p:spPr>
+          <a:xfrm>
+            <a:off x="706120" y="1172845"/>
+            <a:ext cx="7738745" cy="3415030"/>
+          </a:xfrm>
+          <a:prstGeom prst="rect">
+            <a:avLst/>
+          </a:prstGeom>
+          <a:noFill/>
+        </p:spPr>
+        <p:txBody>
+          <a:bodyPr wrap="square" rtlCol="0" anchor="t">
+            <a:spAutoFit/>
+          </a:bodyPr>
+          <a:p>
+            <a:r>
+              <a:rPr lang="zh-CN" altLang="en-US"/>
+              <a:t>职业发展规划：</a:t>
+            </a:r>
+            <a:endParaRPr lang="zh-CN" altLang="en-US"/>
+          </a:p>
+          <a:p>
+            <a:r>
+              <a:rPr lang="zh-CN" altLang="en-US"/>
+              <a:t>工作技能：</a:t>
+            </a:r>
+            <a:endParaRPr lang="zh-CN" altLang="en-US"/>
+          </a:p>
+          <a:p>
+            <a:r>
+              <a:rPr lang="zh-CN" altLang="en-US"/>
+              <a:t>巩固基础知识</a:t>
+            </a:r>
+            <a:endParaRPr lang="zh-CN" altLang="en-US"/>
+          </a:p>
+          <a:p>
+            <a:pPr marL="342900" indent="-342900">
+              <a:buAutoNum type="arabicPeriod"/>
+            </a:pPr>
+            <a:r>
+              <a:rPr lang="en-US" altLang="zh-CN"/>
+              <a:t>UGUI API</a:t>
+            </a:r>
+            <a:endParaRPr lang="en-US" altLang="zh-CN"/>
+          </a:p>
+          <a:p>
+            <a:pPr marL="342900" indent="-342900">
+              <a:buAutoNum type="arabicPeriod"/>
+            </a:pPr>
+            <a:r>
+              <a:rPr lang="en-US" altLang="zh-CN"/>
+              <a:t>C# API</a:t>
+            </a:r>
+            <a:endParaRPr lang="en-US" altLang="zh-CN"/>
+          </a:p>
+          <a:p>
+            <a:pPr marL="342900" indent="-342900">
+              <a:buAutoNum type="arabicPeriod"/>
+            </a:pPr>
+            <a:r>
+              <a:rPr lang="zh-CN" altLang="en-US"/>
+              <a:t>设计模式</a:t>
+            </a:r>
+            <a:endParaRPr lang="zh-CN" altLang="en-US"/>
+          </a:p>
+          <a:p>
+            <a:r>
+              <a:rPr lang="zh-CN" altLang="en-US"/>
+              <a:t>积累经验</a:t>
+            </a:r>
+            <a:endParaRPr lang="zh-CN" altLang="en-US"/>
+          </a:p>
+          <a:p>
+            <a:r>
+              <a:rPr lang="zh-CN" altLang="en-US"/>
+              <a:t>学习计划：</a:t>
+            </a:r>
+            <a:endParaRPr lang="zh-CN" altLang="en-US"/>
+          </a:p>
+          <a:p>
+            <a:pPr marL="342900" indent="-342900">
+              <a:buAutoNum type="arabicPeriod"/>
+            </a:pPr>
+            <a:r>
+              <a:rPr lang="zh-CN" altLang="en-US"/>
+              <a:t>客户端架构</a:t>
+            </a:r>
+            <a:endParaRPr lang="zh-CN" altLang="en-US"/>
+          </a:p>
+          <a:p>
+            <a:pPr marL="342900" indent="-342900">
+              <a:buAutoNum type="arabicPeriod"/>
+            </a:pPr>
+            <a:r>
+              <a:rPr lang="zh-CN" altLang="en-US"/>
+              <a:t>性能优化</a:t>
+            </a:r>
+            <a:endParaRPr lang="zh-CN" altLang="en-US"/>
+          </a:p>
+          <a:p>
+            <a:pPr marL="342900" indent="-342900">
+              <a:buAutoNum type="arabicPeriod"/>
+            </a:pPr>
+            <a:r>
+              <a:rPr lang="en-US" altLang="zh-CN"/>
+              <a:t>Shader</a:t>
+            </a:r>
+            <a:endParaRPr lang="en-US" altLang="zh-CN"/>
+          </a:p>
+          <a:p>
+            <a:endParaRPr lang="en-US" altLang="zh-CN"/>
           </a:p>
         </p:txBody>
       </p:sp>
@@ -7732,7 +8510,7 @@
           <p:nvPr/>
         </p:nvPicPr>
         <p:blipFill>
-          <a:blip r:embed="rId3"/>
+          <a:blip r:embed="rId1"/>
           <a:srcRect l="4951"/>
           <a:stretch>
             <a:fillRect/>
@@ -7908,6 +8686,26 @@
               </a:rPr>
               <a:t>1.</a:t>
             </a:r>
+            <a:r>
+              <a:rPr lang="zh-CN" altLang="en-US" sz="1800" dirty="0">
+                <a:solidFill>
+                  <a:srgbClr val="262626"/>
+                </a:solidFill>
+                <a:latin typeface="微软雅黑" panose="020B0503020204020204" charset="-122"/>
+                <a:ea typeface="微软雅黑" panose="020B0503020204020204" charset="-122"/>
+              </a:rPr>
+              <a:t>热更语言配置文件</a:t>
+            </a:r>
+            <a:r>
+              <a:rPr lang="en-US" altLang="zh-CN" sz="1800" dirty="0">
+                <a:solidFill>
+                  <a:srgbClr val="262626"/>
+                </a:solidFill>
+                <a:latin typeface="微软雅黑" panose="020B0503020204020204" charset="-122"/>
+                <a:ea typeface="微软雅黑" panose="020B0503020204020204" charset="-122"/>
+              </a:rPr>
+              <a:t>json</a:t>
+            </a:r>
             <a:endParaRPr lang="zh-CN" altLang="en-US" sz="1800" dirty="0">
               <a:solidFill>
                 <a:srgbClr val="262626"/>
@@ -7932,6 +8730,33 @@
               </a:rPr>
               <a:t>2.</a:t>
             </a:r>
+            <a:r>
+              <a:rPr lang="zh-CN" altLang="en-US" sz="1800" dirty="0">
+                <a:solidFill>
+                  <a:srgbClr val="262626"/>
+                </a:solidFill>
+                <a:latin typeface="微软雅黑" panose="020B0503020204020204" charset="-122"/>
+                <a:ea typeface="微软雅黑" panose="020B0503020204020204" charset="-122"/>
+              </a:rPr>
+              <a:t>热更</a:t>
+            </a:r>
+            <a:r>
+              <a:rPr lang="en-US" altLang="zh-CN" sz="1800" dirty="0">
+                <a:solidFill>
+                  <a:srgbClr val="262626"/>
+                </a:solidFill>
+                <a:latin typeface="微软雅黑" panose="020B0503020204020204" charset="-122"/>
+                <a:ea typeface="微软雅黑" panose="020B0503020204020204" charset="-122"/>
+              </a:rPr>
+              <a:t>asssetbundle</a:t>
+            </a:r>
+            <a:endParaRPr lang="en-US" altLang="zh-CN" sz="1800" dirty="0">
+              <a:solidFill>
+                <a:srgbClr val="262626"/>
+              </a:solidFill>
+              <a:latin typeface="微软雅黑" panose="020B0503020204020204" charset="-122"/>
+              <a:ea typeface="微软雅黑" panose="020B0503020204020204" charset="-122"/>
+            </a:endParaRPr>
           </a:p>
           <a:p>
             <a:pPr algn="l">
@@ -7948,6 +8773,16 @@
                 <a:ea typeface="微软雅黑" panose="020B0503020204020204" charset="-122"/>
               </a:rPr>
               <a:t>3. </a:t>
+            </a:r>
+            <a:r>
+              <a:rPr lang="zh-CN" altLang="en-US" sz="1800" dirty="0">
+                <a:solidFill>
+                  <a:srgbClr val="262626"/>
+                </a:solidFill>
+                <a:latin typeface="微软雅黑" panose="020B0503020204020204" charset="-122"/>
+                <a:ea typeface="微软雅黑" panose="020B0503020204020204" charset="-122"/>
+              </a:rPr>
+              <a:t>图集</a:t>
             </a:r>
             <a:endParaRPr lang="zh-CN" altLang="en-US" sz="1800" dirty="0">
               <a:solidFill>
@@ -7973,6 +8808,13 @@
               </a:rPr>
               <a:t>4.</a:t>
             </a:r>
+            <a:endParaRPr lang="en-US" altLang="zh-CN" sz="1800" dirty="0">
+              <a:solidFill>
+                <a:srgbClr val="262626"/>
+              </a:solidFill>
+              <a:latin typeface="微软雅黑" panose="020B0503020204020204" charset="-122"/>
+              <a:ea typeface="微软雅黑" panose="020B0503020204020204" charset="-122"/>
+            </a:endParaRPr>
           </a:p>
           <a:p>
             <a:pPr algn="l">
@@ -8159,6 +9001,16 @@
               </a:rPr>
               <a:t>等角度提出自己的想法。</a:t>
             </a:r>
+            <a:endParaRPr lang="zh-CN" altLang="en-US">
+              <a:solidFill>
+                <a:schemeClr val="tx1">
+                  <a:lumMod val="50000"/>
+                  <a:lumOff val="50000"/>
+                </a:schemeClr>
+              </a:solidFill>
+              <a:latin typeface="微软雅黑" panose="020B0503020204020204" charset="-122"/>
+              <a:ea typeface="微软雅黑" panose="020B0503020204020204" charset="-122"/>
+            </a:endParaRPr>
           </a:p>
         </p:txBody>
       </p:sp>
@@ -8196,7 +9048,7 @@
           <p:nvPr/>
         </p:nvPicPr>
         <p:blipFill>
-          <a:blip r:embed="rId2"/>
+          <a:blip r:embed="rId1"/>
           <a:stretch>
             <a:fillRect/>
           </a:stretch>
@@ -8299,6 +9151,13 @@
               </a:rPr>
               <a:t>谢谢！</a:t>
             </a:r>
+            <a:endParaRPr lang="zh-CN" altLang="en-US" sz="4400" b="1" dirty="0">
+              <a:solidFill>
+                <a:srgbClr val="595959"/>
+              </a:solidFill>
+              <a:latin typeface="微软雅黑" panose="020B0503020204020204" charset="-122"/>
+              <a:ea typeface="微软雅黑" panose="020B0503020204020204" charset="-122"/>
+            </a:endParaRPr>
           </a:p>
         </p:txBody>
       </p:sp>
@@ -8311,7 +9170,7 @@
           <p:nvPr/>
         </p:nvPicPr>
         <p:blipFill>
-          <a:blip r:embed="rId3"/>
+          <a:blip r:embed="rId2"/>
           <a:stretch>
             <a:fillRect/>
           </a:stretch>
@@ -8336,6 +9195,12 @@
     <a:masterClrMapping/>
   </p:clrMapOvr>
 </p:sld>
+</file>
+
+<file path=ppt/tags/tag1.xml><?xml version="1.0" encoding="utf-8"?>
+<p:tagLst xmlns:p="http://schemas.openxmlformats.org/presentationml/2006/main">
+  <p:tag name="KSO_WM_SLIDE_MODEL_TYPE" val="timeline"/>
+</p:tagLst>
 </file>
 
 <file path=ppt/theme/theme1.xml><?xml version="1.0" encoding="utf-8"?>
@@ -8589,8 +9454,6 @@
       </a:bgFillStyleLst>
     </a:fmtScheme>
   </a:themeElements>
-  <a:objectDefaults/>
-  <a:extraClrSchemeLst/>
   <a:extLst>
     <a:ext uri="{05A4C25C-085E-4340-85A3-A5531E510DB2}">
       <thm15:themeFamily xmlns:thm15="http://schemas.microsoft.com/office/thememl/2012/main" name="Office Theme" id="{62F939B6-93AF-4DB8-9C6B-D6C7DFDC589F}" vid="{4A3C46E8-61CC-4603-A589-7422A47A8E4A}"/>
@@ -8850,8 +9713,6 @@
       </a:bgFillStyleLst>
     </a:fmtScheme>
   </a:themeElements>
-  <a:objectDefaults/>
-  <a:extraClrSchemeLst/>
   <a:extLst>
     <a:ext uri="{05A4C25C-085E-4340-85A3-A5531E510DB2}">
       <thm15:themeFamily xmlns:thm15="http://schemas.microsoft.com/office/thememl/2012/main" name="Office Theme" id="{62F939B6-93AF-4DB8-9C6B-D6C7DFDC589F}" vid="{4A3C46E8-61CC-4603-A589-7422A47A8E4A}"/>

--- a/转正答辩PPT_篮球前端_王祖雄.pptx
+++ b/转正答辩PPT_篮球前端_王祖雄.pptx
@@ -5,21 +5,21 @@
     <p:sldMasterId id="2147483648" r:id="rId1"/>
   </p:sldMasterIdLst>
   <p:notesMasterIdLst>
-    <p:notesMasterId r:id="rId6"/>
+    <p:notesMasterId r:id="rId11"/>
   </p:notesMasterIdLst>
   <p:sldIdLst>
-    <p:sldId id="257" r:id="rId3"/>
-    <p:sldId id="322" r:id="rId4"/>
-    <p:sldId id="258" r:id="rId5"/>
-    <p:sldId id="269" r:id="rId7"/>
-    <p:sldId id="317" r:id="rId8"/>
-    <p:sldId id="277" r:id="rId9"/>
-    <p:sldId id="294" r:id="rId10"/>
-    <p:sldId id="259" r:id="rId11"/>
-    <p:sldId id="266" r:id="rId12"/>
+    <p:sldId id="257" r:id="rId2"/>
+    <p:sldId id="322" r:id="rId3"/>
+    <p:sldId id="258" r:id="rId4"/>
+    <p:sldId id="269" r:id="rId5"/>
+    <p:sldId id="317" r:id="rId6"/>
+    <p:sldId id="277" r:id="rId7"/>
+    <p:sldId id="294" r:id="rId8"/>
+    <p:sldId id="259" r:id="rId9"/>
+    <p:sldId id="266" r:id="rId10"/>
   </p:sldIdLst>
   <p:sldSz cx="12192000" cy="6858000"/>
-  <p:notesSz cx="7103745" cy="10234295"/>
+  <p:notesSz cx="7104063" cy="10234613"/>
   <p:defaultTextStyle>
     <a:defPPr>
       <a:defRPr lang="zh-CN"/>
@@ -205,6 +205,22 @@
       </a:defRPr>
     </a:lvl9pPr>
   </p:defaultTextStyle>
+  <p:extLst>
+    <p:ext uri="{EFAFB233-063F-42B5-8137-9DF3F51BA10A}">
+      <p15:sldGuideLst xmlns:p15="http://schemas.microsoft.com/office/powerpoint/2012/main">
+        <p15:guide id="1" orient="horz" pos="2159">
+          <p15:clr>
+            <a:srgbClr val="A4A3A4"/>
+          </p15:clr>
+        </p15:guide>
+        <p15:guide id="2" pos="2882">
+          <p15:clr>
+            <a:srgbClr val="A4A3A4"/>
+          </p15:clr>
+        </p15:guide>
+      </p15:sldGuideLst>
+    </p:ext>
+  </p:extLst>
 </p:presentation>
 </file>
 
@@ -296,6 +312,7 @@
                 <a:ea typeface="+mn-ea"/>
                 <a:cs typeface="+mn-cs"/>
               </a:rPr>
+              <a:t>2019/7/10</a:t>
             </a:fld>
             <a:endParaRPr lang="zh-CN" altLang="en-US" strike="noStrike" noProof="1"/>
           </a:p>
@@ -363,7 +380,6 @@
               <a:rPr lang="zh-CN" altLang="en-US"/>
               <a:t>单击此处编辑母版文本样式</a:t>
             </a:r>
-            <a:endParaRPr lang="zh-CN" altLang="en-US"/>
           </a:p>
           <a:p>
             <a:pPr lvl="1" indent="0"/>
@@ -371,7 +387,6 @@
               <a:rPr lang="zh-CN" altLang="en-US"/>
               <a:t>第二级</a:t>
             </a:r>
-            <a:endParaRPr lang="zh-CN" altLang="en-US"/>
           </a:p>
           <a:p>
             <a:pPr lvl="2" indent="0"/>
@@ -379,7 +394,6 @@
               <a:rPr lang="zh-CN" altLang="en-US"/>
               <a:t>第三级</a:t>
             </a:r>
-            <a:endParaRPr lang="zh-CN" altLang="en-US"/>
           </a:p>
           <a:p>
             <a:pPr lvl="3" indent="0"/>
@@ -387,7 +401,6 @@
               <a:rPr lang="zh-CN" altLang="en-US"/>
               <a:t>第四级</a:t>
             </a:r>
-            <a:endParaRPr lang="zh-CN" altLang="en-US"/>
           </a:p>
           <a:p>
             <a:pPr lvl="4" indent="0"/>
@@ -395,7 +408,6 @@
               <a:rPr lang="zh-CN" altLang="en-US"/>
               <a:t>第五级</a:t>
             </a:r>
-            <a:endParaRPr lang="zh-CN" altLang="en-US"/>
           </a:p>
         </p:txBody>
       </p:sp>
@@ -465,6 +477,7 @@
                 <a:ea typeface="+mn-ea"/>
                 <a:cs typeface="+mn-cs"/>
               </a:rPr>
+              <a:t>‹#›</a:t>
             </a:fld>
             <a:endParaRPr lang="zh-CN" altLang="en-US" strike="noStrike" noProof="1"/>
           </a:p>
@@ -648,6 +661,7 @@
             <a:pPr lvl="0" indent="0" algn="r"/>
             <a:fld id="{9A0DB2DC-4C9A-4742-B13C-FB6460FD3503}" type="slidenum">
               <a:rPr lang="zh-CN" altLang="en-US" sz="1200"/>
+              <a:t>3</a:t>
             </a:fld>
             <a:endParaRPr lang="zh-CN" altLang="en-US" sz="1200"/>
           </a:p>
@@ -740,6 +754,7 @@
             <a:pPr lvl="0" indent="0" algn="r"/>
             <a:fld id="{9A0DB2DC-4C9A-4742-B13C-FB6460FD3503}" type="slidenum">
               <a:rPr lang="zh-CN" altLang="en-US" sz="1200"/>
+              <a:t>4</a:t>
             </a:fld>
             <a:endParaRPr lang="zh-CN" altLang="en-US" sz="1200"/>
           </a:p>
@@ -832,6 +847,7 @@
             <a:pPr lvl="0" indent="0" algn="r"/>
             <a:fld id="{9A0DB2DC-4C9A-4742-B13C-FB6460FD3503}" type="slidenum">
               <a:rPr lang="zh-CN" altLang="en-US" sz="1200"/>
+              <a:t>5</a:t>
             </a:fld>
             <a:endParaRPr lang="zh-CN" altLang="en-US" sz="1200"/>
           </a:p>
@@ -924,6 +940,7 @@
             <a:pPr lvl="0" indent="0" algn="r"/>
             <a:fld id="{9A0DB2DC-4C9A-4742-B13C-FB6460FD3503}" type="slidenum">
               <a:rPr lang="zh-CN" altLang="en-US" sz="1200"/>
+              <a:t>6</a:t>
             </a:fld>
             <a:endParaRPr lang="zh-CN" altLang="en-US" sz="1200"/>
           </a:p>
@@ -1016,6 +1033,7 @@
             <a:pPr lvl="0" indent="0" algn="r"/>
             <a:fld id="{9A0DB2DC-4C9A-4742-B13C-FB6460FD3503}" type="slidenum">
               <a:rPr lang="zh-CN" altLang="en-US" sz="1200"/>
+              <a:t>7</a:t>
             </a:fld>
             <a:endParaRPr lang="zh-CN" altLang="en-US" sz="1200"/>
           </a:p>
@@ -1108,6 +1126,7 @@
             <a:pPr lvl="0" indent="0" algn="r"/>
             <a:fld id="{9A0DB2DC-4C9A-4742-B13C-FB6460FD3503}" type="slidenum">
               <a:rPr lang="zh-CN" altLang="en-US" sz="1200"/>
+              <a:t>8</a:t>
             </a:fld>
             <a:endParaRPr lang="zh-CN" altLang="en-US" sz="1200"/>
           </a:p>
@@ -1167,7 +1186,6 @@
               <a:rPr lang="zh-CN" altLang="en-US" strike="noStrike" noProof="1"/>
               <a:t>单击此处编辑母版标题样式</a:t>
             </a:r>
-            <a:endParaRPr lang="zh-CN" altLang="en-US" strike="noStrike" noProof="1"/>
           </a:p>
         </p:txBody>
       </p:sp>
@@ -1233,7 +1251,6 @@
               <a:rPr lang="zh-CN" altLang="en-US" strike="noStrike" noProof="1"/>
               <a:t>单击此处编辑母版副标题样式</a:t>
             </a:r>
-            <a:endParaRPr lang="zh-CN" altLang="en-US" strike="noStrike" noProof="1"/>
           </a:p>
         </p:txBody>
       </p:sp>
@@ -1259,6 +1276,7 @@
                 <a:ea typeface="+mn-ea"/>
                 <a:cs typeface="+mn-cs"/>
               </a:rPr>
+              <a:t>2019/7/10</a:t>
             </a:fld>
             <a:endParaRPr lang="zh-CN" altLang="en-US" strike="noStrike" noProof="1"/>
           </a:p>
@@ -1306,6 +1324,7 @@
                 <a:ea typeface="+mn-ea"/>
                 <a:cs typeface="+mn-cs"/>
               </a:rPr>
+              <a:t>‹#›</a:t>
             </a:fld>
             <a:endParaRPr lang="zh-CN" altLang="en-US" strike="noStrike" noProof="1"/>
           </a:p>
@@ -1361,7 +1380,6 @@
               <a:rPr lang="zh-CN" altLang="en-US" strike="noStrike" noProof="1"/>
               <a:t>单击此处编辑母版文本样式</a:t>
             </a:r>
-            <a:endParaRPr lang="zh-CN" altLang="en-US" strike="noStrike" noProof="1"/>
           </a:p>
           <a:p>
             <a:pPr lvl="1" fontAlgn="auto"/>
@@ -1369,7 +1387,6 @@
               <a:rPr lang="zh-CN" altLang="en-US" strike="noStrike" noProof="1"/>
               <a:t>第二级</a:t>
             </a:r>
-            <a:endParaRPr lang="zh-CN" altLang="en-US" strike="noStrike" noProof="1"/>
           </a:p>
           <a:p>
             <a:pPr lvl="2" fontAlgn="auto"/>
@@ -1377,7 +1394,6 @@
               <a:rPr lang="zh-CN" altLang="en-US" strike="noStrike" noProof="1"/>
               <a:t>第三级</a:t>
             </a:r>
-            <a:endParaRPr lang="zh-CN" altLang="en-US" strike="noStrike" noProof="1"/>
           </a:p>
           <a:p>
             <a:pPr lvl="3" fontAlgn="auto"/>
@@ -1385,7 +1401,6 @@
               <a:rPr lang="zh-CN" altLang="en-US" strike="noStrike" noProof="1"/>
               <a:t>第四级</a:t>
             </a:r>
-            <a:endParaRPr lang="zh-CN" altLang="en-US" strike="noStrike" noProof="1"/>
           </a:p>
           <a:p>
             <a:pPr lvl="4" fontAlgn="auto"/>
@@ -1393,7 +1408,6 @@
               <a:rPr lang="zh-CN" altLang="en-US" strike="noStrike" noProof="1"/>
               <a:t>第五级</a:t>
             </a:r>
-            <a:endParaRPr lang="zh-CN" altLang="en-US" strike="noStrike" noProof="1"/>
           </a:p>
         </p:txBody>
       </p:sp>
@@ -1419,6 +1433,7 @@
                 <a:ea typeface="+mn-ea"/>
                 <a:cs typeface="+mn-cs"/>
               </a:rPr>
+              <a:t>2019/7/10</a:t>
             </a:fld>
             <a:endParaRPr lang="zh-CN" altLang="en-US" strike="noStrike" noProof="1"/>
           </a:p>
@@ -1466,6 +1481,7 @@
                 <a:ea typeface="+mn-ea"/>
                 <a:cs typeface="+mn-cs"/>
               </a:rPr>
+              <a:t>‹#›</a:t>
             </a:fld>
             <a:endParaRPr lang="zh-CN" altLang="en-US" strike="noStrike" noProof="1"/>
           </a:p>
@@ -1516,7 +1532,6 @@
               <a:rPr lang="zh-CN" altLang="en-US" strike="noStrike" noProof="1"/>
               <a:t>单击此处编辑母版标题样式</a:t>
             </a:r>
-            <a:endParaRPr lang="zh-CN" altLang="en-US" strike="noStrike" noProof="1"/>
           </a:p>
         </p:txBody>
       </p:sp>
@@ -1540,7 +1555,6 @@
               <a:rPr lang="zh-CN" altLang="en-US" strike="noStrike" noProof="1"/>
               <a:t>单击此处编辑母版文本样式</a:t>
             </a:r>
-            <a:endParaRPr lang="zh-CN" altLang="en-US" strike="noStrike" noProof="1"/>
           </a:p>
           <a:p>
             <a:pPr lvl="1" fontAlgn="auto"/>
@@ -1548,7 +1562,6 @@
               <a:rPr lang="zh-CN" altLang="en-US" strike="noStrike" noProof="1"/>
               <a:t>第二级</a:t>
             </a:r>
-            <a:endParaRPr lang="zh-CN" altLang="en-US" strike="noStrike" noProof="1"/>
           </a:p>
           <a:p>
             <a:pPr lvl="2" fontAlgn="auto"/>
@@ -1556,7 +1569,6 @@
               <a:rPr lang="zh-CN" altLang="en-US" strike="noStrike" noProof="1"/>
               <a:t>第三级</a:t>
             </a:r>
-            <a:endParaRPr lang="zh-CN" altLang="en-US" strike="noStrike" noProof="1"/>
           </a:p>
           <a:p>
             <a:pPr lvl="3" fontAlgn="auto"/>
@@ -1564,7 +1576,6 @@
               <a:rPr lang="zh-CN" altLang="en-US" strike="noStrike" noProof="1"/>
               <a:t>第四级</a:t>
             </a:r>
-            <a:endParaRPr lang="zh-CN" altLang="en-US" strike="noStrike" noProof="1"/>
           </a:p>
           <a:p>
             <a:pPr lvl="4" fontAlgn="auto"/>
@@ -1572,7 +1583,6 @@
               <a:rPr lang="zh-CN" altLang="en-US" strike="noStrike" noProof="1"/>
               <a:t>第五级</a:t>
             </a:r>
-            <a:endParaRPr lang="zh-CN" altLang="en-US" strike="noStrike" noProof="1"/>
           </a:p>
         </p:txBody>
       </p:sp>
@@ -1598,6 +1608,7 @@
                 <a:ea typeface="+mn-ea"/>
                 <a:cs typeface="+mn-cs"/>
               </a:rPr>
+              <a:t>2019/7/10</a:t>
             </a:fld>
             <a:endParaRPr lang="zh-CN" altLang="en-US" strike="noStrike" noProof="1"/>
           </a:p>
@@ -1645,6 +1656,7 @@
                 <a:ea typeface="+mn-ea"/>
                 <a:cs typeface="+mn-cs"/>
               </a:rPr>
+              <a:t>‹#›</a:t>
             </a:fld>
             <a:endParaRPr lang="zh-CN" altLang="en-US" strike="noStrike" noProof="1"/>
           </a:p>
@@ -1704,7 +1716,6 @@
               <a:rPr lang="zh-CN" altLang="en-US" strike="noStrike" noProof="1"/>
               <a:t>单击此处编辑母版标题样式</a:t>
             </a:r>
-            <a:endParaRPr lang="zh-CN" altLang="en-US" strike="noStrike" noProof="1"/>
           </a:p>
         </p:txBody>
       </p:sp>
@@ -1824,7 +1835,6 @@
               <a:rPr lang="zh-CN" altLang="en-US" strike="noStrike" noProof="1"/>
               <a:t>单击此处编辑母版文本样式</a:t>
             </a:r>
-            <a:endParaRPr lang="zh-CN" altLang="en-US" strike="noStrike" noProof="1"/>
           </a:p>
         </p:txBody>
       </p:sp>
@@ -1850,6 +1860,7 @@
                 <a:ea typeface="+mn-ea"/>
                 <a:cs typeface="+mn-cs"/>
               </a:rPr>
+              <a:t>2019/7/10</a:t>
             </a:fld>
             <a:endParaRPr lang="zh-CN" altLang="en-US" strike="noStrike" noProof="1"/>
           </a:p>
@@ -1897,6 +1908,7 @@
                 <a:ea typeface="+mn-ea"/>
                 <a:cs typeface="+mn-cs"/>
               </a:rPr>
+              <a:t>‹#›</a:t>
             </a:fld>
             <a:endParaRPr lang="zh-CN" altLang="en-US" strike="noStrike" noProof="1"/>
           </a:p>
@@ -1947,7 +1959,6 @@
               <a:rPr lang="zh-CN" altLang="en-US" strike="noStrike" noProof="1"/>
               <a:t>单击此处编辑母版标题样式</a:t>
             </a:r>
-            <a:endParaRPr lang="zh-CN" altLang="en-US" strike="noStrike" noProof="1"/>
           </a:p>
         </p:txBody>
       </p:sp>
@@ -1976,7 +1987,6 @@
               <a:rPr lang="zh-CN" altLang="en-US" strike="noStrike" noProof="1"/>
               <a:t>单击此处编辑母版文本样式</a:t>
             </a:r>
-            <a:endParaRPr lang="zh-CN" altLang="en-US" strike="noStrike" noProof="1"/>
           </a:p>
           <a:p>
             <a:pPr lvl="1" fontAlgn="auto"/>
@@ -1984,7 +1994,6 @@
               <a:rPr lang="zh-CN" altLang="en-US" strike="noStrike" noProof="1"/>
               <a:t>第二级</a:t>
             </a:r>
-            <a:endParaRPr lang="zh-CN" altLang="en-US" strike="noStrike" noProof="1"/>
           </a:p>
           <a:p>
             <a:pPr lvl="2" fontAlgn="auto"/>
@@ -1992,7 +2001,6 @@
               <a:rPr lang="zh-CN" altLang="en-US" strike="noStrike" noProof="1"/>
               <a:t>第三级</a:t>
             </a:r>
-            <a:endParaRPr lang="zh-CN" altLang="en-US" strike="noStrike" noProof="1"/>
           </a:p>
           <a:p>
             <a:pPr lvl="3" fontAlgn="auto"/>
@@ -2000,7 +2008,6 @@
               <a:rPr lang="zh-CN" altLang="en-US" strike="noStrike" noProof="1"/>
               <a:t>第四级</a:t>
             </a:r>
-            <a:endParaRPr lang="zh-CN" altLang="en-US" strike="noStrike" noProof="1"/>
           </a:p>
           <a:p>
             <a:pPr lvl="4" fontAlgn="auto"/>
@@ -2008,7 +2015,6 @@
               <a:rPr lang="zh-CN" altLang="en-US" strike="noStrike" noProof="1"/>
               <a:t>第五级</a:t>
             </a:r>
-            <a:endParaRPr lang="zh-CN" altLang="en-US" strike="noStrike" noProof="1"/>
           </a:p>
         </p:txBody>
       </p:sp>
@@ -2037,7 +2043,6 @@
               <a:rPr lang="zh-CN" altLang="en-US" strike="noStrike" noProof="1"/>
               <a:t>单击此处编辑母版文本样式</a:t>
             </a:r>
-            <a:endParaRPr lang="zh-CN" altLang="en-US" strike="noStrike" noProof="1"/>
           </a:p>
           <a:p>
             <a:pPr lvl="1" fontAlgn="auto"/>
@@ -2045,7 +2050,6 @@
               <a:rPr lang="zh-CN" altLang="en-US" strike="noStrike" noProof="1"/>
               <a:t>第二级</a:t>
             </a:r>
-            <a:endParaRPr lang="zh-CN" altLang="en-US" strike="noStrike" noProof="1"/>
           </a:p>
           <a:p>
             <a:pPr lvl="2" fontAlgn="auto"/>
@@ -2053,7 +2057,6 @@
               <a:rPr lang="zh-CN" altLang="en-US" strike="noStrike" noProof="1"/>
               <a:t>第三级</a:t>
             </a:r>
-            <a:endParaRPr lang="zh-CN" altLang="en-US" strike="noStrike" noProof="1"/>
           </a:p>
           <a:p>
             <a:pPr lvl="3" fontAlgn="auto"/>
@@ -2061,7 +2064,6 @@
               <a:rPr lang="zh-CN" altLang="en-US" strike="noStrike" noProof="1"/>
               <a:t>第四级</a:t>
             </a:r>
-            <a:endParaRPr lang="zh-CN" altLang="en-US" strike="noStrike" noProof="1"/>
           </a:p>
           <a:p>
             <a:pPr lvl="4" fontAlgn="auto"/>
@@ -2069,7 +2071,6 @@
               <a:rPr lang="zh-CN" altLang="en-US" strike="noStrike" noProof="1"/>
               <a:t>第五级</a:t>
             </a:r>
-            <a:endParaRPr lang="zh-CN" altLang="en-US" strike="noStrike" noProof="1"/>
           </a:p>
         </p:txBody>
       </p:sp>
@@ -2095,6 +2096,7 @@
                 <a:ea typeface="+mn-ea"/>
                 <a:cs typeface="+mn-cs"/>
               </a:rPr>
+              <a:t>2019/7/10</a:t>
             </a:fld>
             <a:endParaRPr lang="zh-CN" altLang="en-US" strike="noStrike" noProof="1"/>
           </a:p>
@@ -2142,6 +2144,7 @@
                 <a:ea typeface="+mn-ea"/>
                 <a:cs typeface="+mn-cs"/>
               </a:rPr>
+              <a:t>‹#›</a:t>
             </a:fld>
             <a:endParaRPr lang="zh-CN" altLang="en-US" strike="noStrike" noProof="1"/>
           </a:p>
@@ -2197,7 +2200,6 @@
               <a:rPr lang="zh-CN" altLang="en-US" strike="noStrike" noProof="1"/>
               <a:t>单击此处编辑母版标题样式</a:t>
             </a:r>
-            <a:endParaRPr lang="zh-CN" altLang="en-US" strike="noStrike" noProof="1"/>
           </a:p>
         </p:txBody>
       </p:sp>
@@ -2263,7 +2265,6 @@
               <a:rPr lang="zh-CN" altLang="en-US" strike="noStrike" noProof="1"/>
               <a:t>单击此处编辑母版文本样式</a:t>
             </a:r>
-            <a:endParaRPr lang="zh-CN" altLang="en-US" strike="noStrike" noProof="1"/>
           </a:p>
         </p:txBody>
       </p:sp>
@@ -2292,7 +2293,6 @@
               <a:rPr lang="zh-CN" altLang="en-US" strike="noStrike" noProof="1"/>
               <a:t>单击此处编辑母版文本样式</a:t>
             </a:r>
-            <a:endParaRPr lang="zh-CN" altLang="en-US" strike="noStrike" noProof="1"/>
           </a:p>
           <a:p>
             <a:pPr lvl="1" fontAlgn="auto"/>
@@ -2300,7 +2300,6 @@
               <a:rPr lang="zh-CN" altLang="en-US" strike="noStrike" noProof="1"/>
               <a:t>第二级</a:t>
             </a:r>
-            <a:endParaRPr lang="zh-CN" altLang="en-US" strike="noStrike" noProof="1"/>
           </a:p>
           <a:p>
             <a:pPr lvl="2" fontAlgn="auto"/>
@@ -2308,7 +2307,6 @@
               <a:rPr lang="zh-CN" altLang="en-US" strike="noStrike" noProof="1"/>
               <a:t>第三级</a:t>
             </a:r>
-            <a:endParaRPr lang="zh-CN" altLang="en-US" strike="noStrike" noProof="1"/>
           </a:p>
           <a:p>
             <a:pPr lvl="3" fontAlgn="auto"/>
@@ -2316,7 +2314,6 @@
               <a:rPr lang="zh-CN" altLang="en-US" strike="noStrike" noProof="1"/>
               <a:t>第四级</a:t>
             </a:r>
-            <a:endParaRPr lang="zh-CN" altLang="en-US" strike="noStrike" noProof="1"/>
           </a:p>
           <a:p>
             <a:pPr lvl="4" fontAlgn="auto"/>
@@ -2324,7 +2321,6 @@
               <a:rPr lang="zh-CN" altLang="en-US" strike="noStrike" noProof="1"/>
               <a:t>第五级</a:t>
             </a:r>
-            <a:endParaRPr lang="zh-CN" altLang="en-US" strike="noStrike" noProof="1"/>
           </a:p>
         </p:txBody>
       </p:sp>
@@ -2390,7 +2386,6 @@
               <a:rPr lang="zh-CN" altLang="en-US" strike="noStrike" noProof="1"/>
               <a:t>单击此处编辑母版文本样式</a:t>
             </a:r>
-            <a:endParaRPr lang="zh-CN" altLang="en-US" strike="noStrike" noProof="1"/>
           </a:p>
         </p:txBody>
       </p:sp>
@@ -2419,7 +2414,6 @@
               <a:rPr lang="zh-CN" altLang="en-US" strike="noStrike" noProof="1"/>
               <a:t>单击此处编辑母版文本样式</a:t>
             </a:r>
-            <a:endParaRPr lang="zh-CN" altLang="en-US" strike="noStrike" noProof="1"/>
           </a:p>
           <a:p>
             <a:pPr lvl="1" fontAlgn="auto"/>
@@ -2427,7 +2421,6 @@
               <a:rPr lang="zh-CN" altLang="en-US" strike="noStrike" noProof="1"/>
               <a:t>第二级</a:t>
             </a:r>
-            <a:endParaRPr lang="zh-CN" altLang="en-US" strike="noStrike" noProof="1"/>
           </a:p>
           <a:p>
             <a:pPr lvl="2" fontAlgn="auto"/>
@@ -2435,7 +2428,6 @@
               <a:rPr lang="zh-CN" altLang="en-US" strike="noStrike" noProof="1"/>
               <a:t>第三级</a:t>
             </a:r>
-            <a:endParaRPr lang="zh-CN" altLang="en-US" strike="noStrike" noProof="1"/>
           </a:p>
           <a:p>
             <a:pPr lvl="3" fontAlgn="auto"/>
@@ -2443,7 +2435,6 @@
               <a:rPr lang="zh-CN" altLang="en-US" strike="noStrike" noProof="1"/>
               <a:t>第四级</a:t>
             </a:r>
-            <a:endParaRPr lang="zh-CN" altLang="en-US" strike="noStrike" noProof="1"/>
           </a:p>
           <a:p>
             <a:pPr lvl="4" fontAlgn="auto"/>
@@ -2451,7 +2442,6 @@
               <a:rPr lang="zh-CN" altLang="en-US" strike="noStrike" noProof="1"/>
               <a:t>第五级</a:t>
             </a:r>
-            <a:endParaRPr lang="zh-CN" altLang="en-US" strike="noStrike" noProof="1"/>
           </a:p>
         </p:txBody>
       </p:sp>
@@ -2477,6 +2467,7 @@
                 <a:ea typeface="+mn-ea"/>
                 <a:cs typeface="+mn-cs"/>
               </a:rPr>
+              <a:t>2019/7/10</a:t>
             </a:fld>
             <a:endParaRPr lang="zh-CN" altLang="en-US" strike="noStrike" noProof="1"/>
           </a:p>
@@ -2524,6 +2515,7 @@
                 <a:ea typeface="+mn-ea"/>
                 <a:cs typeface="+mn-cs"/>
               </a:rPr>
+              <a:t>‹#›</a:t>
             </a:fld>
             <a:endParaRPr lang="zh-CN" altLang="en-US" strike="noStrike" noProof="1"/>
           </a:p>
@@ -2574,7 +2566,6 @@
               <a:rPr lang="zh-CN" altLang="en-US" strike="noStrike" noProof="1"/>
               <a:t>单击此处编辑母版标题样式</a:t>
             </a:r>
-            <a:endParaRPr lang="zh-CN" altLang="en-US" strike="noStrike" noProof="1"/>
           </a:p>
         </p:txBody>
       </p:sp>
@@ -2600,6 +2591,7 @@
                 <a:ea typeface="+mn-ea"/>
                 <a:cs typeface="+mn-cs"/>
               </a:rPr>
+              <a:t>2019/7/10</a:t>
             </a:fld>
             <a:endParaRPr lang="zh-CN" altLang="en-US" strike="noStrike" noProof="1"/>
           </a:p>
@@ -2647,6 +2639,7 @@
                 <a:ea typeface="+mn-ea"/>
                 <a:cs typeface="+mn-cs"/>
               </a:rPr>
+              <a:t>‹#›</a:t>
             </a:fld>
             <a:endParaRPr lang="zh-CN" altLang="en-US" strike="noStrike" noProof="1"/>
           </a:p>
@@ -2699,6 +2692,7 @@
                 <a:ea typeface="+mn-ea"/>
                 <a:cs typeface="+mn-cs"/>
               </a:rPr>
+              <a:t>2019/7/10</a:t>
             </a:fld>
             <a:endParaRPr lang="zh-CN" altLang="en-US" strike="noStrike" noProof="1"/>
           </a:p>
@@ -2746,6 +2740,7 @@
                 <a:ea typeface="+mn-ea"/>
                 <a:cs typeface="+mn-cs"/>
               </a:rPr>
+              <a:t>‹#›</a:t>
             </a:fld>
             <a:endParaRPr lang="zh-CN" altLang="en-US" strike="noStrike" noProof="1"/>
           </a:p>
@@ -2805,7 +2800,6 @@
               <a:rPr lang="zh-CN" altLang="en-US" strike="noStrike" noProof="1"/>
               <a:t>单击此处编辑母版标题样式</a:t>
             </a:r>
-            <a:endParaRPr lang="zh-CN" altLang="en-US" strike="noStrike" noProof="1"/>
           </a:p>
         </p:txBody>
       </p:sp>
@@ -2933,7 +2927,6 @@
               <a:rPr lang="zh-CN" altLang="en-US" strike="noStrike" noProof="1"/>
               <a:t>单击此处编辑母版文本样式</a:t>
             </a:r>
-            <a:endParaRPr lang="zh-CN" altLang="en-US" strike="noStrike" noProof="1"/>
           </a:p>
         </p:txBody>
       </p:sp>
@@ -2959,6 +2952,7 @@
                 <a:ea typeface="+mn-ea"/>
                 <a:cs typeface="+mn-cs"/>
               </a:rPr>
+              <a:t>2019/7/10</a:t>
             </a:fld>
             <a:endParaRPr lang="zh-CN" altLang="en-US" strike="noStrike" noProof="1"/>
           </a:p>
@@ -3006,6 +3000,7 @@
                 <a:ea typeface="+mn-ea"/>
                 <a:cs typeface="+mn-cs"/>
               </a:rPr>
+              <a:t>‹#›</a:t>
             </a:fld>
             <a:endParaRPr lang="zh-CN" altLang="en-US" strike="noStrike" noProof="1"/>
           </a:p>
@@ -3061,7 +3056,6 @@
               <a:rPr lang="zh-CN" altLang="en-US" strike="noStrike" noProof="1"/>
               <a:t>单击此处编辑母版标题样式</a:t>
             </a:r>
-            <a:endParaRPr lang="zh-CN" altLang="en-US" strike="noStrike" noProof="1"/>
           </a:p>
         </p:txBody>
       </p:sp>
@@ -3090,7 +3084,6 @@
               <a:rPr lang="zh-CN" altLang="en-US" strike="noStrike" noProof="1"/>
               <a:t>单击此处编辑母版文本样式</a:t>
             </a:r>
-            <a:endParaRPr lang="zh-CN" altLang="en-US" strike="noStrike" noProof="1"/>
           </a:p>
           <a:p>
             <a:pPr lvl="1" fontAlgn="auto"/>
@@ -3098,7 +3091,6 @@
               <a:rPr lang="zh-CN" altLang="en-US" strike="noStrike" noProof="1"/>
               <a:t>第二级</a:t>
             </a:r>
-            <a:endParaRPr lang="zh-CN" altLang="en-US" strike="noStrike" noProof="1"/>
           </a:p>
           <a:p>
             <a:pPr lvl="2" fontAlgn="auto"/>
@@ -3106,7 +3098,6 @@
               <a:rPr lang="zh-CN" altLang="en-US" strike="noStrike" noProof="1"/>
               <a:t>第三级</a:t>
             </a:r>
-            <a:endParaRPr lang="zh-CN" altLang="en-US" strike="noStrike" noProof="1"/>
           </a:p>
           <a:p>
             <a:pPr lvl="3" fontAlgn="auto"/>
@@ -3114,7 +3105,6 @@
               <a:rPr lang="zh-CN" altLang="en-US" strike="noStrike" noProof="1"/>
               <a:t>第四级</a:t>
             </a:r>
-            <a:endParaRPr lang="zh-CN" altLang="en-US" strike="noStrike" noProof="1"/>
           </a:p>
           <a:p>
             <a:pPr lvl="4" fontAlgn="auto"/>
@@ -3122,7 +3112,6 @@
               <a:rPr lang="zh-CN" altLang="en-US" strike="noStrike" noProof="1"/>
               <a:t>第五级</a:t>
             </a:r>
-            <a:endParaRPr lang="zh-CN" altLang="en-US" strike="noStrike" noProof="1"/>
           </a:p>
         </p:txBody>
       </p:sp>
@@ -3148,6 +3137,7 @@
                 <a:ea typeface="+mn-ea"/>
                 <a:cs typeface="+mn-cs"/>
               </a:rPr>
+              <a:t>2019/7/10</a:t>
             </a:fld>
             <a:endParaRPr lang="zh-CN" altLang="en-US" strike="noStrike" noProof="1"/>
           </a:p>
@@ -3195,6 +3185,7 @@
                 <a:ea typeface="+mn-ea"/>
                 <a:cs typeface="+mn-cs"/>
               </a:rPr>
+              <a:t>‹#›</a:t>
             </a:fld>
             <a:endParaRPr lang="zh-CN" altLang="en-US" strike="noStrike" noProof="1"/>
           </a:p>
@@ -3262,7 +3253,6 @@
               <a:rPr lang="zh-CN" altLang="en-US"/>
               <a:t>单击此处编辑母版标题样式</a:t>
             </a:r>
-            <a:endParaRPr lang="zh-CN" altLang="en-US"/>
           </a:p>
         </p:txBody>
       </p:sp>
@@ -3298,7 +3288,6 @@
               <a:rPr lang="zh-CN" altLang="en-US"/>
               <a:t>单击此处编辑母版文本样式</a:t>
             </a:r>
-            <a:endParaRPr lang="zh-CN" altLang="en-US"/>
           </a:p>
           <a:p>
             <a:pPr lvl="1" indent="-228600"/>
@@ -3306,7 +3295,6 @@
               <a:rPr lang="zh-CN" altLang="en-US"/>
               <a:t>第二级</a:t>
             </a:r>
-            <a:endParaRPr lang="zh-CN" altLang="en-US"/>
           </a:p>
           <a:p>
             <a:pPr lvl="2" indent="-228600"/>
@@ -3314,7 +3302,6 @@
               <a:rPr lang="zh-CN" altLang="en-US"/>
               <a:t>第三级</a:t>
             </a:r>
-            <a:endParaRPr lang="zh-CN" altLang="en-US"/>
           </a:p>
           <a:p>
             <a:pPr lvl="3" indent="-228600"/>
@@ -3322,7 +3309,6 @@
               <a:rPr lang="zh-CN" altLang="en-US"/>
               <a:t>第四级</a:t>
             </a:r>
-            <a:endParaRPr lang="zh-CN" altLang="en-US"/>
           </a:p>
           <a:p>
             <a:pPr lvl="4" indent="-228600"/>
@@ -3330,7 +3316,6 @@
               <a:rPr lang="zh-CN" altLang="en-US"/>
               <a:t>第五级</a:t>
             </a:r>
-            <a:endParaRPr lang="zh-CN" altLang="en-US"/>
           </a:p>
         </p:txBody>
       </p:sp>
@@ -3374,6 +3359,7 @@
                 <a:ea typeface="+mn-ea"/>
                 <a:cs typeface="+mn-cs"/>
               </a:rPr>
+              <a:t>2019/7/10</a:t>
             </a:fld>
             <a:endParaRPr lang="zh-CN" altLang="en-US" strike="noStrike" noProof="1"/>
           </a:p>
@@ -3457,6 +3443,7 @@
                 <a:ea typeface="+mn-ea"/>
                 <a:cs typeface="+mn-cs"/>
               </a:rPr>
+              <a:t>‹#›</a:t>
             </a:fld>
             <a:endParaRPr lang="zh-CN" altLang="en-US" strike="noStrike" noProof="1"/>
           </a:p>
@@ -3471,7 +3458,7 @@
           <p:nvPr userDrawn="1"/>
         </p:nvPicPr>
         <p:blipFill>
-          <a:blip r:embed="rId11"/>
+          <a:blip r:embed="rId12"/>
           <a:stretch>
             <a:fillRect/>
           </a:stretch>
@@ -3901,7 +3888,7 @@
           <p:nvPr/>
         </p:nvPicPr>
         <p:blipFill>
-          <a:blip r:embed="rId1"/>
+          <a:blip r:embed="rId2"/>
           <a:stretch>
             <a:fillRect/>
           </a:stretch>
@@ -3981,13 +3968,6 @@
               </a:rPr>
               <a:t>目录：</a:t>
             </a:r>
-            <a:endParaRPr lang="zh-CN" altLang="en-US" sz="3600" dirty="0">
-              <a:solidFill>
-                <a:srgbClr val="262626"/>
-              </a:solidFill>
-              <a:latin typeface="微软雅黑" panose="020B0503020204020204" charset="-122"/>
-              <a:ea typeface="微软雅黑" panose="020B0503020204020204" charset="-122"/>
-            </a:endParaRPr>
           </a:p>
           <a:p>
             <a:pPr algn="l"/>
@@ -4035,13 +4015,6 @@
               </a:rPr>
               <a:t>（做了什么？）</a:t>
             </a:r>
-            <a:endParaRPr lang="zh-CN" altLang="en-US" sz="1600" dirty="0">
-              <a:solidFill>
-                <a:srgbClr val="262626"/>
-              </a:solidFill>
-              <a:latin typeface="微软雅黑" panose="020B0503020204020204" charset="-122"/>
-              <a:ea typeface="微软雅黑" panose="020B0503020204020204" charset="-122"/>
-            </a:endParaRPr>
           </a:p>
           <a:p>
             <a:pPr algn="l">
@@ -4079,13 +4052,6 @@
               </a:rPr>
               <a:t>（你认为自己对团队的最大帮忙、价值？）</a:t>
             </a:r>
-            <a:endParaRPr lang="zh-CN" altLang="en-US" sz="1800" dirty="0">
-              <a:solidFill>
-                <a:srgbClr val="262626"/>
-              </a:solidFill>
-              <a:latin typeface="微软雅黑" panose="020B0503020204020204" charset="-122"/>
-              <a:ea typeface="微软雅黑" panose="020B0503020204020204" charset="-122"/>
-            </a:endParaRPr>
           </a:p>
           <a:p>
             <a:pPr algn="l">
@@ -4164,13 +4130,6 @@
               </a:rPr>
               <a:t>？）</a:t>
             </a:r>
-            <a:endParaRPr lang="zh-CN" altLang="en-US" sz="1800" dirty="0">
-              <a:solidFill>
-                <a:srgbClr val="262626"/>
-              </a:solidFill>
-              <a:latin typeface="微软雅黑" panose="020B0503020204020204" charset="-122"/>
-              <a:ea typeface="微软雅黑" panose="020B0503020204020204" charset="-122"/>
-            </a:endParaRPr>
           </a:p>
           <a:p>
             <a:pPr algn="l">
@@ -4208,13 +4167,6 @@
               </a:rPr>
               <a:t>（在工作中遇到的问题以及如何解决的？）</a:t>
             </a:r>
-            <a:endParaRPr lang="zh-CN" altLang="en-US" sz="1800" dirty="0">
-              <a:solidFill>
-                <a:srgbClr val="262626"/>
-              </a:solidFill>
-              <a:latin typeface="微软雅黑" panose="020B0503020204020204" charset="-122"/>
-              <a:ea typeface="微软雅黑" panose="020B0503020204020204" charset="-122"/>
-            </a:endParaRPr>
           </a:p>
           <a:p>
             <a:pPr algn="l">
@@ -4252,13 +4204,6 @@
               </a:rPr>
               <a:t>（包含职业规划，目前的计划？）</a:t>
             </a:r>
-            <a:endParaRPr lang="zh-CN" altLang="en-US" sz="1800" dirty="0">
-              <a:solidFill>
-                <a:srgbClr val="262626"/>
-              </a:solidFill>
-              <a:latin typeface="微软雅黑" panose="020B0503020204020204" charset="-122"/>
-              <a:ea typeface="微软雅黑" panose="020B0503020204020204" charset="-122"/>
-            </a:endParaRPr>
           </a:p>
           <a:p>
             <a:pPr algn="l">
@@ -4296,13 +4241,6 @@
               </a:rPr>
               <a:t>（对项目团队、公司各方面有什么建议？）</a:t>
             </a:r>
-            <a:endParaRPr lang="zh-CN" altLang="en-US" sz="1800" dirty="0">
-              <a:solidFill>
-                <a:srgbClr val="262626"/>
-              </a:solidFill>
-              <a:latin typeface="微软雅黑" panose="020B0503020204020204" charset="-122"/>
-              <a:ea typeface="微软雅黑" panose="020B0503020204020204" charset="-122"/>
-            </a:endParaRPr>
           </a:p>
           <a:p>
             <a:pPr algn="l"/>
@@ -4400,7 +4338,7 @@
           <p:nvPr/>
         </p:nvPicPr>
         <p:blipFill>
-          <a:blip r:embed="rId1"/>
+          <a:blip r:embed="rId4"/>
           <a:stretch>
             <a:fillRect/>
           </a:stretch>
@@ -4504,10 +4442,6 @@
               </a:rPr>
               <a:t>月</a:t>
             </a:r>
-            <a:endParaRPr lang="zh-CN" altLang="en-US">
-              <a:latin typeface="微软雅黑" panose="020B0503020204020204" charset="-122"/>
-              <a:ea typeface="微软雅黑" panose="020B0503020204020204" charset="-122"/>
-            </a:endParaRPr>
           </a:p>
         </p:txBody>
       </p:sp>
@@ -4548,10 +4482,6 @@
               </a:rPr>
               <a:t>月</a:t>
             </a:r>
-            <a:endParaRPr lang="zh-CN" altLang="en-US">
-              <a:latin typeface="微软雅黑" panose="020B0503020204020204" charset="-122"/>
-              <a:ea typeface="微软雅黑" panose="020B0503020204020204" charset="-122"/>
-            </a:endParaRPr>
           </a:p>
         </p:txBody>
       </p:sp>
@@ -4592,10 +4522,6 @@
               </a:rPr>
               <a:t>月</a:t>
             </a:r>
-            <a:endParaRPr lang="zh-CN" altLang="en-US">
-              <a:latin typeface="微软雅黑" panose="020B0503020204020204" charset="-122"/>
-              <a:ea typeface="微软雅黑" panose="020B0503020204020204" charset="-122"/>
-            </a:endParaRPr>
           </a:p>
         </p:txBody>
       </p:sp>
@@ -4608,7 +4534,7 @@
         <p:spPr>
           <a:xfrm>
             <a:off x="1163955" y="2111375"/>
-            <a:ext cx="1804670" cy="1753235"/>
+            <a:ext cx="1804670" cy="1477328"/>
           </a:xfrm>
           <a:prstGeom prst="rect">
             <a:avLst/>
@@ -4623,7 +4549,7 @@
           <a:p>
             <a:pPr algn="l"/>
             <a:r>
-              <a:rPr lang="en-US" altLang="zh-CN">
+              <a:rPr lang="en-US" altLang="zh-CN" dirty="0">
                 <a:solidFill>
                   <a:schemeClr val="tx1">
                     <a:lumMod val="50000"/>
@@ -4636,7 +4562,7 @@
               <a:t>1.</a:t>
             </a:r>
             <a:r>
-              <a:rPr lang="zh-CN" altLang="en-US">
+              <a:rPr lang="zh-CN" altLang="en-US" dirty="0">
                 <a:solidFill>
                   <a:schemeClr val="tx1">
                     <a:lumMod val="50000"/>
@@ -4648,7 +4574,260 @@
               </a:rPr>
               <a:t>快速上手项目</a:t>
             </a:r>
-            <a:endParaRPr lang="zh-CN" altLang="en-US">
+          </a:p>
+          <a:p>
+            <a:pPr algn="l"/>
+            <a:r>
+              <a:rPr lang="en-US" altLang="zh-CN" dirty="0">
+                <a:solidFill>
+                  <a:schemeClr val="tx1">
+                    <a:lumMod val="50000"/>
+                    <a:lumOff val="50000"/>
+                  </a:schemeClr>
+                </a:solidFill>
+                <a:latin typeface="微软雅黑" panose="020B0503020204020204" charset="-122"/>
+                <a:ea typeface="微软雅黑" panose="020B0503020204020204" charset="-122"/>
+              </a:rPr>
+              <a:t>2.</a:t>
+            </a:r>
+            <a:r>
+              <a:rPr lang="zh-CN" altLang="en-US" dirty="0">
+                <a:solidFill>
+                  <a:schemeClr val="tx1">
+                    <a:lumMod val="50000"/>
+                    <a:lumOff val="50000"/>
+                  </a:schemeClr>
+                </a:solidFill>
+                <a:latin typeface="微软雅黑" panose="020B0503020204020204" charset="-122"/>
+                <a:ea typeface="微软雅黑" panose="020B0503020204020204" charset="-122"/>
+              </a:rPr>
+              <a:t>完成</a:t>
+            </a:r>
+            <a:r>
+              <a:rPr lang="en-US" altLang="zh-CN" dirty="0">
+                <a:solidFill>
+                  <a:schemeClr val="tx1">
+                    <a:lumMod val="50000"/>
+                    <a:lumOff val="50000"/>
+                  </a:schemeClr>
+                </a:solidFill>
+                <a:latin typeface="微软雅黑" panose="020B0503020204020204" charset="-122"/>
+                <a:ea typeface="微软雅黑" panose="020B0503020204020204" charset="-122"/>
+              </a:rPr>
+              <a:t>“</a:t>
+            </a:r>
+            <a:r>
+              <a:rPr lang="zh-CN" altLang="en-US" dirty="0">
+                <a:solidFill>
+                  <a:schemeClr val="tx1">
+                    <a:lumMod val="50000"/>
+                    <a:lumOff val="50000"/>
+                  </a:schemeClr>
+                </a:solidFill>
+                <a:latin typeface="微软雅黑" panose="020B0503020204020204" charset="-122"/>
+                <a:ea typeface="微软雅黑" panose="020B0503020204020204" charset="-122"/>
+              </a:rPr>
+              <a:t>赞助商额外加成</a:t>
+            </a:r>
+            <a:r>
+              <a:rPr lang="en-US" altLang="zh-CN" dirty="0">
+                <a:solidFill>
+                  <a:schemeClr val="tx1">
+                    <a:lumMod val="50000"/>
+                    <a:lumOff val="50000"/>
+                  </a:schemeClr>
+                </a:solidFill>
+                <a:latin typeface="微软雅黑" panose="020B0503020204020204" charset="-122"/>
+                <a:ea typeface="微软雅黑" panose="020B0503020204020204" charset="-122"/>
+              </a:rPr>
+              <a:t>”</a:t>
+            </a:r>
+            <a:r>
+              <a:rPr lang="zh-CN" altLang="en-US" dirty="0">
+                <a:solidFill>
+                  <a:schemeClr val="tx1">
+                    <a:lumMod val="50000"/>
+                    <a:lumOff val="50000"/>
+                  </a:schemeClr>
+                </a:solidFill>
+                <a:latin typeface="微软雅黑" panose="020B0503020204020204" charset="-122"/>
+                <a:ea typeface="微软雅黑" panose="020B0503020204020204" charset="-122"/>
+              </a:rPr>
+              <a:t>需求</a:t>
+            </a:r>
+          </a:p>
+          <a:p>
+            <a:pPr algn="l"/>
+            <a:r>
+              <a:rPr lang="en-US" altLang="zh-CN" dirty="0">
+                <a:solidFill>
+                  <a:schemeClr val="tx1">
+                    <a:lumMod val="50000"/>
+                    <a:lumOff val="50000"/>
+                  </a:schemeClr>
+                </a:solidFill>
+                <a:latin typeface="微软雅黑" panose="020B0503020204020204" charset="-122"/>
+                <a:ea typeface="微软雅黑" panose="020B0503020204020204" charset="-122"/>
+              </a:rPr>
+              <a:t>3.</a:t>
+            </a:r>
+            <a:r>
+              <a:rPr lang="zh-CN" altLang="en-US" dirty="0">
+                <a:solidFill>
+                  <a:schemeClr val="tx1">
+                    <a:lumMod val="50000"/>
+                    <a:lumOff val="50000"/>
+                  </a:schemeClr>
+                </a:solidFill>
+                <a:latin typeface="微软雅黑" panose="020B0503020204020204" charset="-122"/>
+                <a:ea typeface="微软雅黑" panose="020B0503020204020204" charset="-122"/>
+              </a:rPr>
+              <a:t>修改一些体验</a:t>
+            </a:r>
+            <a:r>
+              <a:rPr lang="en-US" altLang="zh-CN" dirty="0">
+                <a:solidFill>
+                  <a:schemeClr val="tx1">
+                    <a:lumMod val="50000"/>
+                    <a:lumOff val="50000"/>
+                  </a:schemeClr>
+                </a:solidFill>
+                <a:latin typeface="微软雅黑" panose="020B0503020204020204" charset="-122"/>
+                <a:ea typeface="微软雅黑" panose="020B0503020204020204" charset="-122"/>
+              </a:rPr>
+              <a:t>bug</a:t>
+            </a:r>
+          </a:p>
+        </p:txBody>
+      </p:sp>
+      <p:sp>
+        <p:nvSpPr>
+          <p:cNvPr id="7" name="文本框 6"/>
+          <p:cNvSpPr txBox="1"/>
+          <p:nvPr/>
+        </p:nvSpPr>
+        <p:spPr>
+          <a:xfrm>
+            <a:off x="4757420" y="2111375"/>
+            <a:ext cx="1804670" cy="1477328"/>
+          </a:xfrm>
+          <a:prstGeom prst="rect">
+            <a:avLst/>
+          </a:prstGeom>
+          <a:noFill/>
+        </p:spPr>
+        <p:txBody>
+          <a:bodyPr wrap="square" rtlCol="0">
+            <a:spAutoFit/>
+          </a:bodyPr>
+          <a:lstStyle/>
+          <a:p>
+            <a:pPr algn="l"/>
+            <a:r>
+              <a:rPr lang="en-US" altLang="zh-CN" dirty="0">
+                <a:solidFill>
+                  <a:schemeClr val="tx1">
+                    <a:lumMod val="50000"/>
+                    <a:lumOff val="50000"/>
+                  </a:schemeClr>
+                </a:solidFill>
+                <a:latin typeface="微软雅黑" panose="020B0503020204020204" charset="-122"/>
+                <a:ea typeface="微软雅黑" panose="020B0503020204020204" charset="-122"/>
+              </a:rPr>
+              <a:t>1.</a:t>
+            </a:r>
+            <a:r>
+              <a:rPr lang="zh-CN" altLang="en-US" dirty="0">
+                <a:solidFill>
+                  <a:schemeClr val="tx1">
+                    <a:lumMod val="50000"/>
+                    <a:lumOff val="50000"/>
+                  </a:schemeClr>
+                </a:solidFill>
+                <a:latin typeface="微软雅黑" panose="020B0503020204020204" charset="-122"/>
+                <a:ea typeface="微软雅黑" panose="020B0503020204020204" charset="-122"/>
+              </a:rPr>
+              <a:t>更换美术资源</a:t>
+            </a:r>
+            <a:r>
+              <a:rPr lang="en-US" altLang="zh-CN" dirty="0">
+                <a:solidFill>
+                  <a:schemeClr val="tx1">
+                    <a:lumMod val="50000"/>
+                    <a:lumOff val="50000"/>
+                  </a:schemeClr>
+                </a:solidFill>
+                <a:latin typeface="微软雅黑" panose="020B0503020204020204" charset="-122"/>
+                <a:ea typeface="微软雅黑" panose="020B0503020204020204" charset="-122"/>
+              </a:rPr>
+              <a:t>2.</a:t>
+            </a:r>
+            <a:r>
+              <a:rPr lang="zh-CN" altLang="en-US" dirty="0">
+                <a:solidFill>
+                  <a:schemeClr val="tx1">
+                    <a:lumMod val="50000"/>
+                    <a:lumOff val="50000"/>
+                  </a:schemeClr>
+                </a:solidFill>
+                <a:latin typeface="微软雅黑" panose="020B0503020204020204" charset="-122"/>
+                <a:ea typeface="微软雅黑" panose="020B0503020204020204" charset="-122"/>
+              </a:rPr>
+              <a:t>编写编辑器拓展工具，提高查找、更换美术资源的效率</a:t>
+            </a:r>
+          </a:p>
+        </p:txBody>
+      </p:sp>
+      <p:sp>
+        <p:nvSpPr>
+          <p:cNvPr id="8" name="文本框 7"/>
+          <p:cNvSpPr txBox="1"/>
+          <p:nvPr/>
+        </p:nvSpPr>
+        <p:spPr>
+          <a:xfrm>
+            <a:off x="8301355" y="2111375"/>
+            <a:ext cx="1804670" cy="1477328"/>
+          </a:xfrm>
+          <a:prstGeom prst="rect">
+            <a:avLst/>
+          </a:prstGeom>
+          <a:noFill/>
+        </p:spPr>
+        <p:txBody>
+          <a:bodyPr wrap="square" rtlCol="0">
+            <a:spAutoFit/>
+          </a:bodyPr>
+          <a:lstStyle/>
+          <a:p>
+            <a:pPr algn="l"/>
+            <a:r>
+              <a:rPr lang="en-US" altLang="zh-CN" dirty="0">
+                <a:solidFill>
+                  <a:schemeClr val="tx1">
+                    <a:lumMod val="50000"/>
+                    <a:lumOff val="50000"/>
+                  </a:schemeClr>
+                </a:solidFill>
+                <a:latin typeface="微软雅黑" panose="020B0503020204020204" charset="-122"/>
+                <a:ea typeface="微软雅黑" panose="020B0503020204020204" charset="-122"/>
+              </a:rPr>
+              <a:t>1.</a:t>
+            </a:r>
+            <a:r>
+              <a:rPr lang="zh-CN" altLang="en-US" dirty="0">
+                <a:solidFill>
+                  <a:schemeClr val="tx1">
+                    <a:lumMod val="50000"/>
+                    <a:lumOff val="50000"/>
+                  </a:schemeClr>
+                </a:solidFill>
+                <a:latin typeface="微软雅黑" panose="020B0503020204020204" charset="-122"/>
+                <a:ea typeface="微软雅黑" panose="020B0503020204020204" charset="-122"/>
+              </a:rPr>
+              <a:t>巅峰对决模块开发</a:t>
+            </a:r>
+            <a:endParaRPr lang="en-US" altLang="zh-CN" dirty="0">
               <a:solidFill>
                 <a:schemeClr val="tx1">
                   <a:lumMod val="50000"/>
@@ -4662,7 +4841,7 @@
           <a:p>
             <a:pPr algn="l"/>
             <a:r>
-              <a:rPr lang="en-US" altLang="zh-CN">
+              <a:rPr lang="en-US" altLang="zh-CN" dirty="0">
                 <a:solidFill>
                   <a:schemeClr val="tx1">
                     <a:lumMod val="50000"/>
@@ -4675,7 +4854,7 @@
               <a:t>2.</a:t>
             </a:r>
             <a:r>
-              <a:rPr lang="zh-CN" altLang="en-US">
+              <a:rPr lang="zh-CN" altLang="en-US" dirty="0">
                 <a:solidFill>
                   <a:schemeClr val="tx1">
                     <a:lumMod val="50000"/>
@@ -4685,61 +4864,9 @@
                 <a:latin typeface="微软雅黑" panose="020B0503020204020204" charset="-122"/>
                 <a:ea typeface="微软雅黑" panose="020B0503020204020204" charset="-122"/>
               </a:rPr>
-              <a:t>完成</a:t>
-            </a:r>
-            <a:r>
-              <a:rPr lang="en-US" altLang="zh-CN">
-                <a:solidFill>
-                  <a:schemeClr val="tx1">
-                    <a:lumMod val="50000"/>
-                    <a:lumOff val="50000"/>
-                  </a:schemeClr>
-                </a:solidFill>
-                <a:latin typeface="微软雅黑" panose="020B0503020204020204" charset="-122"/>
-                <a:ea typeface="微软雅黑" panose="020B0503020204020204" charset="-122"/>
-              </a:rPr>
-              <a:t>“</a:t>
-            </a:r>
-            <a:r>
-              <a:rPr lang="zh-CN" altLang="en-US">
-                <a:solidFill>
-                  <a:schemeClr val="tx1">
-                    <a:lumMod val="50000"/>
-                    <a:lumOff val="50000"/>
-                  </a:schemeClr>
-                </a:solidFill>
-                <a:latin typeface="微软雅黑" panose="020B0503020204020204" charset="-122"/>
-                <a:ea typeface="微软雅黑" panose="020B0503020204020204" charset="-122"/>
-              </a:rPr>
-              <a:t>赞助商额外加成</a:t>
-            </a:r>
-            <a:r>
-              <a:rPr lang="en-US" altLang="zh-CN">
-                <a:solidFill>
-                  <a:schemeClr val="tx1">
-                    <a:lumMod val="50000"/>
-                    <a:lumOff val="50000"/>
-                  </a:schemeClr>
-                </a:solidFill>
-                <a:latin typeface="微软雅黑" panose="020B0503020204020204" charset="-122"/>
-                <a:ea typeface="微软雅黑" panose="020B0503020204020204" charset="-122"/>
-              </a:rPr>
-              <a:t>”</a:t>
-            </a:r>
-            <a:r>
-              <a:rPr lang="zh-CN" altLang="en-US">
-                <a:solidFill>
-                  <a:schemeClr val="tx1">
-                    <a:lumMod val="50000"/>
-                    <a:lumOff val="50000"/>
-                  </a:schemeClr>
-                </a:solidFill>
-                <a:latin typeface="微软雅黑" panose="020B0503020204020204" charset="-122"/>
-                <a:ea typeface="微软雅黑" panose="020B0503020204020204" charset="-122"/>
-              </a:rPr>
-              <a:t>需求</a:t>
-            </a:r>
-            <a:endParaRPr lang="zh-CN" altLang="en-US">
+              <a:t>前后端联调接口</a:t>
+            </a:r>
+            <a:endParaRPr lang="en-US" altLang="zh-CN" dirty="0">
               <a:solidFill>
                 <a:schemeClr val="tx1">
                   <a:lumMod val="50000"/>
@@ -4753,7 +4880,7 @@
           <a:p>
             <a:pPr algn="l"/>
             <a:r>
-              <a:rPr lang="en-US" altLang="zh-CN">
+              <a:rPr lang="en-US" altLang="zh-CN" dirty="0">
                 <a:solidFill>
                   <a:schemeClr val="tx1">
                     <a:lumMod val="50000"/>
@@ -4766,7 +4893,7 @@
               <a:t>3.</a:t>
             </a:r>
             <a:r>
-              <a:rPr lang="zh-CN" altLang="en-US">
+              <a:rPr lang="zh-CN" altLang="en-US" dirty="0">
                 <a:solidFill>
                   <a:schemeClr val="tx1">
                     <a:lumMod val="50000"/>
@@ -4776,10 +4903,10 @@
                 <a:latin typeface="微软雅黑" panose="020B0503020204020204" charset="-122"/>
                 <a:ea typeface="微软雅黑" panose="020B0503020204020204" charset="-122"/>
               </a:rPr>
-              <a:t>修改一些体验</a:t>
-            </a:r>
-            <a:r>
-              <a:rPr lang="en-US" altLang="zh-CN">
+              <a:t>修改</a:t>
+            </a:r>
+            <a:r>
+              <a:rPr lang="en-US" altLang="zh-CN" dirty="0">
                 <a:solidFill>
                   <a:schemeClr val="tx1">
                     <a:lumMod val="50000"/>
@@ -4791,235 +4918,7 @@
               </a:rPr>
               <a:t>bug</a:t>
             </a:r>
-            <a:endParaRPr lang="en-US" altLang="zh-CN">
-              <a:solidFill>
-                <a:schemeClr val="tx1">
-                  <a:lumMod val="50000"/>
-                  <a:lumOff val="50000"/>
-                </a:schemeClr>
-              </a:solidFill>
-              <a:latin typeface="微软雅黑" panose="020B0503020204020204" charset="-122"/>
-              <a:ea typeface="微软雅黑" panose="020B0503020204020204" charset="-122"/>
-            </a:endParaRPr>
-          </a:p>
-          <a:p>
-            <a:pPr algn="l"/>
-            <a:r>
-              <a:rPr lang="en-US" altLang="zh-CN">
-                <a:solidFill>
-                  <a:schemeClr val="tx1">
-                    <a:lumMod val="50000"/>
-                    <a:lumOff val="50000"/>
-                  </a:schemeClr>
-                </a:solidFill>
-                <a:latin typeface="微软雅黑" panose="020B0503020204020204" charset="-122"/>
-                <a:ea typeface="微软雅黑" panose="020B0503020204020204" charset="-122"/>
-              </a:rPr>
-              <a:t>4.</a:t>
-            </a:r>
-            <a:endParaRPr lang="en-US" altLang="zh-CN">
-              <a:solidFill>
-                <a:schemeClr val="tx1">
-                  <a:lumMod val="50000"/>
-                  <a:lumOff val="50000"/>
-                </a:schemeClr>
-              </a:solidFill>
-              <a:latin typeface="微软雅黑" panose="020B0503020204020204" charset="-122"/>
-              <a:ea typeface="微软雅黑" panose="020B0503020204020204" charset="-122"/>
-            </a:endParaRPr>
-          </a:p>
-        </p:txBody>
-      </p:sp>
-      <p:sp>
-        <p:nvSpPr>
-          <p:cNvPr id="7" name="文本框 6"/>
-          <p:cNvSpPr txBox="1"/>
-          <p:nvPr/>
-        </p:nvSpPr>
-        <p:spPr>
-          <a:xfrm>
-            <a:off x="4757420" y="2111375"/>
-            <a:ext cx="1804670" cy="1753235"/>
-          </a:xfrm>
-          <a:prstGeom prst="rect">
-            <a:avLst/>
-          </a:prstGeom>
-          <a:noFill/>
-        </p:spPr>
-        <p:txBody>
-          <a:bodyPr wrap="square" rtlCol="0">
-            <a:spAutoFit/>
-          </a:bodyPr>
-          <a:lstStyle/>
-          <a:p>
-            <a:pPr algn="l"/>
-            <a:r>
-              <a:rPr lang="en-US" altLang="zh-CN">
-                <a:solidFill>
-                  <a:schemeClr val="tx1">
-                    <a:lumMod val="50000"/>
-                    <a:lumOff val="50000"/>
-                  </a:schemeClr>
-                </a:solidFill>
-                <a:latin typeface="微软雅黑" panose="020B0503020204020204" charset="-122"/>
-                <a:ea typeface="微软雅黑" panose="020B0503020204020204" charset="-122"/>
-              </a:rPr>
-              <a:t>1.</a:t>
-            </a:r>
-            <a:r>
-              <a:rPr lang="zh-CN" altLang="en-US">
-                <a:solidFill>
-                  <a:schemeClr val="tx1">
-                    <a:lumMod val="50000"/>
-                    <a:lumOff val="50000"/>
-                  </a:schemeClr>
-                </a:solidFill>
-                <a:latin typeface="微软雅黑" panose="020B0503020204020204" charset="-122"/>
-                <a:ea typeface="微软雅黑" panose="020B0503020204020204" charset="-122"/>
-              </a:rPr>
-              <a:t>更换美术资源</a:t>
-            </a:r>
-            <a:r>
-              <a:rPr lang="en-US" altLang="zh-CN">
-                <a:solidFill>
-                  <a:schemeClr val="tx1">
-                    <a:lumMod val="50000"/>
-                    <a:lumOff val="50000"/>
-                  </a:schemeClr>
-                </a:solidFill>
-                <a:latin typeface="微软雅黑" panose="020B0503020204020204" charset="-122"/>
-                <a:ea typeface="微软雅黑" panose="020B0503020204020204" charset="-122"/>
-              </a:rPr>
-              <a:t>2.</a:t>
-            </a:r>
-            <a:r>
-              <a:rPr lang="zh-CN" altLang="en-US">
-                <a:solidFill>
-                  <a:schemeClr val="tx1">
-                    <a:lumMod val="50000"/>
-                    <a:lumOff val="50000"/>
-                  </a:schemeClr>
-                </a:solidFill>
-                <a:latin typeface="微软雅黑" panose="020B0503020204020204" charset="-122"/>
-                <a:ea typeface="微软雅黑" panose="020B0503020204020204" charset="-122"/>
-              </a:rPr>
-              <a:t>编写编辑器拓展工具，提高查找、更换美术资源的效率</a:t>
-            </a:r>
-            <a:endParaRPr lang="zh-CN" altLang="en-US">
-              <a:solidFill>
-                <a:schemeClr val="tx1">
-                  <a:lumMod val="50000"/>
-                  <a:lumOff val="50000"/>
-                </a:schemeClr>
-              </a:solidFill>
-              <a:latin typeface="微软雅黑" panose="020B0503020204020204" charset="-122"/>
-              <a:ea typeface="微软雅黑" panose="020B0503020204020204" charset="-122"/>
-            </a:endParaRPr>
-          </a:p>
-          <a:p>
-            <a:pPr algn="l"/>
-            <a:r>
-              <a:rPr lang="en-US" altLang="zh-CN">
-                <a:solidFill>
-                  <a:schemeClr val="tx1">
-                    <a:lumMod val="50000"/>
-                    <a:lumOff val="50000"/>
-                  </a:schemeClr>
-                </a:solidFill>
-                <a:latin typeface="微软雅黑" panose="020B0503020204020204" charset="-122"/>
-                <a:ea typeface="微软雅黑" panose="020B0503020204020204" charset="-122"/>
-              </a:rPr>
-              <a:t>3.</a:t>
-            </a:r>
-            <a:endParaRPr lang="en-US" altLang="zh-CN">
-              <a:solidFill>
-                <a:schemeClr val="tx1">
-                  <a:lumMod val="50000"/>
-                  <a:lumOff val="50000"/>
-                </a:schemeClr>
-              </a:solidFill>
-              <a:latin typeface="微软雅黑" panose="020B0503020204020204" charset="-122"/>
-              <a:ea typeface="微软雅黑" panose="020B0503020204020204" charset="-122"/>
-            </a:endParaRPr>
-          </a:p>
-        </p:txBody>
-      </p:sp>
-      <p:sp>
-        <p:nvSpPr>
-          <p:cNvPr id="8" name="文本框 7"/>
-          <p:cNvSpPr txBox="1"/>
-          <p:nvPr/>
-        </p:nvSpPr>
-        <p:spPr>
-          <a:xfrm>
-            <a:off x="8301355" y="2111375"/>
-            <a:ext cx="1804670" cy="922020"/>
-          </a:xfrm>
-          <a:prstGeom prst="rect">
-            <a:avLst/>
-          </a:prstGeom>
-          <a:noFill/>
-        </p:spPr>
-        <p:txBody>
-          <a:bodyPr wrap="square" rtlCol="0">
-            <a:spAutoFit/>
-          </a:bodyPr>
-          <a:lstStyle/>
-          <a:p>
-            <a:pPr algn="l"/>
-            <a:r>
-              <a:rPr lang="en-US" altLang="zh-CN">
-                <a:solidFill>
-                  <a:schemeClr val="tx1">
-                    <a:lumMod val="50000"/>
-                    <a:lumOff val="50000"/>
-                  </a:schemeClr>
-                </a:solidFill>
-                <a:latin typeface="微软雅黑" panose="020B0503020204020204" charset="-122"/>
-                <a:ea typeface="微软雅黑" panose="020B0503020204020204" charset="-122"/>
-              </a:rPr>
-              <a:t>1.</a:t>
-            </a:r>
-            <a:r>
-              <a:rPr lang="zh-CN" altLang="en-US">
-                <a:solidFill>
-                  <a:schemeClr val="tx1">
-                    <a:lumMod val="50000"/>
-                    <a:lumOff val="50000"/>
-                  </a:schemeClr>
-                </a:solidFill>
-                <a:latin typeface="微软雅黑" panose="020B0503020204020204" charset="-122"/>
-                <a:ea typeface="微软雅黑" panose="020B0503020204020204" charset="-122"/>
-              </a:rPr>
-              <a:t>巅峰对决模块开发</a:t>
-            </a:r>
-            <a:endParaRPr lang="zh-CN" altLang="en-US">
-              <a:solidFill>
-                <a:schemeClr val="tx1">
-                  <a:lumMod val="50000"/>
-                  <a:lumOff val="50000"/>
-                </a:schemeClr>
-              </a:solidFill>
-              <a:latin typeface="微软雅黑" panose="020B0503020204020204" charset="-122"/>
-              <a:ea typeface="微软雅黑" panose="020B0503020204020204" charset="-122"/>
-            </a:endParaRPr>
-          </a:p>
-          <a:p>
-            <a:pPr algn="l"/>
-            <a:r>
-              <a:rPr lang="en-US" altLang="zh-CN">
-                <a:solidFill>
-                  <a:schemeClr val="tx1">
-                    <a:lumMod val="50000"/>
-                    <a:lumOff val="50000"/>
-                  </a:schemeClr>
-                </a:solidFill>
-                <a:latin typeface="微软雅黑" panose="020B0503020204020204" charset="-122"/>
-                <a:ea typeface="微软雅黑" panose="020B0503020204020204" charset="-122"/>
-              </a:rPr>
-              <a:t>2.</a:t>
-            </a:r>
-            <a:endParaRPr lang="en-US" altLang="zh-CN">
+            <a:endParaRPr lang="zh-CN" altLang="en-US" dirty="0">
               <a:solidFill>
                 <a:schemeClr val="tx1">
                   <a:lumMod val="50000"/>
@@ -5248,16 +5147,6 @@
               </a:rPr>
               <a:t>，图表，截图等表示；            </a:t>
             </a:r>
-            <a:endParaRPr lang="zh-CN" altLang="en-US">
-              <a:solidFill>
-                <a:schemeClr val="tx1">
-                  <a:lumMod val="50000"/>
-                  <a:lumOff val="50000"/>
-                </a:schemeClr>
-              </a:solidFill>
-              <a:latin typeface="微软雅黑" panose="020B0503020204020204" charset="-122"/>
-              <a:ea typeface="微软雅黑" panose="020B0503020204020204" charset="-122"/>
-            </a:endParaRPr>
           </a:p>
           <a:p>
             <a:pPr algn="l"/>
@@ -5300,22 +5189,12 @@
               </a:rPr>
               <a:t>需要清晰且较详细的阐述。</a:t>
             </a:r>
-            <a:endParaRPr lang="zh-CN" altLang="en-US">
-              <a:solidFill>
-                <a:schemeClr val="tx1">
-                  <a:lumMod val="50000"/>
-                  <a:lumOff val="50000"/>
-                </a:schemeClr>
-              </a:solidFill>
-              <a:latin typeface="微软雅黑" panose="020B0503020204020204" charset="-122"/>
-              <a:ea typeface="微软雅黑" panose="020B0503020204020204" charset="-122"/>
-            </a:endParaRPr>
           </a:p>
         </p:txBody>
       </p:sp>
     </p:spTree>
     <p:custDataLst>
-      <p:tags r:id="rId2"/>
+      <p:tags r:id="rId1"/>
     </p:custDataLst>
   </p:cSld>
   <p:clrMapOvr>
@@ -5350,7 +5229,7 @@
           <p:nvPr/>
         </p:nvPicPr>
         <p:blipFill>
-          <a:blip r:embed="rId1"/>
+          <a:blip r:embed="rId3"/>
           <a:stretch>
             <a:fillRect/>
           </a:stretch>
@@ -5469,10 +5348,6 @@
               </a:rPr>
               <a:t>部门报到</a:t>
             </a:r>
-            <a:endParaRPr lang="zh-CN" altLang="zh-CN" strike="noStrike" noProof="1">
-              <a:latin typeface="楷体" panose="02010609060101010101" charset="-122"/>
-              <a:ea typeface="楷体" panose="02010609060101010101" charset="-122"/>
-            </a:endParaRPr>
           </a:p>
           <a:p>
             <a:pPr algn="ctr" fontAlgn="auto"/>
@@ -5483,10 +5358,6 @@
               </a:rPr>
               <a:t>（部门负责人）</a:t>
             </a:r>
-            <a:endParaRPr lang="zh-CN" altLang="zh-CN" strike="noStrike" noProof="1">
-              <a:latin typeface="楷体" panose="02010609060101010101" charset="-122"/>
-              <a:ea typeface="楷体" panose="02010609060101010101" charset="-122"/>
-            </a:endParaRPr>
           </a:p>
         </p:txBody>
       </p:sp>
@@ -5539,10 +5410,6 @@
               </a:rPr>
               <a:t>办公用品领取</a:t>
             </a:r>
-            <a:endParaRPr lang="zh-CN" altLang="zh-CN" strike="noStrike" noProof="1">
-              <a:latin typeface="楷体" panose="02010609060101010101" charset="-122"/>
-              <a:ea typeface="楷体" panose="02010609060101010101" charset="-122"/>
-            </a:endParaRPr>
           </a:p>
           <a:p>
             <a:pPr algn="ctr" fontAlgn="auto"/>
@@ -5567,10 +5434,6 @@
               </a:rPr>
               <a:t>行政）</a:t>
             </a:r>
-            <a:endParaRPr lang="zh-CN" altLang="zh-CN" strike="noStrike" noProof="1">
-              <a:latin typeface="楷体" panose="02010609060101010101" charset="-122"/>
-              <a:ea typeface="楷体" panose="02010609060101010101" charset="-122"/>
-            </a:endParaRPr>
           </a:p>
         </p:txBody>
       </p:sp>
@@ -5773,10 +5636,6 @@
               </a:rPr>
               <a:t>集中组织</a:t>
             </a:r>
-            <a:endParaRPr lang="zh-CN" altLang="en-US" dirty="0">
-              <a:latin typeface="楷体" panose="02010609060101010101" charset="-122"/>
-              <a:ea typeface="楷体" panose="02010609060101010101" charset="-122"/>
-            </a:endParaRPr>
           </a:p>
         </p:txBody>
       </p:sp>
@@ -5789,7 +5648,7 @@
           <p:nvPr/>
         </p:nvPicPr>
         <p:blipFill>
-          <a:blip r:embed="rId1"/>
+          <a:blip r:embed="rId3"/>
           <a:stretch>
             <a:fillRect/>
           </a:stretch>
@@ -5908,10 +5767,6 @@
               </a:rPr>
               <a:t>部门报到</a:t>
             </a:r>
-            <a:endParaRPr lang="zh-CN" altLang="zh-CN" strike="noStrike" noProof="1">
-              <a:latin typeface="楷体" panose="02010609060101010101" charset="-122"/>
-              <a:ea typeface="楷体" panose="02010609060101010101" charset="-122"/>
-            </a:endParaRPr>
           </a:p>
           <a:p>
             <a:pPr algn="ctr" fontAlgn="auto"/>
@@ -5922,10 +5777,6 @@
               </a:rPr>
               <a:t>（部门负责人）</a:t>
             </a:r>
-            <a:endParaRPr lang="zh-CN" altLang="zh-CN" strike="noStrike" noProof="1">
-              <a:latin typeface="楷体" panose="02010609060101010101" charset="-122"/>
-              <a:ea typeface="楷体" panose="02010609060101010101" charset="-122"/>
-            </a:endParaRPr>
           </a:p>
         </p:txBody>
       </p:sp>
@@ -5978,10 +5829,6 @@
               </a:rPr>
               <a:t>办公用品领取</a:t>
             </a:r>
-            <a:endParaRPr lang="zh-CN" altLang="zh-CN" strike="noStrike" noProof="1">
-              <a:latin typeface="楷体" panose="02010609060101010101" charset="-122"/>
-              <a:ea typeface="楷体" panose="02010609060101010101" charset="-122"/>
-            </a:endParaRPr>
           </a:p>
           <a:p>
             <a:pPr algn="ctr" fontAlgn="auto"/>
@@ -6006,10 +5853,6 @@
               </a:rPr>
               <a:t>行政）</a:t>
             </a:r>
-            <a:endParaRPr lang="zh-CN" altLang="zh-CN" strike="noStrike" noProof="1">
-              <a:latin typeface="楷体" panose="02010609060101010101" charset="-122"/>
-              <a:ea typeface="楷体" panose="02010609060101010101" charset="-122"/>
-            </a:endParaRPr>
           </a:p>
         </p:txBody>
       </p:sp>
@@ -6212,10 +6055,6 @@
               </a:rPr>
               <a:t>集中组织</a:t>
             </a:r>
-            <a:endParaRPr lang="zh-CN" altLang="en-US" dirty="0">
-              <a:latin typeface="楷体" panose="02010609060101010101" charset="-122"/>
-              <a:ea typeface="楷体" panose="02010609060101010101" charset="-122"/>
-            </a:endParaRPr>
           </a:p>
         </p:txBody>
       </p:sp>
@@ -6228,7 +6067,7 @@
           <p:nvPr/>
         </p:nvPicPr>
         <p:blipFill>
-          <a:blip r:embed="rId1"/>
+          <a:blip r:embed="rId3"/>
           <a:stretch>
             <a:fillRect/>
           </a:stretch>
@@ -6347,10 +6186,6 @@
               </a:rPr>
               <a:t>部门报到</a:t>
             </a:r>
-            <a:endParaRPr lang="zh-CN" altLang="zh-CN" strike="noStrike" noProof="1">
-              <a:latin typeface="楷体" panose="02010609060101010101" charset="-122"/>
-              <a:ea typeface="楷体" panose="02010609060101010101" charset="-122"/>
-            </a:endParaRPr>
           </a:p>
           <a:p>
             <a:pPr algn="ctr" fontAlgn="auto"/>
@@ -6361,10 +6196,6 @@
               </a:rPr>
               <a:t>（部门负责人）</a:t>
             </a:r>
-            <a:endParaRPr lang="zh-CN" altLang="zh-CN" strike="noStrike" noProof="1">
-              <a:latin typeface="楷体" panose="02010609060101010101" charset="-122"/>
-              <a:ea typeface="楷体" panose="02010609060101010101" charset="-122"/>
-            </a:endParaRPr>
           </a:p>
         </p:txBody>
       </p:sp>
@@ -6417,10 +6248,6 @@
               </a:rPr>
               <a:t>办公用品领取</a:t>
             </a:r>
-            <a:endParaRPr lang="zh-CN" altLang="zh-CN" strike="noStrike" noProof="1">
-              <a:latin typeface="楷体" panose="02010609060101010101" charset="-122"/>
-              <a:ea typeface="楷体" panose="02010609060101010101" charset="-122"/>
-            </a:endParaRPr>
           </a:p>
           <a:p>
             <a:pPr algn="ctr" fontAlgn="auto"/>
@@ -6445,10 +6272,6 @@
               </a:rPr>
               <a:t>行政）</a:t>
             </a:r>
-            <a:endParaRPr lang="zh-CN" altLang="zh-CN" strike="noStrike" noProof="1">
-              <a:latin typeface="楷体" panose="02010609060101010101" charset="-122"/>
-              <a:ea typeface="楷体" panose="02010609060101010101" charset="-122"/>
-            </a:endParaRPr>
           </a:p>
         </p:txBody>
       </p:sp>
@@ -6651,10 +6474,6 @@
               </a:rPr>
               <a:t>集中组织</a:t>
             </a:r>
-            <a:endParaRPr lang="zh-CN" altLang="en-US" dirty="0">
-              <a:latin typeface="楷体" panose="02010609060101010101" charset="-122"/>
-              <a:ea typeface="楷体" panose="02010609060101010101" charset="-122"/>
-            </a:endParaRPr>
           </a:p>
         </p:txBody>
       </p:sp>
@@ -6667,7 +6486,7 @@
           <p:nvPr/>
         </p:nvPicPr>
         <p:blipFill>
-          <a:blip r:embed="rId1"/>
+          <a:blip r:embed="rId3"/>
           <a:stretch>
             <a:fillRect/>
           </a:stretch>
@@ -6845,6 +6664,53 @@
               </a:rPr>
               <a:t>1.编写编辑器拓展工具，提高查找、更换美术资源的效率</a:t>
             </a:r>
+          </a:p>
+          <a:p>
+            <a:pPr algn="l">
+              <a:lnSpc>
+                <a:spcPts val="5120"/>
+              </a:lnSpc>
+            </a:pPr>
+            <a:r>
+              <a:rPr lang="en-US" altLang="zh-CN" sz="1800" dirty="0">
+                <a:solidFill>
+                  <a:srgbClr val="262626"/>
+                </a:solidFill>
+                <a:latin typeface="微软雅黑" panose="020B0503020204020204" charset="-122"/>
+                <a:ea typeface="微软雅黑" panose="020B0503020204020204" charset="-122"/>
+              </a:rPr>
+              <a:t>2.</a:t>
+            </a:r>
+            <a:r>
+              <a:rPr lang="zh-CN" altLang="en-US" sz="1800" dirty="0">
+                <a:solidFill>
+                  <a:srgbClr val="262626"/>
+                </a:solidFill>
+                <a:latin typeface="微软雅黑" panose="020B0503020204020204" charset="-122"/>
+                <a:ea typeface="微软雅黑" panose="020B0503020204020204" charset="-122"/>
+              </a:rPr>
+              <a:t>编写了</a:t>
+            </a:r>
+            <a:r>
+              <a:rPr lang="en-US" altLang="zh-CN" sz="1800" dirty="0">
+                <a:solidFill>
+                  <a:srgbClr val="262626"/>
+                </a:solidFill>
+                <a:latin typeface="微软雅黑" panose="020B0503020204020204" charset="-122"/>
+                <a:ea typeface="微软雅黑" panose="020B0503020204020204" charset="-122"/>
+              </a:rPr>
+              <a:t>4</a:t>
+            </a:r>
+            <a:r>
+              <a:rPr lang="zh-CN" altLang="en-US" sz="1800" dirty="0">
+                <a:solidFill>
+                  <a:srgbClr val="262626"/>
+                </a:solidFill>
+                <a:latin typeface="微软雅黑" panose="020B0503020204020204" charset="-122"/>
+                <a:ea typeface="微软雅黑" panose="020B0503020204020204" charset="-122"/>
+              </a:rPr>
+              <a:t>个公共组件，方便以后其他模块的开发</a:t>
+            </a:r>
             <a:endParaRPr lang="en-US" altLang="zh-CN" sz="1800" dirty="0">
               <a:solidFill>
                 <a:srgbClr val="262626"/>
@@ -6867,7 +6733,7 @@
                 <a:latin typeface="微软雅黑" panose="020B0503020204020204" charset="-122"/>
                 <a:ea typeface="微软雅黑" panose="020B0503020204020204" charset="-122"/>
               </a:rPr>
-              <a:t>2.</a:t>
+              <a:t>3.帮助特效同事同步</a:t>
             </a:r>
             <a:r>
               <a:rPr lang="zh-CN" altLang="en-US" sz="1800" dirty="0">
@@ -6877,51 +6743,17 @@
                 <a:latin typeface="微软雅黑" panose="020B0503020204020204" charset="-122"/>
                 <a:ea typeface="微软雅黑" panose="020B0503020204020204" charset="-122"/>
               </a:rPr>
-              <a:t>编写了</a:t>
-            </a:r>
-            <a:r>
-              <a:rPr lang="en-US" altLang="zh-CN" sz="1800" dirty="0">
-                <a:solidFill>
-                  <a:srgbClr val="262626"/>
-                </a:solidFill>
-                <a:latin typeface="微软雅黑" panose="020B0503020204020204" charset="-122"/>
-                <a:ea typeface="微软雅黑" panose="020B0503020204020204" charset="-122"/>
-              </a:rPr>
-              <a:t>4</a:t>
-            </a:r>
-            <a:r>
-              <a:rPr lang="zh-CN" altLang="en-US" sz="1800" dirty="0">
-                <a:solidFill>
-                  <a:srgbClr val="262626"/>
-                </a:solidFill>
-                <a:latin typeface="微软雅黑" panose="020B0503020204020204" charset="-122"/>
-                <a:ea typeface="微软雅黑" panose="020B0503020204020204" charset="-122"/>
-              </a:rPr>
-              <a:t>个公共组件，方便以后其他模块的开发</a:t>
-            </a:r>
-            <a:endParaRPr lang="en-US" altLang="zh-CN" sz="1800" dirty="0">
-              <a:solidFill>
-                <a:srgbClr val="262626"/>
-              </a:solidFill>
-              <a:latin typeface="微软雅黑" panose="020B0503020204020204" charset="-122"/>
-              <a:ea typeface="微软雅黑" panose="020B0503020204020204" charset="-122"/>
-            </a:endParaRPr>
-          </a:p>
-          <a:p>
-            <a:pPr algn="l">
-              <a:lnSpc>
-                <a:spcPts val="5120"/>
-              </a:lnSpc>
-            </a:pPr>
-            <a:r>
-              <a:rPr lang="en-US" altLang="zh-CN" sz="1800" dirty="0">
-                <a:solidFill>
-                  <a:srgbClr val="262626"/>
-                </a:solidFill>
-                <a:latin typeface="微软雅黑" panose="020B0503020204020204" charset="-122"/>
-                <a:ea typeface="微软雅黑" panose="020B0503020204020204" charset="-122"/>
-              </a:rPr>
-              <a:t>3.帮助特效同事同步环境，提高了</a:t>
+              <a:t>了开发</a:t>
+            </a:r>
+            <a:r>
+              <a:rPr lang="en-US" altLang="zh-CN" sz="1800" dirty="0" err="1">
+                <a:solidFill>
+                  <a:srgbClr val="262626"/>
+                </a:solidFill>
+                <a:latin typeface="微软雅黑" panose="020B0503020204020204" charset="-122"/>
+                <a:ea typeface="微软雅黑" panose="020B0503020204020204" charset="-122"/>
+              </a:rPr>
+              <a:t>环境，提高了</a:t>
             </a:r>
             <a:r>
               <a:rPr lang="zh-CN" altLang="en-US" sz="1800" dirty="0">
@@ -6968,6 +6800,16 @@
               <a:t>4.</a:t>
             </a:r>
             <a:r>
+              <a:rPr lang="zh-CN" altLang="en-US" dirty="0">
+                <a:solidFill>
+                  <a:srgbClr val="262626"/>
+                </a:solidFill>
+                <a:latin typeface="微软雅黑" panose="020B0503020204020204" charset="-122"/>
+                <a:ea typeface="微软雅黑" panose="020B0503020204020204" charset="-122"/>
+              </a:rPr>
+              <a:t>替换了</a:t>
+            </a:r>
+            <a:r>
               <a:rPr lang="zh-CN" altLang="en-US" sz="1800" dirty="0">
                 <a:solidFill>
                   <a:srgbClr val="262626"/>
@@ -6975,7 +6817,7 @@
                 <a:latin typeface="微软雅黑" panose="020B0503020204020204" charset="-122"/>
                 <a:ea typeface="微软雅黑" panose="020B0503020204020204" charset="-122"/>
               </a:rPr>
-              <a:t>整理了部分图集</a:t>
+              <a:t>部分美术资源，内存优化</a:t>
             </a:r>
             <a:endParaRPr lang="en-US" altLang="zh-CN" sz="1800" dirty="0">
               <a:solidFill>
@@ -7163,16 +7005,6 @@
               </a:rPr>
               <a:t>项目组所带来的惊喜变化和对其他的同事的帮助。</a:t>
             </a:r>
-            <a:endParaRPr lang="zh-CN" altLang="en-US">
-              <a:solidFill>
-                <a:schemeClr val="tx1">
-                  <a:lumMod val="50000"/>
-                  <a:lumOff val="50000"/>
-                </a:schemeClr>
-              </a:solidFill>
-              <a:latin typeface="微软雅黑" panose="020B0503020204020204" charset="-122"/>
-              <a:ea typeface="微软雅黑" panose="020B0503020204020204" charset="-122"/>
-            </a:endParaRPr>
           </a:p>
         </p:txBody>
       </p:sp>
@@ -7210,7 +7042,7 @@
           <p:nvPr/>
         </p:nvPicPr>
         <p:blipFill>
-          <a:blip r:embed="rId1"/>
+          <a:blip r:embed="rId3"/>
           <a:stretch>
             <a:fillRect/>
           </a:stretch>
@@ -7370,7 +7202,7 @@
             </a:endParaRPr>
           </a:p>
           <a:p>
-            <a:pPr algn="l">
+            <a:pPr>
               <a:lnSpc>
                 <a:spcPts val="5120"/>
               </a:lnSpc>
@@ -7386,24 +7218,14 @@
               <a:t>1.</a:t>
             </a:r>
             <a:r>
-              <a:rPr lang="zh-CN" altLang="en-US" sz="1800" dirty="0">
-                <a:solidFill>
-                  <a:srgbClr val="262626"/>
-                </a:solidFill>
-                <a:latin typeface="微软雅黑" panose="020B0503020204020204" charset="-122"/>
-                <a:ea typeface="微软雅黑" panose="020B0503020204020204" charset="-122"/>
-              </a:rPr>
-              <a:t>更加深入的了解了</a:t>
-            </a:r>
-            <a:r>
-              <a:rPr lang="en-US" altLang="zh-CN" sz="1800" dirty="0">
-                <a:solidFill>
-                  <a:srgbClr val="262626"/>
-                </a:solidFill>
-                <a:latin typeface="微软雅黑" panose="020B0503020204020204" charset="-122"/>
-                <a:ea typeface="微软雅黑" panose="020B0503020204020204" charset="-122"/>
-              </a:rPr>
-              <a:t>Unity API</a:t>
+              <a:rPr lang="zh-CN" altLang="en-US" dirty="0">
+                <a:solidFill>
+                  <a:srgbClr val="262626"/>
+                </a:solidFill>
+                <a:latin typeface="微软雅黑" panose="020B0503020204020204" charset="-122"/>
+                <a:ea typeface="微软雅黑" panose="020B0503020204020204" charset="-122"/>
+              </a:rPr>
+              <a:t>基础知识更加扎实</a:t>
             </a:r>
             <a:endParaRPr lang="zh-CN" altLang="en-US" sz="1800" dirty="0">
               <a:solidFill>
@@ -7414,7 +7236,7 @@
             </a:endParaRPr>
           </a:p>
           <a:p>
-            <a:pPr algn="l">
+            <a:pPr>
               <a:lnSpc>
                 <a:spcPts val="5120"/>
               </a:lnSpc>
@@ -7437,7 +7259,27 @@
                 <a:latin typeface="微软雅黑" panose="020B0503020204020204" charset="-122"/>
                 <a:ea typeface="微软雅黑" panose="020B0503020204020204" charset="-122"/>
               </a:rPr>
-              <a:t>基础知识更加扎实了</a:t>
+              <a:t> </a:t>
+            </a:r>
+            <a:r>
+              <a:rPr lang="zh-CN" altLang="en-US" dirty="0">
+                <a:solidFill>
+                  <a:srgbClr val="262626"/>
+                </a:solidFill>
+                <a:latin typeface="微软雅黑" panose="020B0503020204020204" charset="-122"/>
+                <a:ea typeface="微软雅黑" panose="020B0503020204020204" charset="-122"/>
+              </a:rPr>
+              <a:t>更加深入的了解</a:t>
+            </a:r>
+            <a:r>
+              <a:rPr lang="en-US" altLang="zh-CN" dirty="0">
+                <a:solidFill>
+                  <a:srgbClr val="262626"/>
+                </a:solidFill>
+                <a:latin typeface="微软雅黑" panose="020B0503020204020204" charset="-122"/>
+                <a:ea typeface="微软雅黑" panose="020B0503020204020204" charset="-122"/>
+              </a:rPr>
+              <a:t>Unity API</a:t>
             </a:r>
             <a:endParaRPr lang="en-US" altLang="zh-CN" sz="1800" dirty="0">
               <a:solidFill>
@@ -7471,15 +7313,8 @@
                 <a:latin typeface="微软雅黑" panose="020B0503020204020204" charset="-122"/>
                 <a:ea typeface="微软雅黑" panose="020B0503020204020204" charset="-122"/>
               </a:rPr>
-              <a:t>了解到了开发时的注意点，隐患</a:t>
-            </a:r>
-            <a:endParaRPr lang="zh-CN" altLang="en-US" sz="1800" dirty="0">
-              <a:solidFill>
-                <a:srgbClr val="262626"/>
-              </a:solidFill>
-              <a:latin typeface="微软雅黑" panose="020B0503020204020204" charset="-122"/>
-              <a:ea typeface="微软雅黑" panose="020B0503020204020204" charset="-122"/>
-            </a:endParaRPr>
+              <a:t>了解到开发时的注意点，隐患等</a:t>
+            </a:r>
           </a:p>
           <a:p>
             <a:pPr algn="l">
@@ -7496,6 +7331,16 @@
                 <a:ea typeface="微软雅黑" panose="020B0503020204020204" charset="-122"/>
               </a:rPr>
               <a:t>4.</a:t>
+            </a:r>
+            <a:r>
+              <a:rPr lang="zh-CN" altLang="en-US" sz="1800" dirty="0">
+                <a:solidFill>
+                  <a:srgbClr val="262626"/>
+                </a:solidFill>
+                <a:latin typeface="微软雅黑" panose="020B0503020204020204" charset="-122"/>
+                <a:ea typeface="微软雅黑" panose="020B0503020204020204" charset="-122"/>
+              </a:rPr>
+              <a:t>通过讲座了解到前沿的渲染技术</a:t>
             </a:r>
             <a:endParaRPr lang="en-US" altLang="zh-CN" sz="1800" dirty="0">
               <a:solidFill>
@@ -7658,16 +7503,6 @@
               </a:rPr>
               <a:t>入职以来这段时间自己的成长。</a:t>
             </a:r>
-            <a:endParaRPr lang="zh-CN" altLang="en-US">
-              <a:solidFill>
-                <a:schemeClr val="tx1">
-                  <a:lumMod val="50000"/>
-                  <a:lumOff val="50000"/>
-                </a:schemeClr>
-              </a:solidFill>
-              <a:latin typeface="微软雅黑" panose="020B0503020204020204" charset="-122"/>
-              <a:ea typeface="微软雅黑" panose="020B0503020204020204" charset="-122"/>
-            </a:endParaRPr>
           </a:p>
         </p:txBody>
       </p:sp>
@@ -7705,7 +7540,7 @@
           <p:nvPr/>
         </p:nvPicPr>
         <p:blipFill>
-          <a:blip r:embed="rId1"/>
+          <a:blip r:embed="rId3"/>
           <a:stretch>
             <a:fillRect/>
           </a:stretch>
@@ -7829,7 +7664,7 @@
         <p:spPr>
           <a:xfrm>
             <a:off x="2118995" y="852170"/>
-            <a:ext cx="9592945" cy="5036185"/>
+            <a:ext cx="10072371" cy="5024452"/>
           </a:xfrm>
           <a:prstGeom prst="rect">
             <a:avLst/>
@@ -7888,7 +7723,7 @@
                 <a:latin typeface="微软雅黑" panose="020B0503020204020204" charset="-122"/>
                 <a:ea typeface="微软雅黑" panose="020B0503020204020204" charset="-122"/>
               </a:rPr>
-              <a:t>1.                                                          </a:t>
+              <a:t>1. </a:t>
             </a:r>
             <a:r>
               <a:rPr lang="zh-CN" altLang="en-US" sz="1800" dirty="0">
@@ -7898,7 +7733,67 @@
                 <a:latin typeface="微软雅黑" panose="020B0503020204020204" charset="-122"/>
                 <a:ea typeface="微软雅黑" panose="020B0503020204020204" charset="-122"/>
               </a:rPr>
-              <a:t>如何解决</a:t>
+              <a:t>销毁子节点</a:t>
+            </a:r>
+            <a:r>
+              <a:rPr lang="zh-CN" altLang="en-US" dirty="0">
+                <a:solidFill>
+                  <a:srgbClr val="262626"/>
+                </a:solidFill>
+                <a:latin typeface="微软雅黑" panose="020B0503020204020204" charset="-122"/>
+                <a:ea typeface="微软雅黑" panose="020B0503020204020204" charset="-122"/>
+              </a:rPr>
+              <a:t>之后，</a:t>
+            </a:r>
+            <a:r>
+              <a:rPr lang="en-US" altLang="zh-CN" dirty="0" err="1">
+                <a:solidFill>
+                  <a:srgbClr val="262626"/>
+                </a:solidFill>
+                <a:latin typeface="微软雅黑" panose="020B0503020204020204" charset="-122"/>
+                <a:ea typeface="微软雅黑" panose="020B0503020204020204" charset="-122"/>
+              </a:rPr>
+              <a:t>childCount</a:t>
+            </a:r>
+            <a:r>
+              <a:rPr lang="zh-CN" altLang="en-US" dirty="0">
+                <a:solidFill>
+                  <a:srgbClr val="262626"/>
+                </a:solidFill>
+                <a:latin typeface="微软雅黑" panose="020B0503020204020204" charset="-122"/>
+                <a:ea typeface="微软雅黑" panose="020B0503020204020204" charset="-122"/>
+              </a:rPr>
+              <a:t>不变化</a:t>
+            </a:r>
+            <a:r>
+              <a:rPr lang="en-US" altLang="zh-CN" sz="1800" dirty="0">
+                <a:solidFill>
+                  <a:srgbClr val="262626"/>
+                </a:solidFill>
+                <a:latin typeface="微软雅黑" panose="020B0503020204020204" charset="-122"/>
+                <a:ea typeface="微软雅黑" panose="020B0503020204020204" charset="-122"/>
+              </a:rPr>
+              <a:t>   </a:t>
+            </a:r>
+            <a:r>
+              <a:rPr lang="zh-CN" altLang="en-US" sz="1800" dirty="0">
+                <a:solidFill>
+                  <a:srgbClr val="262626"/>
+                </a:solidFill>
+                <a:latin typeface="微软雅黑" panose="020B0503020204020204" charset="-122"/>
+                <a:ea typeface="微软雅黑" panose="020B0503020204020204" charset="-122"/>
+              </a:rPr>
+              <a:t>如何解决：百度</a:t>
+            </a:r>
+            <a:r>
+              <a:rPr lang="en-US" altLang="zh-CN" sz="1800" dirty="0">
+                <a:solidFill>
+                  <a:srgbClr val="262626"/>
+                </a:solidFill>
+                <a:latin typeface="微软雅黑" panose="020B0503020204020204" charset="-122"/>
+                <a:ea typeface="微软雅黑" panose="020B0503020204020204" charset="-122"/>
+              </a:rPr>
+              <a:t>&amp;Google</a:t>
             </a:r>
             <a:endParaRPr lang="zh-CN" altLang="en-US" sz="1800" dirty="0">
               <a:solidFill>
@@ -7943,7 +7838,7 @@
                 <a:ea typeface="微软雅黑" panose="020B0503020204020204" charset="-122"/>
                 <a:sym typeface="+mn-ea"/>
               </a:rPr>
-              <a:t>如何解决</a:t>
+              <a:t>如何解决：</a:t>
             </a:r>
             <a:endParaRPr lang="en-US" altLang="zh-CN" sz="1800" dirty="0">
               <a:solidFill>
@@ -7988,7 +7883,7 @@
                 <a:ea typeface="微软雅黑" panose="020B0503020204020204" charset="-122"/>
                 <a:sym typeface="+mn-ea"/>
               </a:rPr>
-              <a:t>如何解决</a:t>
+              <a:t>如何解决：</a:t>
             </a:r>
             <a:endParaRPr lang="zh-CN" altLang="en-US" sz="1800" dirty="0">
               <a:solidFill>
@@ -8032,7 +7927,17 @@
                 <a:latin typeface="微软雅黑" panose="020B0503020204020204" charset="-122"/>
                 <a:ea typeface="微软雅黑" panose="020B0503020204020204" charset="-122"/>
               </a:rPr>
-              <a:t>同时加载图片卡顿，</a:t>
+              <a:t>同时加载大量图片时候卡顿</a:t>
+            </a:r>
+            <a:r>
+              <a:rPr lang="en-US" altLang="zh-CN" sz="1800" dirty="0">
+                <a:solidFill>
+                  <a:srgbClr val="262626"/>
+                </a:solidFill>
+                <a:latin typeface="微软雅黑" panose="020B0503020204020204" charset="-122"/>
+                <a:ea typeface="微软雅黑" panose="020B0503020204020204" charset="-122"/>
+              </a:rPr>
+              <a:t>		</a:t>
             </a:r>
             <a:r>
               <a:rPr lang="zh-CN" altLang="en-US" sz="1800" dirty="0">
@@ -8043,7 +7948,7 @@
                 <a:ea typeface="微软雅黑" panose="020B0503020204020204" charset="-122"/>
                 <a:sym typeface="+mn-ea"/>
               </a:rPr>
-              <a:t>如何解决：采纳翔哥，涛哥，仲光的意见</a:t>
+              <a:t>如何解决：同事们的指导</a:t>
             </a:r>
             <a:endParaRPr lang="en-US" altLang="zh-CN" sz="1800" dirty="0">
               <a:solidFill>
@@ -8145,16 +8050,6 @@
               </a:rPr>
               <a:t>注：请列出入职以来工作中遇到的比较棘手的问题以及解决途径。</a:t>
             </a:r>
-            <a:endParaRPr lang="zh-CN" altLang="en-US">
-              <a:solidFill>
-                <a:schemeClr val="tx1">
-                  <a:lumMod val="50000"/>
-                  <a:lumOff val="50000"/>
-                </a:schemeClr>
-              </a:solidFill>
-              <a:latin typeface="微软雅黑" panose="020B0503020204020204" charset="-122"/>
-              <a:ea typeface="微软雅黑" panose="020B0503020204020204" charset="-122"/>
-            </a:endParaRPr>
           </a:p>
         </p:txBody>
       </p:sp>
@@ -8192,7 +8087,7 @@
           <p:nvPr/>
         </p:nvPicPr>
         <p:blipFill>
-          <a:blip r:embed="rId1"/>
+          <a:blip r:embed="rId3"/>
           <a:stretch>
             <a:fillRect/>
           </a:stretch>
@@ -8343,16 +8238,6 @@
               </a:rPr>
               <a:t>注：包含且不限于从自身职业发展生涯规划、工作相关技能提升、当前工作中存在的不足等。</a:t>
             </a:r>
-            <a:endParaRPr lang="zh-CN" altLang="en-US">
-              <a:solidFill>
-                <a:schemeClr val="tx1">
-                  <a:lumMod val="50000"/>
-                  <a:lumOff val="50000"/>
-                </a:schemeClr>
-              </a:solidFill>
-              <a:latin typeface="微软雅黑" panose="020B0503020204020204" charset="-122"/>
-              <a:ea typeface="微软雅黑" panose="020B0503020204020204" charset="-122"/>
-            </a:endParaRPr>
           </a:p>
         </p:txBody>
       </p:sp>
@@ -8365,7 +8250,7 @@
         <p:spPr>
           <a:xfrm>
             <a:off x="706120" y="1172845"/>
-            <a:ext cx="7738745" cy="3415030"/>
+            <a:ext cx="7738745" cy="2862322"/>
           </a:xfrm>
           <a:prstGeom prst="rect">
             <a:avLst/>
@@ -8376,103 +8261,86 @@
           <a:bodyPr wrap="square" rtlCol="0" anchor="t">
             <a:spAutoFit/>
           </a:bodyPr>
-          <a:p>
-            <a:r>
-              <a:rPr lang="zh-CN" altLang="en-US"/>
-              <a:t>职业发展规划：</a:t>
-            </a:r>
-            <a:endParaRPr lang="zh-CN" altLang="en-US"/>
-          </a:p>
-          <a:p>
-            <a:r>
-              <a:rPr lang="zh-CN" altLang="en-US"/>
-              <a:t>工作技能：</a:t>
-            </a:r>
-            <a:endParaRPr lang="zh-CN" altLang="en-US"/>
-          </a:p>
-          <a:p>
-            <a:r>
-              <a:rPr lang="zh-CN" altLang="en-US"/>
-              <a:t>巩固基础知识</a:t>
-            </a:r>
-            <a:endParaRPr lang="zh-CN" altLang="en-US"/>
+          <a:lstStyle/>
+          <a:p>
+            <a:r>
+              <a:rPr lang="zh-CN" altLang="en-US" dirty="0"/>
+              <a:t>职业发展规划：夯实基础，积累经验</a:t>
+            </a:r>
+          </a:p>
+          <a:p>
+            <a:r>
+              <a:rPr lang="zh-CN" altLang="en-US" dirty="0"/>
+              <a:t>基础知识：</a:t>
+            </a:r>
+          </a:p>
+          <a:p>
+            <a:pPr marL="800100" lvl="1" indent="-342900">
+              <a:buAutoNum type="arabicPeriod"/>
+            </a:pPr>
+            <a:r>
+              <a:rPr lang="en-US" altLang="zh-CN" dirty="0"/>
+              <a:t>Unity API</a:t>
+            </a:r>
+          </a:p>
+          <a:p>
+            <a:pPr marL="800100" lvl="1" indent="-342900">
+              <a:buAutoNum type="arabicPeriod"/>
+            </a:pPr>
+            <a:r>
+              <a:rPr lang="en-US" altLang="zh-CN" dirty="0"/>
+              <a:t>C# API</a:t>
+            </a:r>
+          </a:p>
+          <a:p>
+            <a:r>
+              <a:rPr lang="zh-CN" altLang="en-US" dirty="0"/>
+              <a:t>学习计划：</a:t>
+            </a:r>
+          </a:p>
+          <a:p>
+            <a:pPr marL="800100" lvl="1" indent="-342900">
+              <a:buAutoNum type="arabicPeriod"/>
+            </a:pPr>
+            <a:r>
+              <a:rPr lang="zh-CN" altLang="en-US" dirty="0"/>
+              <a:t>设计模式</a:t>
+            </a:r>
+            <a:r>
+              <a:rPr lang="en-US" altLang="zh-CN" dirty="0"/>
+              <a:t>&amp;</a:t>
+            </a:r>
+            <a:r>
+              <a:rPr lang="zh-CN" altLang="en-US" dirty="0"/>
+              <a:t>客户端架构</a:t>
+            </a:r>
+          </a:p>
+          <a:p>
+            <a:pPr marL="800100" lvl="1" indent="-342900">
+              <a:buAutoNum type="arabicPeriod"/>
+            </a:pPr>
+            <a:r>
+              <a:rPr lang="zh-CN" altLang="en-US" dirty="0"/>
+              <a:t>性能优化</a:t>
+            </a:r>
+          </a:p>
+          <a:p>
+            <a:pPr marL="800100" lvl="1" indent="-342900">
+              <a:buAutoNum type="arabicPeriod"/>
+            </a:pPr>
+            <a:r>
+              <a:rPr lang="en-US" altLang="zh-CN" dirty="0"/>
+              <a:t>Shader</a:t>
+            </a:r>
           </a:p>
           <a:p>
             <a:pPr marL="342900" indent="-342900">
               <a:buAutoNum type="arabicPeriod"/>
             </a:pPr>
-            <a:r>
-              <a:rPr lang="en-US" altLang="zh-CN"/>
-              <a:t>UGUI API</a:t>
-            </a:r>
-            <a:endParaRPr lang="en-US" altLang="zh-CN"/>
-          </a:p>
-          <a:p>
-            <a:pPr marL="342900" indent="-342900">
-              <a:buAutoNum type="arabicPeriod"/>
-            </a:pPr>
-            <a:r>
-              <a:rPr lang="en-US" altLang="zh-CN"/>
-              <a:t>C# API</a:t>
-            </a:r>
-            <a:endParaRPr lang="en-US" altLang="zh-CN"/>
-          </a:p>
-          <a:p>
-            <a:pPr marL="342900" indent="-342900">
-              <a:buAutoNum type="arabicPeriod"/>
-            </a:pPr>
-            <a:r>
-              <a:rPr lang="zh-CN" altLang="en-US"/>
-              <a:t>设计模式</a:t>
-            </a:r>
-            <a:endParaRPr lang="zh-CN" altLang="en-US"/>
-          </a:p>
-          <a:p>
-            <a:r>
-              <a:rPr lang="zh-CN" altLang="en-US"/>
-              <a:t>积累经验</a:t>
-            </a:r>
-            <a:endParaRPr lang="zh-CN" altLang="en-US"/>
-          </a:p>
-          <a:p>
-            <a:r>
-              <a:rPr lang="zh-CN" altLang="en-US"/>
-              <a:t>学习计划：</a:t>
-            </a:r>
-            <a:endParaRPr lang="zh-CN" altLang="en-US"/>
-          </a:p>
-          <a:p>
-            <a:pPr marL="342900" indent="-342900">
-              <a:buAutoNum type="arabicPeriod"/>
-            </a:pPr>
-            <a:r>
-              <a:rPr lang="zh-CN" altLang="en-US"/>
-              <a:t>客户端架构</a:t>
-            </a:r>
-            <a:endParaRPr lang="zh-CN" altLang="en-US"/>
-          </a:p>
-          <a:p>
-            <a:pPr marL="342900" indent="-342900">
-              <a:buAutoNum type="arabicPeriod"/>
-            </a:pPr>
-            <a:r>
-              <a:rPr lang="zh-CN" altLang="en-US"/>
-              <a:t>性能优化</a:t>
-            </a:r>
-            <a:endParaRPr lang="zh-CN" altLang="en-US"/>
-          </a:p>
-          <a:p>
-            <a:pPr marL="342900" indent="-342900">
-              <a:buAutoNum type="arabicPeriod"/>
-            </a:pPr>
-            <a:r>
-              <a:rPr lang="en-US" altLang="zh-CN"/>
-              <a:t>Shader</a:t>
-            </a:r>
-            <a:endParaRPr lang="en-US" altLang="zh-CN"/>
-          </a:p>
-          <a:p>
-            <a:endParaRPr lang="en-US" altLang="zh-CN"/>
+            <a:endParaRPr lang="en-US" altLang="zh-CN" dirty="0"/>
+          </a:p>
+          <a:p>
+            <a:endParaRPr lang="en-US" altLang="zh-CN" dirty="0"/>
           </a:p>
         </p:txBody>
       </p:sp>
@@ -8510,7 +8378,7 @@
           <p:nvPr/>
         </p:nvPicPr>
         <p:blipFill>
-          <a:blip r:embed="rId1"/>
+          <a:blip r:embed="rId3"/>
           <a:srcRect l="4951"/>
           <a:stretch>
             <a:fillRect/>
@@ -8750,13 +8618,6 @@
               </a:rPr>
               <a:t>asssetbundle</a:t>
             </a:r>
-            <a:endParaRPr lang="en-US" altLang="zh-CN" sz="1800" dirty="0">
-              <a:solidFill>
-                <a:srgbClr val="262626"/>
-              </a:solidFill>
-              <a:latin typeface="微软雅黑" panose="020B0503020204020204" charset="-122"/>
-              <a:ea typeface="微软雅黑" panose="020B0503020204020204" charset="-122"/>
-            </a:endParaRPr>
           </a:p>
           <a:p>
             <a:pPr algn="l">
@@ -8784,13 +8645,6 @@
               </a:rPr>
               <a:t>图集</a:t>
             </a:r>
-            <a:endParaRPr lang="zh-CN" altLang="en-US" sz="1800" dirty="0">
-              <a:solidFill>
-                <a:srgbClr val="262626"/>
-              </a:solidFill>
-              <a:latin typeface="微软雅黑" panose="020B0503020204020204" charset="-122"/>
-              <a:ea typeface="微软雅黑" panose="020B0503020204020204" charset="-122"/>
-            </a:endParaRPr>
           </a:p>
           <a:p>
             <a:pPr algn="l">
@@ -8808,13 +8662,6 @@
               </a:rPr>
               <a:t>4.</a:t>
             </a:r>
-            <a:endParaRPr lang="en-US" altLang="zh-CN" sz="1800" dirty="0">
-              <a:solidFill>
-                <a:srgbClr val="262626"/>
-              </a:solidFill>
-              <a:latin typeface="微软雅黑" panose="020B0503020204020204" charset="-122"/>
-              <a:ea typeface="微软雅黑" panose="020B0503020204020204" charset="-122"/>
-            </a:endParaRPr>
           </a:p>
           <a:p>
             <a:pPr algn="l">
@@ -9001,16 +8848,6 @@
               </a:rPr>
               <a:t>等角度提出自己的想法。</a:t>
             </a:r>
-            <a:endParaRPr lang="zh-CN" altLang="en-US">
-              <a:solidFill>
-                <a:schemeClr val="tx1">
-                  <a:lumMod val="50000"/>
-                  <a:lumOff val="50000"/>
-                </a:schemeClr>
-              </a:solidFill>
-              <a:latin typeface="微软雅黑" panose="020B0503020204020204" charset="-122"/>
-              <a:ea typeface="微软雅黑" panose="020B0503020204020204" charset="-122"/>
-            </a:endParaRPr>
           </a:p>
         </p:txBody>
       </p:sp>
@@ -9048,7 +8885,7 @@
           <p:nvPr/>
         </p:nvPicPr>
         <p:blipFill>
-          <a:blip r:embed="rId1"/>
+          <a:blip r:embed="rId2"/>
           <a:stretch>
             <a:fillRect/>
           </a:stretch>
@@ -9151,13 +8988,6 @@
               </a:rPr>
               <a:t>谢谢！</a:t>
             </a:r>
-            <a:endParaRPr lang="zh-CN" altLang="en-US" sz="4400" b="1" dirty="0">
-              <a:solidFill>
-                <a:srgbClr val="595959"/>
-              </a:solidFill>
-              <a:latin typeface="微软雅黑" panose="020B0503020204020204" charset="-122"/>
-              <a:ea typeface="微软雅黑" panose="020B0503020204020204" charset="-122"/>
-            </a:endParaRPr>
           </a:p>
         </p:txBody>
       </p:sp>
@@ -9170,7 +9000,7 @@
           <p:nvPr/>
         </p:nvPicPr>
         <p:blipFill>
-          <a:blip r:embed="rId2"/>
+          <a:blip r:embed="rId3"/>
           <a:stretch>
             <a:fillRect/>
           </a:stretch>
@@ -9198,7 +9028,7 @@
 </file>
 
 <file path=ppt/tags/tag1.xml><?xml version="1.0" encoding="utf-8"?>
-<p:tagLst xmlns:p="http://schemas.openxmlformats.org/presentationml/2006/main">
+<p:tagLst xmlns:a="http://schemas.openxmlformats.org/drawingml/2006/main" xmlns:r="http://schemas.openxmlformats.org/officeDocument/2006/relationships" xmlns:p="http://schemas.openxmlformats.org/presentationml/2006/main">
   <p:tag name="KSO_WM_SLIDE_MODEL_TYPE" val="timeline"/>
 </p:tagLst>
 </file>
@@ -9454,6 +9284,8 @@
       </a:bgFillStyleLst>
     </a:fmtScheme>
   </a:themeElements>
+  <a:objectDefaults/>
+  <a:extraClrSchemeLst/>
   <a:extLst>
     <a:ext uri="{05A4C25C-085E-4340-85A3-A5531E510DB2}">
       <thm15:themeFamily xmlns:thm15="http://schemas.microsoft.com/office/thememl/2012/main" name="Office Theme" id="{62F939B6-93AF-4DB8-9C6B-D6C7DFDC589F}" vid="{4A3C46E8-61CC-4603-A589-7422A47A8E4A}"/>
@@ -9713,6 +9545,8 @@
       </a:bgFillStyleLst>
     </a:fmtScheme>
   </a:themeElements>
+  <a:objectDefaults/>
+  <a:extraClrSchemeLst/>
   <a:extLst>
     <a:ext uri="{05A4C25C-085E-4340-85A3-A5531E510DB2}">
       <thm15:themeFamily xmlns:thm15="http://schemas.microsoft.com/office/thememl/2012/main" name="Office Theme" id="{62F939B6-93AF-4DB8-9C6B-D6C7DFDC589F}" vid="{4A3C46E8-61CC-4603-A589-7422A47A8E4A}"/>

--- a/转正答辩PPT_篮球前端_王祖雄.pptx
+++ b/转正答辩PPT_篮球前端_王祖雄.pptx
@@ -5,21 +5,21 @@
     <p:sldMasterId id="2147483648" r:id="rId1"/>
   </p:sldMasterIdLst>
   <p:notesMasterIdLst>
-    <p:notesMasterId r:id="rId11"/>
+    <p:notesMasterId r:id="rId6"/>
   </p:notesMasterIdLst>
   <p:sldIdLst>
-    <p:sldId id="257" r:id="rId2"/>
-    <p:sldId id="322" r:id="rId3"/>
-    <p:sldId id="258" r:id="rId4"/>
-    <p:sldId id="269" r:id="rId5"/>
-    <p:sldId id="317" r:id="rId6"/>
-    <p:sldId id="277" r:id="rId7"/>
-    <p:sldId id="294" r:id="rId8"/>
-    <p:sldId id="259" r:id="rId9"/>
-    <p:sldId id="266" r:id="rId10"/>
+    <p:sldId id="257" r:id="rId3"/>
+    <p:sldId id="322" r:id="rId4"/>
+    <p:sldId id="258" r:id="rId5"/>
+    <p:sldId id="269" r:id="rId7"/>
+    <p:sldId id="317" r:id="rId8"/>
+    <p:sldId id="277" r:id="rId9"/>
+    <p:sldId id="294" r:id="rId10"/>
+    <p:sldId id="259" r:id="rId11"/>
+    <p:sldId id="266" r:id="rId12"/>
   </p:sldIdLst>
   <p:sldSz cx="12192000" cy="6858000"/>
-  <p:notesSz cx="7104063" cy="10234613"/>
+  <p:notesSz cx="7103745" cy="10234295"/>
   <p:defaultTextStyle>
     <a:defPPr>
       <a:defRPr lang="zh-CN"/>
@@ -205,22 +205,6 @@
       </a:defRPr>
     </a:lvl9pPr>
   </p:defaultTextStyle>
-  <p:extLst>
-    <p:ext uri="{EFAFB233-063F-42B5-8137-9DF3F51BA10A}">
-      <p15:sldGuideLst xmlns:p15="http://schemas.microsoft.com/office/powerpoint/2012/main">
-        <p15:guide id="1" orient="horz" pos="2159">
-          <p15:clr>
-            <a:srgbClr val="A4A3A4"/>
-          </p15:clr>
-        </p15:guide>
-        <p15:guide id="2" pos="2882">
-          <p15:clr>
-            <a:srgbClr val="A4A3A4"/>
-          </p15:clr>
-        </p15:guide>
-      </p15:sldGuideLst>
-    </p:ext>
-  </p:extLst>
 </p:presentation>
 </file>
 
@@ -312,7 +296,6 @@
                 <a:ea typeface="+mn-ea"/>
                 <a:cs typeface="+mn-cs"/>
               </a:rPr>
-              <a:t>2019/7/10</a:t>
             </a:fld>
             <a:endParaRPr lang="zh-CN" altLang="en-US" strike="noStrike" noProof="1"/>
           </a:p>
@@ -380,6 +363,7 @@
               <a:rPr lang="zh-CN" altLang="en-US"/>
               <a:t>单击此处编辑母版文本样式</a:t>
             </a:r>
+            <a:endParaRPr lang="zh-CN" altLang="en-US"/>
           </a:p>
           <a:p>
             <a:pPr lvl="1" indent="0"/>
@@ -387,6 +371,7 @@
               <a:rPr lang="zh-CN" altLang="en-US"/>
               <a:t>第二级</a:t>
             </a:r>
+            <a:endParaRPr lang="zh-CN" altLang="en-US"/>
           </a:p>
           <a:p>
             <a:pPr lvl="2" indent="0"/>
@@ -394,6 +379,7 @@
               <a:rPr lang="zh-CN" altLang="en-US"/>
               <a:t>第三级</a:t>
             </a:r>
+            <a:endParaRPr lang="zh-CN" altLang="en-US"/>
           </a:p>
           <a:p>
             <a:pPr lvl="3" indent="0"/>
@@ -401,6 +387,7 @@
               <a:rPr lang="zh-CN" altLang="en-US"/>
               <a:t>第四级</a:t>
             </a:r>
+            <a:endParaRPr lang="zh-CN" altLang="en-US"/>
           </a:p>
           <a:p>
             <a:pPr lvl="4" indent="0"/>
@@ -408,6 +395,7 @@
               <a:rPr lang="zh-CN" altLang="en-US"/>
               <a:t>第五级</a:t>
             </a:r>
+            <a:endParaRPr lang="zh-CN" altLang="en-US"/>
           </a:p>
         </p:txBody>
       </p:sp>
@@ -477,7 +465,6 @@
                 <a:ea typeface="+mn-ea"/>
                 <a:cs typeface="+mn-cs"/>
               </a:rPr>
-              <a:t>‹#›</a:t>
             </a:fld>
             <a:endParaRPr lang="zh-CN" altLang="en-US" strike="noStrike" noProof="1"/>
           </a:p>
@@ -661,7 +648,6 @@
             <a:pPr lvl="0" indent="0" algn="r"/>
             <a:fld id="{9A0DB2DC-4C9A-4742-B13C-FB6460FD3503}" type="slidenum">
               <a:rPr lang="zh-CN" altLang="en-US" sz="1200"/>
-              <a:t>3</a:t>
             </a:fld>
             <a:endParaRPr lang="zh-CN" altLang="en-US" sz="1200"/>
           </a:p>
@@ -754,7 +740,6 @@
             <a:pPr lvl="0" indent="0" algn="r"/>
             <a:fld id="{9A0DB2DC-4C9A-4742-B13C-FB6460FD3503}" type="slidenum">
               <a:rPr lang="zh-CN" altLang="en-US" sz="1200"/>
-              <a:t>4</a:t>
             </a:fld>
             <a:endParaRPr lang="zh-CN" altLang="en-US" sz="1200"/>
           </a:p>
@@ -847,7 +832,6 @@
             <a:pPr lvl="0" indent="0" algn="r"/>
             <a:fld id="{9A0DB2DC-4C9A-4742-B13C-FB6460FD3503}" type="slidenum">
               <a:rPr lang="zh-CN" altLang="en-US" sz="1200"/>
-              <a:t>5</a:t>
             </a:fld>
             <a:endParaRPr lang="zh-CN" altLang="en-US" sz="1200"/>
           </a:p>
@@ -940,7 +924,6 @@
             <a:pPr lvl="0" indent="0" algn="r"/>
             <a:fld id="{9A0DB2DC-4C9A-4742-B13C-FB6460FD3503}" type="slidenum">
               <a:rPr lang="zh-CN" altLang="en-US" sz="1200"/>
-              <a:t>6</a:t>
             </a:fld>
             <a:endParaRPr lang="zh-CN" altLang="en-US" sz="1200"/>
           </a:p>
@@ -1033,7 +1016,6 @@
             <a:pPr lvl="0" indent="0" algn="r"/>
             <a:fld id="{9A0DB2DC-4C9A-4742-B13C-FB6460FD3503}" type="slidenum">
               <a:rPr lang="zh-CN" altLang="en-US" sz="1200"/>
-              <a:t>7</a:t>
             </a:fld>
             <a:endParaRPr lang="zh-CN" altLang="en-US" sz="1200"/>
           </a:p>
@@ -1126,7 +1108,6 @@
             <a:pPr lvl="0" indent="0" algn="r"/>
             <a:fld id="{9A0DB2DC-4C9A-4742-B13C-FB6460FD3503}" type="slidenum">
               <a:rPr lang="zh-CN" altLang="en-US" sz="1200"/>
-              <a:t>8</a:t>
             </a:fld>
             <a:endParaRPr lang="zh-CN" altLang="en-US" sz="1200"/>
           </a:p>
@@ -1186,6 +1167,7 @@
               <a:rPr lang="zh-CN" altLang="en-US" strike="noStrike" noProof="1"/>
               <a:t>单击此处编辑母版标题样式</a:t>
             </a:r>
+            <a:endParaRPr lang="zh-CN" altLang="en-US" strike="noStrike" noProof="1"/>
           </a:p>
         </p:txBody>
       </p:sp>
@@ -1251,6 +1233,7 @@
               <a:rPr lang="zh-CN" altLang="en-US" strike="noStrike" noProof="1"/>
               <a:t>单击此处编辑母版副标题样式</a:t>
             </a:r>
+            <a:endParaRPr lang="zh-CN" altLang="en-US" strike="noStrike" noProof="1"/>
           </a:p>
         </p:txBody>
       </p:sp>
@@ -1276,7 +1259,6 @@
                 <a:ea typeface="+mn-ea"/>
                 <a:cs typeface="+mn-cs"/>
               </a:rPr>
-              <a:t>2019/7/10</a:t>
             </a:fld>
             <a:endParaRPr lang="zh-CN" altLang="en-US" strike="noStrike" noProof="1"/>
           </a:p>
@@ -1324,7 +1306,6 @@
                 <a:ea typeface="+mn-ea"/>
                 <a:cs typeface="+mn-cs"/>
               </a:rPr>
-              <a:t>‹#›</a:t>
             </a:fld>
             <a:endParaRPr lang="zh-CN" altLang="en-US" strike="noStrike" noProof="1"/>
           </a:p>
@@ -1380,6 +1361,7 @@
               <a:rPr lang="zh-CN" altLang="en-US" strike="noStrike" noProof="1"/>
               <a:t>单击此处编辑母版文本样式</a:t>
             </a:r>
+            <a:endParaRPr lang="zh-CN" altLang="en-US" strike="noStrike" noProof="1"/>
           </a:p>
           <a:p>
             <a:pPr lvl="1" fontAlgn="auto"/>
@@ -1387,6 +1369,7 @@
               <a:rPr lang="zh-CN" altLang="en-US" strike="noStrike" noProof="1"/>
               <a:t>第二级</a:t>
             </a:r>
+            <a:endParaRPr lang="zh-CN" altLang="en-US" strike="noStrike" noProof="1"/>
           </a:p>
           <a:p>
             <a:pPr lvl="2" fontAlgn="auto"/>
@@ -1394,6 +1377,7 @@
               <a:rPr lang="zh-CN" altLang="en-US" strike="noStrike" noProof="1"/>
               <a:t>第三级</a:t>
             </a:r>
+            <a:endParaRPr lang="zh-CN" altLang="en-US" strike="noStrike" noProof="1"/>
           </a:p>
           <a:p>
             <a:pPr lvl="3" fontAlgn="auto"/>
@@ -1401,6 +1385,7 @@
               <a:rPr lang="zh-CN" altLang="en-US" strike="noStrike" noProof="1"/>
               <a:t>第四级</a:t>
             </a:r>
+            <a:endParaRPr lang="zh-CN" altLang="en-US" strike="noStrike" noProof="1"/>
           </a:p>
           <a:p>
             <a:pPr lvl="4" fontAlgn="auto"/>
@@ -1408,6 +1393,7 @@
               <a:rPr lang="zh-CN" altLang="en-US" strike="noStrike" noProof="1"/>
               <a:t>第五级</a:t>
             </a:r>
+            <a:endParaRPr lang="zh-CN" altLang="en-US" strike="noStrike" noProof="1"/>
           </a:p>
         </p:txBody>
       </p:sp>
@@ -1433,7 +1419,6 @@
                 <a:ea typeface="+mn-ea"/>
                 <a:cs typeface="+mn-cs"/>
               </a:rPr>
-              <a:t>2019/7/10</a:t>
             </a:fld>
             <a:endParaRPr lang="zh-CN" altLang="en-US" strike="noStrike" noProof="1"/>
           </a:p>
@@ -1481,7 +1466,6 @@
                 <a:ea typeface="+mn-ea"/>
                 <a:cs typeface="+mn-cs"/>
               </a:rPr>
-              <a:t>‹#›</a:t>
             </a:fld>
             <a:endParaRPr lang="zh-CN" altLang="en-US" strike="noStrike" noProof="1"/>
           </a:p>
@@ -1532,6 +1516,7 @@
               <a:rPr lang="zh-CN" altLang="en-US" strike="noStrike" noProof="1"/>
               <a:t>单击此处编辑母版标题样式</a:t>
             </a:r>
+            <a:endParaRPr lang="zh-CN" altLang="en-US" strike="noStrike" noProof="1"/>
           </a:p>
         </p:txBody>
       </p:sp>
@@ -1555,6 +1540,7 @@
               <a:rPr lang="zh-CN" altLang="en-US" strike="noStrike" noProof="1"/>
               <a:t>单击此处编辑母版文本样式</a:t>
             </a:r>
+            <a:endParaRPr lang="zh-CN" altLang="en-US" strike="noStrike" noProof="1"/>
           </a:p>
           <a:p>
             <a:pPr lvl="1" fontAlgn="auto"/>
@@ -1562,6 +1548,7 @@
               <a:rPr lang="zh-CN" altLang="en-US" strike="noStrike" noProof="1"/>
               <a:t>第二级</a:t>
             </a:r>
+            <a:endParaRPr lang="zh-CN" altLang="en-US" strike="noStrike" noProof="1"/>
           </a:p>
           <a:p>
             <a:pPr lvl="2" fontAlgn="auto"/>
@@ -1569,6 +1556,7 @@
               <a:rPr lang="zh-CN" altLang="en-US" strike="noStrike" noProof="1"/>
               <a:t>第三级</a:t>
             </a:r>
+            <a:endParaRPr lang="zh-CN" altLang="en-US" strike="noStrike" noProof="1"/>
           </a:p>
           <a:p>
             <a:pPr lvl="3" fontAlgn="auto"/>
@@ -1576,6 +1564,7 @@
               <a:rPr lang="zh-CN" altLang="en-US" strike="noStrike" noProof="1"/>
               <a:t>第四级</a:t>
             </a:r>
+            <a:endParaRPr lang="zh-CN" altLang="en-US" strike="noStrike" noProof="1"/>
           </a:p>
           <a:p>
             <a:pPr lvl="4" fontAlgn="auto"/>
@@ -1583,6 +1572,7 @@
               <a:rPr lang="zh-CN" altLang="en-US" strike="noStrike" noProof="1"/>
               <a:t>第五级</a:t>
             </a:r>
+            <a:endParaRPr lang="zh-CN" altLang="en-US" strike="noStrike" noProof="1"/>
           </a:p>
         </p:txBody>
       </p:sp>
@@ -1608,7 +1598,6 @@
                 <a:ea typeface="+mn-ea"/>
                 <a:cs typeface="+mn-cs"/>
               </a:rPr>
-              <a:t>2019/7/10</a:t>
             </a:fld>
             <a:endParaRPr lang="zh-CN" altLang="en-US" strike="noStrike" noProof="1"/>
           </a:p>
@@ -1656,7 +1645,6 @@
                 <a:ea typeface="+mn-ea"/>
                 <a:cs typeface="+mn-cs"/>
               </a:rPr>
-              <a:t>‹#›</a:t>
             </a:fld>
             <a:endParaRPr lang="zh-CN" altLang="en-US" strike="noStrike" noProof="1"/>
           </a:p>
@@ -1716,6 +1704,7 @@
               <a:rPr lang="zh-CN" altLang="en-US" strike="noStrike" noProof="1"/>
               <a:t>单击此处编辑母版标题样式</a:t>
             </a:r>
+            <a:endParaRPr lang="zh-CN" altLang="en-US" strike="noStrike" noProof="1"/>
           </a:p>
         </p:txBody>
       </p:sp>
@@ -1835,6 +1824,7 @@
               <a:rPr lang="zh-CN" altLang="en-US" strike="noStrike" noProof="1"/>
               <a:t>单击此处编辑母版文本样式</a:t>
             </a:r>
+            <a:endParaRPr lang="zh-CN" altLang="en-US" strike="noStrike" noProof="1"/>
           </a:p>
         </p:txBody>
       </p:sp>
@@ -1860,7 +1850,6 @@
                 <a:ea typeface="+mn-ea"/>
                 <a:cs typeface="+mn-cs"/>
               </a:rPr>
-              <a:t>2019/7/10</a:t>
             </a:fld>
             <a:endParaRPr lang="zh-CN" altLang="en-US" strike="noStrike" noProof="1"/>
           </a:p>
@@ -1908,7 +1897,6 @@
                 <a:ea typeface="+mn-ea"/>
                 <a:cs typeface="+mn-cs"/>
               </a:rPr>
-              <a:t>‹#›</a:t>
             </a:fld>
             <a:endParaRPr lang="zh-CN" altLang="en-US" strike="noStrike" noProof="1"/>
           </a:p>
@@ -1959,6 +1947,7 @@
               <a:rPr lang="zh-CN" altLang="en-US" strike="noStrike" noProof="1"/>
               <a:t>单击此处编辑母版标题样式</a:t>
             </a:r>
+            <a:endParaRPr lang="zh-CN" altLang="en-US" strike="noStrike" noProof="1"/>
           </a:p>
         </p:txBody>
       </p:sp>
@@ -1987,6 +1976,7 @@
               <a:rPr lang="zh-CN" altLang="en-US" strike="noStrike" noProof="1"/>
               <a:t>单击此处编辑母版文本样式</a:t>
             </a:r>
+            <a:endParaRPr lang="zh-CN" altLang="en-US" strike="noStrike" noProof="1"/>
           </a:p>
           <a:p>
             <a:pPr lvl="1" fontAlgn="auto"/>
@@ -1994,6 +1984,7 @@
               <a:rPr lang="zh-CN" altLang="en-US" strike="noStrike" noProof="1"/>
               <a:t>第二级</a:t>
             </a:r>
+            <a:endParaRPr lang="zh-CN" altLang="en-US" strike="noStrike" noProof="1"/>
           </a:p>
           <a:p>
             <a:pPr lvl="2" fontAlgn="auto"/>
@@ -2001,6 +1992,7 @@
               <a:rPr lang="zh-CN" altLang="en-US" strike="noStrike" noProof="1"/>
               <a:t>第三级</a:t>
             </a:r>
+            <a:endParaRPr lang="zh-CN" altLang="en-US" strike="noStrike" noProof="1"/>
           </a:p>
           <a:p>
             <a:pPr lvl="3" fontAlgn="auto"/>
@@ -2008,6 +2000,7 @@
               <a:rPr lang="zh-CN" altLang="en-US" strike="noStrike" noProof="1"/>
               <a:t>第四级</a:t>
             </a:r>
+            <a:endParaRPr lang="zh-CN" altLang="en-US" strike="noStrike" noProof="1"/>
           </a:p>
           <a:p>
             <a:pPr lvl="4" fontAlgn="auto"/>
@@ -2015,6 +2008,7 @@
               <a:rPr lang="zh-CN" altLang="en-US" strike="noStrike" noProof="1"/>
               <a:t>第五级</a:t>
             </a:r>
+            <a:endParaRPr lang="zh-CN" altLang="en-US" strike="noStrike" noProof="1"/>
           </a:p>
         </p:txBody>
       </p:sp>
@@ -2043,6 +2037,7 @@
               <a:rPr lang="zh-CN" altLang="en-US" strike="noStrike" noProof="1"/>
               <a:t>单击此处编辑母版文本样式</a:t>
             </a:r>
+            <a:endParaRPr lang="zh-CN" altLang="en-US" strike="noStrike" noProof="1"/>
           </a:p>
           <a:p>
             <a:pPr lvl="1" fontAlgn="auto"/>
@@ -2050,6 +2045,7 @@
               <a:rPr lang="zh-CN" altLang="en-US" strike="noStrike" noProof="1"/>
               <a:t>第二级</a:t>
             </a:r>
+            <a:endParaRPr lang="zh-CN" altLang="en-US" strike="noStrike" noProof="1"/>
           </a:p>
           <a:p>
             <a:pPr lvl="2" fontAlgn="auto"/>
@@ -2057,6 +2053,7 @@
               <a:rPr lang="zh-CN" altLang="en-US" strike="noStrike" noProof="1"/>
               <a:t>第三级</a:t>
             </a:r>
+            <a:endParaRPr lang="zh-CN" altLang="en-US" strike="noStrike" noProof="1"/>
           </a:p>
           <a:p>
             <a:pPr lvl="3" fontAlgn="auto"/>
@@ -2064,6 +2061,7 @@
               <a:rPr lang="zh-CN" altLang="en-US" strike="noStrike" noProof="1"/>
               <a:t>第四级</a:t>
             </a:r>
+            <a:endParaRPr lang="zh-CN" altLang="en-US" strike="noStrike" noProof="1"/>
           </a:p>
           <a:p>
             <a:pPr lvl="4" fontAlgn="auto"/>
@@ -2071,6 +2069,7 @@
               <a:rPr lang="zh-CN" altLang="en-US" strike="noStrike" noProof="1"/>
               <a:t>第五级</a:t>
             </a:r>
+            <a:endParaRPr lang="zh-CN" altLang="en-US" strike="noStrike" noProof="1"/>
           </a:p>
         </p:txBody>
       </p:sp>
@@ -2096,7 +2095,6 @@
                 <a:ea typeface="+mn-ea"/>
                 <a:cs typeface="+mn-cs"/>
               </a:rPr>
-              <a:t>2019/7/10</a:t>
             </a:fld>
             <a:endParaRPr lang="zh-CN" altLang="en-US" strike="noStrike" noProof="1"/>
           </a:p>
@@ -2144,7 +2142,6 @@
                 <a:ea typeface="+mn-ea"/>
                 <a:cs typeface="+mn-cs"/>
               </a:rPr>
-              <a:t>‹#›</a:t>
             </a:fld>
             <a:endParaRPr lang="zh-CN" altLang="en-US" strike="noStrike" noProof="1"/>
           </a:p>
@@ -2200,6 +2197,7 @@
               <a:rPr lang="zh-CN" altLang="en-US" strike="noStrike" noProof="1"/>
               <a:t>单击此处编辑母版标题样式</a:t>
             </a:r>
+            <a:endParaRPr lang="zh-CN" altLang="en-US" strike="noStrike" noProof="1"/>
           </a:p>
         </p:txBody>
       </p:sp>
@@ -2265,6 +2263,7 @@
               <a:rPr lang="zh-CN" altLang="en-US" strike="noStrike" noProof="1"/>
               <a:t>单击此处编辑母版文本样式</a:t>
             </a:r>
+            <a:endParaRPr lang="zh-CN" altLang="en-US" strike="noStrike" noProof="1"/>
           </a:p>
         </p:txBody>
       </p:sp>
@@ -2293,6 +2292,7 @@
               <a:rPr lang="zh-CN" altLang="en-US" strike="noStrike" noProof="1"/>
               <a:t>单击此处编辑母版文本样式</a:t>
             </a:r>
+            <a:endParaRPr lang="zh-CN" altLang="en-US" strike="noStrike" noProof="1"/>
           </a:p>
           <a:p>
             <a:pPr lvl="1" fontAlgn="auto"/>
@@ -2300,6 +2300,7 @@
               <a:rPr lang="zh-CN" altLang="en-US" strike="noStrike" noProof="1"/>
               <a:t>第二级</a:t>
             </a:r>
+            <a:endParaRPr lang="zh-CN" altLang="en-US" strike="noStrike" noProof="1"/>
           </a:p>
           <a:p>
             <a:pPr lvl="2" fontAlgn="auto"/>
@@ -2307,6 +2308,7 @@
               <a:rPr lang="zh-CN" altLang="en-US" strike="noStrike" noProof="1"/>
               <a:t>第三级</a:t>
             </a:r>
+            <a:endParaRPr lang="zh-CN" altLang="en-US" strike="noStrike" noProof="1"/>
           </a:p>
           <a:p>
             <a:pPr lvl="3" fontAlgn="auto"/>
@@ -2314,6 +2316,7 @@
               <a:rPr lang="zh-CN" altLang="en-US" strike="noStrike" noProof="1"/>
               <a:t>第四级</a:t>
             </a:r>
+            <a:endParaRPr lang="zh-CN" altLang="en-US" strike="noStrike" noProof="1"/>
           </a:p>
           <a:p>
             <a:pPr lvl="4" fontAlgn="auto"/>
@@ -2321,6 +2324,7 @@
               <a:rPr lang="zh-CN" altLang="en-US" strike="noStrike" noProof="1"/>
               <a:t>第五级</a:t>
             </a:r>
+            <a:endParaRPr lang="zh-CN" altLang="en-US" strike="noStrike" noProof="1"/>
           </a:p>
         </p:txBody>
       </p:sp>
@@ -2386,6 +2390,7 @@
               <a:rPr lang="zh-CN" altLang="en-US" strike="noStrike" noProof="1"/>
               <a:t>单击此处编辑母版文本样式</a:t>
             </a:r>
+            <a:endParaRPr lang="zh-CN" altLang="en-US" strike="noStrike" noProof="1"/>
           </a:p>
         </p:txBody>
       </p:sp>
@@ -2414,6 +2419,7 @@
               <a:rPr lang="zh-CN" altLang="en-US" strike="noStrike" noProof="1"/>
               <a:t>单击此处编辑母版文本样式</a:t>
             </a:r>
+            <a:endParaRPr lang="zh-CN" altLang="en-US" strike="noStrike" noProof="1"/>
           </a:p>
           <a:p>
             <a:pPr lvl="1" fontAlgn="auto"/>
@@ -2421,6 +2427,7 @@
               <a:rPr lang="zh-CN" altLang="en-US" strike="noStrike" noProof="1"/>
               <a:t>第二级</a:t>
             </a:r>
+            <a:endParaRPr lang="zh-CN" altLang="en-US" strike="noStrike" noProof="1"/>
           </a:p>
           <a:p>
             <a:pPr lvl="2" fontAlgn="auto"/>
@@ -2428,6 +2435,7 @@
               <a:rPr lang="zh-CN" altLang="en-US" strike="noStrike" noProof="1"/>
               <a:t>第三级</a:t>
             </a:r>
+            <a:endParaRPr lang="zh-CN" altLang="en-US" strike="noStrike" noProof="1"/>
           </a:p>
           <a:p>
             <a:pPr lvl="3" fontAlgn="auto"/>
@@ -2435,6 +2443,7 @@
               <a:rPr lang="zh-CN" altLang="en-US" strike="noStrike" noProof="1"/>
               <a:t>第四级</a:t>
             </a:r>
+            <a:endParaRPr lang="zh-CN" altLang="en-US" strike="noStrike" noProof="1"/>
           </a:p>
           <a:p>
             <a:pPr lvl="4" fontAlgn="auto"/>
@@ -2442,6 +2451,7 @@
               <a:rPr lang="zh-CN" altLang="en-US" strike="noStrike" noProof="1"/>
               <a:t>第五级</a:t>
             </a:r>
+            <a:endParaRPr lang="zh-CN" altLang="en-US" strike="noStrike" noProof="1"/>
           </a:p>
         </p:txBody>
       </p:sp>
@@ -2467,7 +2477,6 @@
                 <a:ea typeface="+mn-ea"/>
                 <a:cs typeface="+mn-cs"/>
               </a:rPr>
-              <a:t>2019/7/10</a:t>
             </a:fld>
             <a:endParaRPr lang="zh-CN" altLang="en-US" strike="noStrike" noProof="1"/>
           </a:p>
@@ -2515,7 +2524,6 @@
                 <a:ea typeface="+mn-ea"/>
                 <a:cs typeface="+mn-cs"/>
               </a:rPr>
-              <a:t>‹#›</a:t>
             </a:fld>
             <a:endParaRPr lang="zh-CN" altLang="en-US" strike="noStrike" noProof="1"/>
           </a:p>
@@ -2566,6 +2574,7 @@
               <a:rPr lang="zh-CN" altLang="en-US" strike="noStrike" noProof="1"/>
               <a:t>单击此处编辑母版标题样式</a:t>
             </a:r>
+            <a:endParaRPr lang="zh-CN" altLang="en-US" strike="noStrike" noProof="1"/>
           </a:p>
         </p:txBody>
       </p:sp>
@@ -2591,7 +2600,6 @@
                 <a:ea typeface="+mn-ea"/>
                 <a:cs typeface="+mn-cs"/>
               </a:rPr>
-              <a:t>2019/7/10</a:t>
             </a:fld>
             <a:endParaRPr lang="zh-CN" altLang="en-US" strike="noStrike" noProof="1"/>
           </a:p>
@@ -2639,7 +2647,6 @@
                 <a:ea typeface="+mn-ea"/>
                 <a:cs typeface="+mn-cs"/>
               </a:rPr>
-              <a:t>‹#›</a:t>
             </a:fld>
             <a:endParaRPr lang="zh-CN" altLang="en-US" strike="noStrike" noProof="1"/>
           </a:p>
@@ -2692,7 +2699,6 @@
                 <a:ea typeface="+mn-ea"/>
                 <a:cs typeface="+mn-cs"/>
               </a:rPr>
-              <a:t>2019/7/10</a:t>
             </a:fld>
             <a:endParaRPr lang="zh-CN" altLang="en-US" strike="noStrike" noProof="1"/>
           </a:p>
@@ -2740,7 +2746,6 @@
                 <a:ea typeface="+mn-ea"/>
                 <a:cs typeface="+mn-cs"/>
               </a:rPr>
-              <a:t>‹#›</a:t>
             </a:fld>
             <a:endParaRPr lang="zh-CN" altLang="en-US" strike="noStrike" noProof="1"/>
           </a:p>
@@ -2800,6 +2805,7 @@
               <a:rPr lang="zh-CN" altLang="en-US" strike="noStrike" noProof="1"/>
               <a:t>单击此处编辑母版标题样式</a:t>
             </a:r>
+            <a:endParaRPr lang="zh-CN" altLang="en-US" strike="noStrike" noProof="1"/>
           </a:p>
         </p:txBody>
       </p:sp>
@@ -2927,6 +2933,7 @@
               <a:rPr lang="zh-CN" altLang="en-US" strike="noStrike" noProof="1"/>
               <a:t>单击此处编辑母版文本样式</a:t>
             </a:r>
+            <a:endParaRPr lang="zh-CN" altLang="en-US" strike="noStrike" noProof="1"/>
           </a:p>
         </p:txBody>
       </p:sp>
@@ -2952,7 +2959,6 @@
                 <a:ea typeface="+mn-ea"/>
                 <a:cs typeface="+mn-cs"/>
               </a:rPr>
-              <a:t>2019/7/10</a:t>
             </a:fld>
             <a:endParaRPr lang="zh-CN" altLang="en-US" strike="noStrike" noProof="1"/>
           </a:p>
@@ -3000,7 +3006,6 @@
                 <a:ea typeface="+mn-ea"/>
                 <a:cs typeface="+mn-cs"/>
               </a:rPr>
-              <a:t>‹#›</a:t>
             </a:fld>
             <a:endParaRPr lang="zh-CN" altLang="en-US" strike="noStrike" noProof="1"/>
           </a:p>
@@ -3056,6 +3061,7 @@
               <a:rPr lang="zh-CN" altLang="en-US" strike="noStrike" noProof="1"/>
               <a:t>单击此处编辑母版标题样式</a:t>
             </a:r>
+            <a:endParaRPr lang="zh-CN" altLang="en-US" strike="noStrike" noProof="1"/>
           </a:p>
         </p:txBody>
       </p:sp>
@@ -3084,6 +3090,7 @@
               <a:rPr lang="zh-CN" altLang="en-US" strike="noStrike" noProof="1"/>
               <a:t>单击此处编辑母版文本样式</a:t>
             </a:r>
+            <a:endParaRPr lang="zh-CN" altLang="en-US" strike="noStrike" noProof="1"/>
           </a:p>
           <a:p>
             <a:pPr lvl="1" fontAlgn="auto"/>
@@ -3091,6 +3098,7 @@
               <a:rPr lang="zh-CN" altLang="en-US" strike="noStrike" noProof="1"/>
               <a:t>第二级</a:t>
             </a:r>
+            <a:endParaRPr lang="zh-CN" altLang="en-US" strike="noStrike" noProof="1"/>
           </a:p>
           <a:p>
             <a:pPr lvl="2" fontAlgn="auto"/>
@@ -3098,6 +3106,7 @@
               <a:rPr lang="zh-CN" altLang="en-US" strike="noStrike" noProof="1"/>
               <a:t>第三级</a:t>
             </a:r>
+            <a:endParaRPr lang="zh-CN" altLang="en-US" strike="noStrike" noProof="1"/>
           </a:p>
           <a:p>
             <a:pPr lvl="3" fontAlgn="auto"/>
@@ -3105,6 +3114,7 @@
               <a:rPr lang="zh-CN" altLang="en-US" strike="noStrike" noProof="1"/>
               <a:t>第四级</a:t>
             </a:r>
+            <a:endParaRPr lang="zh-CN" altLang="en-US" strike="noStrike" noProof="1"/>
           </a:p>
           <a:p>
             <a:pPr lvl="4" fontAlgn="auto"/>
@@ -3112,6 +3122,7 @@
               <a:rPr lang="zh-CN" altLang="en-US" strike="noStrike" noProof="1"/>
               <a:t>第五级</a:t>
             </a:r>
+            <a:endParaRPr lang="zh-CN" altLang="en-US" strike="noStrike" noProof="1"/>
           </a:p>
         </p:txBody>
       </p:sp>
@@ -3137,7 +3148,6 @@
                 <a:ea typeface="+mn-ea"/>
                 <a:cs typeface="+mn-cs"/>
               </a:rPr>
-              <a:t>2019/7/10</a:t>
             </a:fld>
             <a:endParaRPr lang="zh-CN" altLang="en-US" strike="noStrike" noProof="1"/>
           </a:p>
@@ -3185,7 +3195,6 @@
                 <a:ea typeface="+mn-ea"/>
                 <a:cs typeface="+mn-cs"/>
               </a:rPr>
-              <a:t>‹#›</a:t>
             </a:fld>
             <a:endParaRPr lang="zh-CN" altLang="en-US" strike="noStrike" noProof="1"/>
           </a:p>
@@ -3253,6 +3262,7 @@
               <a:rPr lang="zh-CN" altLang="en-US"/>
               <a:t>单击此处编辑母版标题样式</a:t>
             </a:r>
+            <a:endParaRPr lang="zh-CN" altLang="en-US"/>
           </a:p>
         </p:txBody>
       </p:sp>
@@ -3288,6 +3298,7 @@
               <a:rPr lang="zh-CN" altLang="en-US"/>
               <a:t>单击此处编辑母版文本样式</a:t>
             </a:r>
+            <a:endParaRPr lang="zh-CN" altLang="en-US"/>
           </a:p>
           <a:p>
             <a:pPr lvl="1" indent="-228600"/>
@@ -3295,6 +3306,7 @@
               <a:rPr lang="zh-CN" altLang="en-US"/>
               <a:t>第二级</a:t>
             </a:r>
+            <a:endParaRPr lang="zh-CN" altLang="en-US"/>
           </a:p>
           <a:p>
             <a:pPr lvl="2" indent="-228600"/>
@@ -3302,6 +3314,7 @@
               <a:rPr lang="zh-CN" altLang="en-US"/>
               <a:t>第三级</a:t>
             </a:r>
+            <a:endParaRPr lang="zh-CN" altLang="en-US"/>
           </a:p>
           <a:p>
             <a:pPr lvl="3" indent="-228600"/>
@@ -3309,6 +3322,7 @@
               <a:rPr lang="zh-CN" altLang="en-US"/>
               <a:t>第四级</a:t>
             </a:r>
+            <a:endParaRPr lang="zh-CN" altLang="en-US"/>
           </a:p>
           <a:p>
             <a:pPr lvl="4" indent="-228600"/>
@@ -3316,6 +3330,7 @@
               <a:rPr lang="zh-CN" altLang="en-US"/>
               <a:t>第五级</a:t>
             </a:r>
+            <a:endParaRPr lang="zh-CN" altLang="en-US"/>
           </a:p>
         </p:txBody>
       </p:sp>
@@ -3359,7 +3374,6 @@
                 <a:ea typeface="+mn-ea"/>
                 <a:cs typeface="+mn-cs"/>
               </a:rPr>
-              <a:t>2019/7/10</a:t>
             </a:fld>
             <a:endParaRPr lang="zh-CN" altLang="en-US" strike="noStrike" noProof="1"/>
           </a:p>
@@ -3443,7 +3457,6 @@
                 <a:ea typeface="+mn-ea"/>
                 <a:cs typeface="+mn-cs"/>
               </a:rPr>
-              <a:t>‹#›</a:t>
             </a:fld>
             <a:endParaRPr lang="zh-CN" altLang="en-US" strike="noStrike" noProof="1"/>
           </a:p>
@@ -3458,7 +3471,7 @@
           <p:nvPr userDrawn="1"/>
         </p:nvPicPr>
         <p:blipFill>
-          <a:blip r:embed="rId12"/>
+          <a:blip r:embed="rId11"/>
           <a:stretch>
             <a:fillRect/>
           </a:stretch>
@@ -3888,7 +3901,7 @@
           <p:nvPr/>
         </p:nvPicPr>
         <p:blipFill>
-          <a:blip r:embed="rId2"/>
+          <a:blip r:embed="rId1"/>
           <a:stretch>
             <a:fillRect/>
           </a:stretch>
@@ -3968,6 +3981,13 @@
               </a:rPr>
               <a:t>目录：</a:t>
             </a:r>
+            <a:endParaRPr lang="zh-CN" altLang="en-US" sz="3600" dirty="0">
+              <a:solidFill>
+                <a:srgbClr val="262626"/>
+              </a:solidFill>
+              <a:latin typeface="微软雅黑" panose="020B0503020204020204" charset="-122"/>
+              <a:ea typeface="微软雅黑" panose="020B0503020204020204" charset="-122"/>
+            </a:endParaRPr>
           </a:p>
           <a:p>
             <a:pPr algn="l"/>
@@ -4015,6 +4035,13 @@
               </a:rPr>
               <a:t>（做了什么？）</a:t>
             </a:r>
+            <a:endParaRPr lang="zh-CN" altLang="en-US" sz="1600" dirty="0">
+              <a:solidFill>
+                <a:srgbClr val="262626"/>
+              </a:solidFill>
+              <a:latin typeface="微软雅黑" panose="020B0503020204020204" charset="-122"/>
+              <a:ea typeface="微软雅黑" panose="020B0503020204020204" charset="-122"/>
+            </a:endParaRPr>
           </a:p>
           <a:p>
             <a:pPr algn="l">
@@ -4052,6 +4079,13 @@
               </a:rPr>
               <a:t>（你认为自己对团队的最大帮忙、价值？）</a:t>
             </a:r>
+            <a:endParaRPr lang="zh-CN" altLang="en-US" sz="1800" dirty="0">
+              <a:solidFill>
+                <a:srgbClr val="262626"/>
+              </a:solidFill>
+              <a:latin typeface="微软雅黑" panose="020B0503020204020204" charset="-122"/>
+              <a:ea typeface="微软雅黑" panose="020B0503020204020204" charset="-122"/>
+            </a:endParaRPr>
           </a:p>
           <a:p>
             <a:pPr algn="l">
@@ -4130,6 +4164,13 @@
               </a:rPr>
               <a:t>？）</a:t>
             </a:r>
+            <a:endParaRPr lang="zh-CN" altLang="en-US" sz="1800" dirty="0">
+              <a:solidFill>
+                <a:srgbClr val="262626"/>
+              </a:solidFill>
+              <a:latin typeface="微软雅黑" panose="020B0503020204020204" charset="-122"/>
+              <a:ea typeface="微软雅黑" panose="020B0503020204020204" charset="-122"/>
+            </a:endParaRPr>
           </a:p>
           <a:p>
             <a:pPr algn="l">
@@ -4167,6 +4208,13 @@
               </a:rPr>
               <a:t>（在工作中遇到的问题以及如何解决的？）</a:t>
             </a:r>
+            <a:endParaRPr lang="zh-CN" altLang="en-US" sz="1800" dirty="0">
+              <a:solidFill>
+                <a:srgbClr val="262626"/>
+              </a:solidFill>
+              <a:latin typeface="微软雅黑" panose="020B0503020204020204" charset="-122"/>
+              <a:ea typeface="微软雅黑" panose="020B0503020204020204" charset="-122"/>
+            </a:endParaRPr>
           </a:p>
           <a:p>
             <a:pPr algn="l">
@@ -4204,6 +4252,13 @@
               </a:rPr>
               <a:t>（包含职业规划，目前的计划？）</a:t>
             </a:r>
+            <a:endParaRPr lang="zh-CN" altLang="en-US" sz="1800" dirty="0">
+              <a:solidFill>
+                <a:srgbClr val="262626"/>
+              </a:solidFill>
+              <a:latin typeface="微软雅黑" panose="020B0503020204020204" charset="-122"/>
+              <a:ea typeface="微软雅黑" panose="020B0503020204020204" charset="-122"/>
+            </a:endParaRPr>
           </a:p>
           <a:p>
             <a:pPr algn="l">
@@ -4241,6 +4296,13 @@
               </a:rPr>
               <a:t>（对项目团队、公司各方面有什么建议？）</a:t>
             </a:r>
+            <a:endParaRPr lang="zh-CN" altLang="en-US" sz="1800" dirty="0">
+              <a:solidFill>
+                <a:srgbClr val="262626"/>
+              </a:solidFill>
+              <a:latin typeface="微软雅黑" panose="020B0503020204020204" charset="-122"/>
+              <a:ea typeface="微软雅黑" panose="020B0503020204020204" charset="-122"/>
+            </a:endParaRPr>
           </a:p>
           <a:p>
             <a:pPr algn="l"/>
@@ -4338,7 +4400,7 @@
           <p:nvPr/>
         </p:nvPicPr>
         <p:blipFill>
-          <a:blip r:embed="rId4"/>
+          <a:blip r:embed="rId1"/>
           <a:stretch>
             <a:fillRect/>
           </a:stretch>
@@ -4442,6 +4504,10 @@
               </a:rPr>
               <a:t>月</a:t>
             </a:r>
+            <a:endParaRPr lang="zh-CN" altLang="en-US">
+              <a:latin typeface="微软雅黑" panose="020B0503020204020204" charset="-122"/>
+              <a:ea typeface="微软雅黑" panose="020B0503020204020204" charset="-122"/>
+            </a:endParaRPr>
           </a:p>
         </p:txBody>
       </p:sp>
@@ -4482,6 +4548,10 @@
               </a:rPr>
               <a:t>月</a:t>
             </a:r>
+            <a:endParaRPr lang="zh-CN" altLang="en-US">
+              <a:latin typeface="微软雅黑" panose="020B0503020204020204" charset="-122"/>
+              <a:ea typeface="微软雅黑" panose="020B0503020204020204" charset="-122"/>
+            </a:endParaRPr>
           </a:p>
         </p:txBody>
       </p:sp>
@@ -4522,6 +4592,10 @@
               </a:rPr>
               <a:t>月</a:t>
             </a:r>
+            <a:endParaRPr lang="zh-CN" altLang="en-US">
+              <a:latin typeface="微软雅黑" panose="020B0503020204020204" charset="-122"/>
+              <a:ea typeface="微软雅黑" panose="020B0503020204020204" charset="-122"/>
+            </a:endParaRPr>
           </a:p>
         </p:txBody>
       </p:sp>
@@ -4534,7 +4608,7 @@
         <p:spPr>
           <a:xfrm>
             <a:off x="1163955" y="2111375"/>
-            <a:ext cx="1804670" cy="1477328"/>
+            <a:ext cx="1804670" cy="1198880"/>
           </a:xfrm>
           <a:prstGeom prst="rect">
             <a:avLst/>
@@ -4572,8 +4646,18 @@
                 <a:latin typeface="微软雅黑" panose="020B0503020204020204" charset="-122"/>
                 <a:ea typeface="微软雅黑" panose="020B0503020204020204" charset="-122"/>
               </a:rPr>
-              <a:t>快速上手项目</a:t>
-            </a:r>
+              <a:t>赞助商额外加成</a:t>
+            </a:r>
+            <a:endParaRPr lang="zh-CN" altLang="en-US" dirty="0">
+              <a:solidFill>
+                <a:schemeClr val="tx1">
+                  <a:lumMod val="50000"/>
+                  <a:lumOff val="50000"/>
+                </a:schemeClr>
+              </a:solidFill>
+              <a:latin typeface="微软雅黑" panose="020B0503020204020204" charset="-122"/>
+              <a:ea typeface="微软雅黑" panose="020B0503020204020204" charset="-122"/>
+            </a:endParaRPr>
           </a:p>
           <a:p>
             <a:pPr algn="l"/>
@@ -4601,7 +4685,7 @@
                 <a:latin typeface="微软雅黑" panose="020B0503020204020204" charset="-122"/>
                 <a:ea typeface="微软雅黑" panose="020B0503020204020204" charset="-122"/>
               </a:rPr>
-              <a:t>完成</a:t>
+              <a:t>修改一些体验</a:t>
             </a:r>
             <a:r>
               <a:rPr lang="en-US" altLang="zh-CN" dirty="0">
@@ -4614,218 +4698,7 @@
                 <a:latin typeface="微软雅黑" panose="020B0503020204020204" charset="-122"/>
                 <a:ea typeface="微软雅黑" panose="020B0503020204020204" charset="-122"/>
               </a:rPr>
-              <a:t>“</a:t>
-            </a:r>
-            <a:r>
-              <a:rPr lang="zh-CN" altLang="en-US" dirty="0">
-                <a:solidFill>
-                  <a:schemeClr val="tx1">
-                    <a:lumMod val="50000"/>
-                    <a:lumOff val="50000"/>
-                  </a:schemeClr>
-                </a:solidFill>
-                <a:latin typeface="微软雅黑" panose="020B0503020204020204" charset="-122"/>
-                <a:ea typeface="微软雅黑" panose="020B0503020204020204" charset="-122"/>
-              </a:rPr>
-              <a:t>赞助商额外加成</a:t>
-            </a:r>
-            <a:r>
-              <a:rPr lang="en-US" altLang="zh-CN" dirty="0">
-                <a:solidFill>
-                  <a:schemeClr val="tx1">
-                    <a:lumMod val="50000"/>
-                    <a:lumOff val="50000"/>
-                  </a:schemeClr>
-                </a:solidFill>
-                <a:latin typeface="微软雅黑" panose="020B0503020204020204" charset="-122"/>
-                <a:ea typeface="微软雅黑" panose="020B0503020204020204" charset="-122"/>
-              </a:rPr>
-              <a:t>”</a:t>
-            </a:r>
-            <a:r>
-              <a:rPr lang="zh-CN" altLang="en-US" dirty="0">
-                <a:solidFill>
-                  <a:schemeClr val="tx1">
-                    <a:lumMod val="50000"/>
-                    <a:lumOff val="50000"/>
-                  </a:schemeClr>
-                </a:solidFill>
-                <a:latin typeface="微软雅黑" panose="020B0503020204020204" charset="-122"/>
-                <a:ea typeface="微软雅黑" panose="020B0503020204020204" charset="-122"/>
-              </a:rPr>
-              <a:t>需求</a:t>
-            </a:r>
-          </a:p>
-          <a:p>
-            <a:pPr algn="l"/>
-            <a:r>
-              <a:rPr lang="en-US" altLang="zh-CN" dirty="0">
-                <a:solidFill>
-                  <a:schemeClr val="tx1">
-                    <a:lumMod val="50000"/>
-                    <a:lumOff val="50000"/>
-                  </a:schemeClr>
-                </a:solidFill>
-                <a:latin typeface="微软雅黑" panose="020B0503020204020204" charset="-122"/>
-                <a:ea typeface="微软雅黑" panose="020B0503020204020204" charset="-122"/>
-              </a:rPr>
-              <a:t>3.</a:t>
-            </a:r>
-            <a:r>
-              <a:rPr lang="zh-CN" altLang="en-US" dirty="0">
-                <a:solidFill>
-                  <a:schemeClr val="tx1">
-                    <a:lumMod val="50000"/>
-                    <a:lumOff val="50000"/>
-                  </a:schemeClr>
-                </a:solidFill>
-                <a:latin typeface="微软雅黑" panose="020B0503020204020204" charset="-122"/>
-                <a:ea typeface="微软雅黑" panose="020B0503020204020204" charset="-122"/>
-              </a:rPr>
-              <a:t>修改一些体验</a:t>
-            </a:r>
-            <a:r>
-              <a:rPr lang="en-US" altLang="zh-CN" dirty="0">
-                <a:solidFill>
-                  <a:schemeClr val="tx1">
-                    <a:lumMod val="50000"/>
-                    <a:lumOff val="50000"/>
-                  </a:schemeClr>
-                </a:solidFill>
-                <a:latin typeface="微软雅黑" panose="020B0503020204020204" charset="-122"/>
-                <a:ea typeface="微软雅黑" panose="020B0503020204020204" charset="-122"/>
-              </a:rPr>
               <a:t>bug</a:t>
-            </a:r>
-          </a:p>
-        </p:txBody>
-      </p:sp>
-      <p:sp>
-        <p:nvSpPr>
-          <p:cNvPr id="7" name="文本框 6"/>
-          <p:cNvSpPr txBox="1"/>
-          <p:nvPr/>
-        </p:nvSpPr>
-        <p:spPr>
-          <a:xfrm>
-            <a:off x="4757420" y="2111375"/>
-            <a:ext cx="1804670" cy="1477328"/>
-          </a:xfrm>
-          <a:prstGeom prst="rect">
-            <a:avLst/>
-          </a:prstGeom>
-          <a:noFill/>
-        </p:spPr>
-        <p:txBody>
-          <a:bodyPr wrap="square" rtlCol="0">
-            <a:spAutoFit/>
-          </a:bodyPr>
-          <a:lstStyle/>
-          <a:p>
-            <a:pPr algn="l"/>
-            <a:r>
-              <a:rPr lang="en-US" altLang="zh-CN" dirty="0">
-                <a:solidFill>
-                  <a:schemeClr val="tx1">
-                    <a:lumMod val="50000"/>
-                    <a:lumOff val="50000"/>
-                  </a:schemeClr>
-                </a:solidFill>
-                <a:latin typeface="微软雅黑" panose="020B0503020204020204" charset="-122"/>
-                <a:ea typeface="微软雅黑" panose="020B0503020204020204" charset="-122"/>
-              </a:rPr>
-              <a:t>1.</a:t>
-            </a:r>
-            <a:r>
-              <a:rPr lang="zh-CN" altLang="en-US" dirty="0">
-                <a:solidFill>
-                  <a:schemeClr val="tx1">
-                    <a:lumMod val="50000"/>
-                    <a:lumOff val="50000"/>
-                  </a:schemeClr>
-                </a:solidFill>
-                <a:latin typeface="微软雅黑" panose="020B0503020204020204" charset="-122"/>
-                <a:ea typeface="微软雅黑" panose="020B0503020204020204" charset="-122"/>
-              </a:rPr>
-              <a:t>更换美术资源</a:t>
-            </a:r>
-            <a:r>
-              <a:rPr lang="en-US" altLang="zh-CN" dirty="0">
-                <a:solidFill>
-                  <a:schemeClr val="tx1">
-                    <a:lumMod val="50000"/>
-                    <a:lumOff val="50000"/>
-                  </a:schemeClr>
-                </a:solidFill>
-                <a:latin typeface="微软雅黑" panose="020B0503020204020204" charset="-122"/>
-                <a:ea typeface="微软雅黑" panose="020B0503020204020204" charset="-122"/>
-              </a:rPr>
-              <a:t>2.</a:t>
-            </a:r>
-            <a:r>
-              <a:rPr lang="zh-CN" altLang="en-US" dirty="0">
-                <a:solidFill>
-                  <a:schemeClr val="tx1">
-                    <a:lumMod val="50000"/>
-                    <a:lumOff val="50000"/>
-                  </a:schemeClr>
-                </a:solidFill>
-                <a:latin typeface="微软雅黑" panose="020B0503020204020204" charset="-122"/>
-                <a:ea typeface="微软雅黑" panose="020B0503020204020204" charset="-122"/>
-              </a:rPr>
-              <a:t>编写编辑器拓展工具，提高查找、更换美术资源的效率</a:t>
-            </a:r>
-          </a:p>
-        </p:txBody>
-      </p:sp>
-      <p:sp>
-        <p:nvSpPr>
-          <p:cNvPr id="8" name="文本框 7"/>
-          <p:cNvSpPr txBox="1"/>
-          <p:nvPr/>
-        </p:nvSpPr>
-        <p:spPr>
-          <a:xfrm>
-            <a:off x="8301355" y="2111375"/>
-            <a:ext cx="1804670" cy="1477328"/>
-          </a:xfrm>
-          <a:prstGeom prst="rect">
-            <a:avLst/>
-          </a:prstGeom>
-          <a:noFill/>
-        </p:spPr>
-        <p:txBody>
-          <a:bodyPr wrap="square" rtlCol="0">
-            <a:spAutoFit/>
-          </a:bodyPr>
-          <a:lstStyle/>
-          <a:p>
-            <a:pPr algn="l"/>
-            <a:r>
-              <a:rPr lang="en-US" altLang="zh-CN" dirty="0">
-                <a:solidFill>
-                  <a:schemeClr val="tx1">
-                    <a:lumMod val="50000"/>
-                    <a:lumOff val="50000"/>
-                  </a:schemeClr>
-                </a:solidFill>
-                <a:latin typeface="微软雅黑" panose="020B0503020204020204" charset="-122"/>
-                <a:ea typeface="微软雅黑" panose="020B0503020204020204" charset="-122"/>
-              </a:rPr>
-              <a:t>1.</a:t>
-            </a:r>
-            <a:r>
-              <a:rPr lang="zh-CN" altLang="en-US" dirty="0">
-                <a:solidFill>
-                  <a:schemeClr val="tx1">
-                    <a:lumMod val="50000"/>
-                    <a:lumOff val="50000"/>
-                  </a:schemeClr>
-                </a:solidFill>
-                <a:latin typeface="微软雅黑" panose="020B0503020204020204" charset="-122"/>
-                <a:ea typeface="微软雅黑" panose="020B0503020204020204" charset="-122"/>
-              </a:rPr>
-              <a:t>巅峰对决模块开发</a:t>
             </a:r>
             <a:endParaRPr lang="en-US" altLang="zh-CN" dirty="0">
               <a:solidFill>
@@ -4838,6 +4711,29 @@
               <a:ea typeface="微软雅黑" panose="020B0503020204020204" charset="-122"/>
             </a:endParaRPr>
           </a:p>
+        </p:txBody>
+      </p:sp>
+      <p:sp>
+        <p:nvSpPr>
+          <p:cNvPr id="7" name="文本框 6"/>
+          <p:cNvSpPr txBox="1"/>
+          <p:nvPr/>
+        </p:nvSpPr>
+        <p:spPr>
+          <a:xfrm>
+            <a:off x="4757420" y="2111375"/>
+            <a:ext cx="1804670" cy="1198880"/>
+          </a:xfrm>
+          <a:prstGeom prst="rect">
+            <a:avLst/>
+          </a:prstGeom>
+          <a:noFill/>
+        </p:spPr>
+        <p:txBody>
+          <a:bodyPr wrap="square" rtlCol="0">
+            <a:spAutoFit/>
+          </a:bodyPr>
+          <a:lstStyle/>
           <a:p>
             <a:pPr algn="l"/>
             <a:r>
@@ -4851,7 +4747,7 @@
                 <a:latin typeface="微软雅黑" panose="020B0503020204020204" charset="-122"/>
                 <a:ea typeface="微软雅黑" panose="020B0503020204020204" charset="-122"/>
               </a:rPr>
-              <a:t>2.</a:t>
+              <a:t>1.</a:t>
             </a:r>
             <a:r>
               <a:rPr lang="zh-CN" altLang="en-US" dirty="0">
@@ -4864,7 +4760,72 @@
                 <a:latin typeface="微软雅黑" panose="020B0503020204020204" charset="-122"/>
                 <a:ea typeface="微软雅黑" panose="020B0503020204020204" charset="-122"/>
               </a:rPr>
-              <a:t>前后端联调接口</a:t>
+              <a:t>美术资源替换优化</a:t>
+            </a:r>
+            <a:endParaRPr lang="zh-CN" altLang="en-US" dirty="0">
+              <a:solidFill>
+                <a:schemeClr val="tx1">
+                  <a:lumMod val="50000"/>
+                  <a:lumOff val="50000"/>
+                </a:schemeClr>
+              </a:solidFill>
+              <a:latin typeface="微软雅黑" panose="020B0503020204020204" charset="-122"/>
+              <a:ea typeface="微软雅黑" panose="020B0503020204020204" charset="-122"/>
+            </a:endParaRPr>
+          </a:p>
+          <a:p>
+            <a:pPr algn="l"/>
+            <a:r>
+              <a:rPr lang="en-US" altLang="zh-CN" dirty="0">
+                <a:solidFill>
+                  <a:schemeClr val="tx1">
+                    <a:lumMod val="50000"/>
+                    <a:lumOff val="50000"/>
+                  </a:schemeClr>
+                </a:solidFill>
+                <a:latin typeface="微软雅黑" panose="020B0503020204020204" charset="-122"/>
+                <a:ea typeface="微软雅黑" panose="020B0503020204020204" charset="-122"/>
+              </a:rPr>
+              <a:t>2.</a:t>
+            </a:r>
+            <a:r>
+              <a:rPr lang="zh-CN" altLang="en-US" dirty="0">
+                <a:solidFill>
+                  <a:schemeClr val="tx1">
+                    <a:lumMod val="50000"/>
+                    <a:lumOff val="50000"/>
+                  </a:schemeClr>
+                </a:solidFill>
+                <a:latin typeface="微软雅黑" panose="020B0503020204020204" charset="-122"/>
+                <a:ea typeface="微软雅黑" panose="020B0503020204020204" charset="-122"/>
+              </a:rPr>
+              <a:t>总决赛活动</a:t>
+            </a:r>
+            <a:endParaRPr lang="zh-CN" altLang="en-US" dirty="0">
+              <a:solidFill>
+                <a:schemeClr val="tx1">
+                  <a:lumMod val="50000"/>
+                  <a:lumOff val="50000"/>
+                </a:schemeClr>
+              </a:solidFill>
+              <a:latin typeface="微软雅黑" panose="020B0503020204020204" charset="-122"/>
+              <a:ea typeface="微软雅黑" panose="020B0503020204020204" charset="-122"/>
+            </a:endParaRPr>
+          </a:p>
+          <a:p>
+            <a:pPr algn="l"/>
+            <a:r>
+              <a:rPr lang="en-US" altLang="zh-CN" dirty="0">
+                <a:solidFill>
+                  <a:schemeClr val="tx1">
+                    <a:lumMod val="50000"/>
+                    <a:lumOff val="50000"/>
+                  </a:schemeClr>
+                </a:solidFill>
+                <a:latin typeface="微软雅黑" panose="020B0503020204020204" charset="-122"/>
+                <a:ea typeface="微软雅黑" panose="020B0503020204020204" charset="-122"/>
+              </a:rPr>
+              <a:t>3.球员信息面板</a:t>
             </a:r>
             <a:endParaRPr lang="en-US" altLang="zh-CN" dirty="0">
               <a:solidFill>
@@ -4877,6 +4838,29 @@
               <a:ea typeface="微软雅黑" panose="020B0503020204020204" charset="-122"/>
             </a:endParaRPr>
           </a:p>
+        </p:txBody>
+      </p:sp>
+      <p:sp>
+        <p:nvSpPr>
+          <p:cNvPr id="8" name="文本框 7"/>
+          <p:cNvSpPr txBox="1"/>
+          <p:nvPr/>
+        </p:nvSpPr>
+        <p:spPr>
+          <a:xfrm>
+            <a:off x="8301355" y="2111375"/>
+            <a:ext cx="1804670" cy="645160"/>
+          </a:xfrm>
+          <a:prstGeom prst="rect">
+            <a:avLst/>
+          </a:prstGeom>
+          <a:noFill/>
+        </p:spPr>
+        <p:txBody>
+          <a:bodyPr wrap="square" rtlCol="0">
+            <a:spAutoFit/>
+          </a:bodyPr>
+          <a:lstStyle/>
           <a:p>
             <a:pPr algn="l"/>
             <a:r>
@@ -4890,7 +4874,46 @@
                 <a:latin typeface="微软雅黑" panose="020B0503020204020204" charset="-122"/>
                 <a:ea typeface="微软雅黑" panose="020B0503020204020204" charset="-122"/>
               </a:rPr>
-              <a:t>3.</a:t>
+              <a:t>1.</a:t>
+            </a:r>
+            <a:r>
+              <a:rPr lang="zh-CN" altLang="en-US" dirty="0">
+                <a:solidFill>
+                  <a:schemeClr val="tx1">
+                    <a:lumMod val="50000"/>
+                    <a:lumOff val="50000"/>
+                  </a:schemeClr>
+                </a:solidFill>
+                <a:latin typeface="微软雅黑" panose="020B0503020204020204" charset="-122"/>
+                <a:ea typeface="微软雅黑" panose="020B0503020204020204" charset="-122"/>
+              </a:rPr>
+              <a:t>巅峰对决</a:t>
+            </a:r>
+            <a:endParaRPr lang="zh-CN" altLang="en-US" dirty="0">
+              <a:solidFill>
+                <a:schemeClr val="tx1">
+                  <a:lumMod val="50000"/>
+                  <a:lumOff val="50000"/>
+                </a:schemeClr>
+              </a:solidFill>
+              <a:latin typeface="微软雅黑" panose="020B0503020204020204" charset="-122"/>
+              <a:ea typeface="微软雅黑" panose="020B0503020204020204" charset="-122"/>
+            </a:endParaRPr>
+          </a:p>
+          <a:p>
+            <a:pPr algn="l"/>
+            <a:r>
+              <a:rPr lang="en-US" altLang="zh-CN" dirty="0">
+                <a:solidFill>
+                  <a:schemeClr val="tx1">
+                    <a:lumMod val="50000"/>
+                    <a:lumOff val="50000"/>
+                  </a:schemeClr>
+                </a:solidFill>
+                <a:latin typeface="微软雅黑" panose="020B0503020204020204" charset="-122"/>
+                <a:ea typeface="微软雅黑" panose="020B0503020204020204" charset="-122"/>
+              </a:rPr>
+              <a:t>2.</a:t>
             </a:r>
             <a:r>
               <a:rPr lang="zh-CN" altLang="en-US" dirty="0">
@@ -5147,6 +5170,16 @@
               </a:rPr>
               <a:t>，图表，截图等表示；            </a:t>
             </a:r>
+            <a:endParaRPr lang="zh-CN" altLang="en-US">
+              <a:solidFill>
+                <a:schemeClr val="tx1">
+                  <a:lumMod val="50000"/>
+                  <a:lumOff val="50000"/>
+                </a:schemeClr>
+              </a:solidFill>
+              <a:latin typeface="微软雅黑" panose="020B0503020204020204" charset="-122"/>
+              <a:ea typeface="微软雅黑" panose="020B0503020204020204" charset="-122"/>
+            </a:endParaRPr>
           </a:p>
           <a:p>
             <a:pPr algn="l"/>
@@ -5189,12 +5222,22 @@
               </a:rPr>
               <a:t>需要清晰且较详细的阐述。</a:t>
             </a:r>
+            <a:endParaRPr lang="zh-CN" altLang="en-US">
+              <a:solidFill>
+                <a:schemeClr val="tx1">
+                  <a:lumMod val="50000"/>
+                  <a:lumOff val="50000"/>
+                </a:schemeClr>
+              </a:solidFill>
+              <a:latin typeface="微软雅黑" panose="020B0503020204020204" charset="-122"/>
+              <a:ea typeface="微软雅黑" panose="020B0503020204020204" charset="-122"/>
+            </a:endParaRPr>
           </a:p>
         </p:txBody>
       </p:sp>
     </p:spTree>
     <p:custDataLst>
-      <p:tags r:id="rId1"/>
+      <p:tags r:id="rId2"/>
     </p:custDataLst>
   </p:cSld>
   <p:clrMapOvr>
@@ -5229,7 +5272,7 @@
           <p:nvPr/>
         </p:nvPicPr>
         <p:blipFill>
-          <a:blip r:embed="rId3"/>
+          <a:blip r:embed="rId1"/>
           <a:stretch>
             <a:fillRect/>
           </a:stretch>
@@ -5348,6 +5391,10 @@
               </a:rPr>
               <a:t>部门报到</a:t>
             </a:r>
+            <a:endParaRPr lang="zh-CN" altLang="zh-CN" strike="noStrike" noProof="1">
+              <a:latin typeface="楷体" panose="02010609060101010101" charset="-122"/>
+              <a:ea typeface="楷体" panose="02010609060101010101" charset="-122"/>
+            </a:endParaRPr>
           </a:p>
           <a:p>
             <a:pPr algn="ctr" fontAlgn="auto"/>
@@ -5358,6 +5405,10 @@
               </a:rPr>
               <a:t>（部门负责人）</a:t>
             </a:r>
+            <a:endParaRPr lang="zh-CN" altLang="zh-CN" strike="noStrike" noProof="1">
+              <a:latin typeface="楷体" panose="02010609060101010101" charset="-122"/>
+              <a:ea typeface="楷体" panose="02010609060101010101" charset="-122"/>
+            </a:endParaRPr>
           </a:p>
         </p:txBody>
       </p:sp>
@@ -5410,6 +5461,10 @@
               </a:rPr>
               <a:t>办公用品领取</a:t>
             </a:r>
+            <a:endParaRPr lang="zh-CN" altLang="zh-CN" strike="noStrike" noProof="1">
+              <a:latin typeface="楷体" panose="02010609060101010101" charset="-122"/>
+              <a:ea typeface="楷体" panose="02010609060101010101" charset="-122"/>
+            </a:endParaRPr>
           </a:p>
           <a:p>
             <a:pPr algn="ctr" fontAlgn="auto"/>
@@ -5434,6 +5489,10 @@
               </a:rPr>
               <a:t>行政）</a:t>
             </a:r>
+            <a:endParaRPr lang="zh-CN" altLang="zh-CN" strike="noStrike" noProof="1">
+              <a:latin typeface="楷体" panose="02010609060101010101" charset="-122"/>
+              <a:ea typeface="楷体" panose="02010609060101010101" charset="-122"/>
+            </a:endParaRPr>
           </a:p>
         </p:txBody>
       </p:sp>
@@ -5636,6 +5695,10 @@
               </a:rPr>
               <a:t>集中组织</a:t>
             </a:r>
+            <a:endParaRPr lang="zh-CN" altLang="en-US" dirty="0">
+              <a:latin typeface="楷体" panose="02010609060101010101" charset="-122"/>
+              <a:ea typeface="楷体" panose="02010609060101010101" charset="-122"/>
+            </a:endParaRPr>
           </a:p>
         </p:txBody>
       </p:sp>
@@ -5648,7 +5711,7 @@
           <p:nvPr/>
         </p:nvPicPr>
         <p:blipFill>
-          <a:blip r:embed="rId3"/>
+          <a:blip r:embed="rId1"/>
           <a:stretch>
             <a:fillRect/>
           </a:stretch>
@@ -5767,6 +5830,10 @@
               </a:rPr>
               <a:t>部门报到</a:t>
             </a:r>
+            <a:endParaRPr lang="zh-CN" altLang="zh-CN" strike="noStrike" noProof="1">
+              <a:latin typeface="楷体" panose="02010609060101010101" charset="-122"/>
+              <a:ea typeface="楷体" panose="02010609060101010101" charset="-122"/>
+            </a:endParaRPr>
           </a:p>
           <a:p>
             <a:pPr algn="ctr" fontAlgn="auto"/>
@@ -5777,6 +5844,10 @@
               </a:rPr>
               <a:t>（部门负责人）</a:t>
             </a:r>
+            <a:endParaRPr lang="zh-CN" altLang="zh-CN" strike="noStrike" noProof="1">
+              <a:latin typeface="楷体" panose="02010609060101010101" charset="-122"/>
+              <a:ea typeface="楷体" panose="02010609060101010101" charset="-122"/>
+            </a:endParaRPr>
           </a:p>
         </p:txBody>
       </p:sp>
@@ -5829,6 +5900,10 @@
               </a:rPr>
               <a:t>办公用品领取</a:t>
             </a:r>
+            <a:endParaRPr lang="zh-CN" altLang="zh-CN" strike="noStrike" noProof="1">
+              <a:latin typeface="楷体" panose="02010609060101010101" charset="-122"/>
+              <a:ea typeface="楷体" panose="02010609060101010101" charset="-122"/>
+            </a:endParaRPr>
           </a:p>
           <a:p>
             <a:pPr algn="ctr" fontAlgn="auto"/>
@@ -5853,6 +5928,10 @@
               </a:rPr>
               <a:t>行政）</a:t>
             </a:r>
+            <a:endParaRPr lang="zh-CN" altLang="zh-CN" strike="noStrike" noProof="1">
+              <a:latin typeface="楷体" panose="02010609060101010101" charset="-122"/>
+              <a:ea typeface="楷体" panose="02010609060101010101" charset="-122"/>
+            </a:endParaRPr>
           </a:p>
         </p:txBody>
       </p:sp>
@@ -6055,6 +6134,10 @@
               </a:rPr>
               <a:t>集中组织</a:t>
             </a:r>
+            <a:endParaRPr lang="zh-CN" altLang="en-US" dirty="0">
+              <a:latin typeface="楷体" panose="02010609060101010101" charset="-122"/>
+              <a:ea typeface="楷体" panose="02010609060101010101" charset="-122"/>
+            </a:endParaRPr>
           </a:p>
         </p:txBody>
       </p:sp>
@@ -6067,7 +6150,7 @@
           <p:nvPr/>
         </p:nvPicPr>
         <p:blipFill>
-          <a:blip r:embed="rId3"/>
+          <a:blip r:embed="rId1"/>
           <a:stretch>
             <a:fillRect/>
           </a:stretch>
@@ -6186,6 +6269,10 @@
               </a:rPr>
               <a:t>部门报到</a:t>
             </a:r>
+            <a:endParaRPr lang="zh-CN" altLang="zh-CN" strike="noStrike" noProof="1">
+              <a:latin typeface="楷体" panose="02010609060101010101" charset="-122"/>
+              <a:ea typeface="楷体" panose="02010609060101010101" charset="-122"/>
+            </a:endParaRPr>
           </a:p>
           <a:p>
             <a:pPr algn="ctr" fontAlgn="auto"/>
@@ -6196,6 +6283,10 @@
               </a:rPr>
               <a:t>（部门负责人）</a:t>
             </a:r>
+            <a:endParaRPr lang="zh-CN" altLang="zh-CN" strike="noStrike" noProof="1">
+              <a:latin typeface="楷体" panose="02010609060101010101" charset="-122"/>
+              <a:ea typeface="楷体" panose="02010609060101010101" charset="-122"/>
+            </a:endParaRPr>
           </a:p>
         </p:txBody>
       </p:sp>
@@ -6248,6 +6339,10 @@
               </a:rPr>
               <a:t>办公用品领取</a:t>
             </a:r>
+            <a:endParaRPr lang="zh-CN" altLang="zh-CN" strike="noStrike" noProof="1">
+              <a:latin typeface="楷体" panose="02010609060101010101" charset="-122"/>
+              <a:ea typeface="楷体" panose="02010609060101010101" charset="-122"/>
+            </a:endParaRPr>
           </a:p>
           <a:p>
             <a:pPr algn="ctr" fontAlgn="auto"/>
@@ -6272,6 +6367,10 @@
               </a:rPr>
               <a:t>行政）</a:t>
             </a:r>
+            <a:endParaRPr lang="zh-CN" altLang="zh-CN" strike="noStrike" noProof="1">
+              <a:latin typeface="楷体" panose="02010609060101010101" charset="-122"/>
+              <a:ea typeface="楷体" panose="02010609060101010101" charset="-122"/>
+            </a:endParaRPr>
           </a:p>
         </p:txBody>
       </p:sp>
@@ -6474,6 +6573,10 @@
               </a:rPr>
               <a:t>集中组织</a:t>
             </a:r>
+            <a:endParaRPr lang="zh-CN" altLang="en-US" dirty="0">
+              <a:latin typeface="楷体" panose="02010609060101010101" charset="-122"/>
+              <a:ea typeface="楷体" panose="02010609060101010101" charset="-122"/>
+            </a:endParaRPr>
           </a:p>
         </p:txBody>
       </p:sp>
@@ -6486,7 +6589,7 @@
           <p:nvPr/>
         </p:nvPicPr>
         <p:blipFill>
-          <a:blip r:embed="rId3"/>
+          <a:blip r:embed="rId1"/>
           <a:stretch>
             <a:fillRect/>
           </a:stretch>
@@ -6613,7 +6716,7 @@
         <p:spPr>
           <a:xfrm>
             <a:off x="2086610" y="895985"/>
-            <a:ext cx="9592945" cy="5692775"/>
+            <a:ext cx="9592945" cy="4379595"/>
           </a:xfrm>
           <a:prstGeom prst="rect">
             <a:avLst/>
@@ -6664,53 +6767,6 @@
               </a:rPr>
               <a:t>1.编写编辑器拓展工具，提高查找、更换美术资源的效率</a:t>
             </a:r>
-          </a:p>
-          <a:p>
-            <a:pPr algn="l">
-              <a:lnSpc>
-                <a:spcPts val="5120"/>
-              </a:lnSpc>
-            </a:pPr>
-            <a:r>
-              <a:rPr lang="en-US" altLang="zh-CN" sz="1800" dirty="0">
-                <a:solidFill>
-                  <a:srgbClr val="262626"/>
-                </a:solidFill>
-                <a:latin typeface="微软雅黑" panose="020B0503020204020204" charset="-122"/>
-                <a:ea typeface="微软雅黑" panose="020B0503020204020204" charset="-122"/>
-              </a:rPr>
-              <a:t>2.</a:t>
-            </a:r>
-            <a:r>
-              <a:rPr lang="zh-CN" altLang="en-US" sz="1800" dirty="0">
-                <a:solidFill>
-                  <a:srgbClr val="262626"/>
-                </a:solidFill>
-                <a:latin typeface="微软雅黑" panose="020B0503020204020204" charset="-122"/>
-                <a:ea typeface="微软雅黑" panose="020B0503020204020204" charset="-122"/>
-              </a:rPr>
-              <a:t>编写了</a:t>
-            </a:r>
-            <a:r>
-              <a:rPr lang="en-US" altLang="zh-CN" sz="1800" dirty="0">
-                <a:solidFill>
-                  <a:srgbClr val="262626"/>
-                </a:solidFill>
-                <a:latin typeface="微软雅黑" panose="020B0503020204020204" charset="-122"/>
-                <a:ea typeface="微软雅黑" panose="020B0503020204020204" charset="-122"/>
-              </a:rPr>
-              <a:t>4</a:t>
-            </a:r>
-            <a:r>
-              <a:rPr lang="zh-CN" altLang="en-US" sz="1800" dirty="0">
-                <a:solidFill>
-                  <a:srgbClr val="262626"/>
-                </a:solidFill>
-                <a:latin typeface="微软雅黑" panose="020B0503020204020204" charset="-122"/>
-                <a:ea typeface="微软雅黑" panose="020B0503020204020204" charset="-122"/>
-              </a:rPr>
-              <a:t>个公共组件，方便以后其他模块的开发</a:t>
-            </a:r>
             <a:endParaRPr lang="en-US" altLang="zh-CN" sz="1800" dirty="0">
               <a:solidFill>
                 <a:srgbClr val="262626"/>
@@ -6733,6 +6789,60 @@
                 <a:latin typeface="微软雅黑" panose="020B0503020204020204" charset="-122"/>
                 <a:ea typeface="微软雅黑" panose="020B0503020204020204" charset="-122"/>
               </a:rPr>
+              <a:t>2.</a:t>
+            </a:r>
+            <a:r>
+              <a:rPr lang="zh-CN" altLang="en-US" sz="1800" dirty="0">
+                <a:solidFill>
+                  <a:srgbClr val="262626"/>
+                </a:solidFill>
+                <a:latin typeface="微软雅黑" panose="020B0503020204020204" charset="-122"/>
+                <a:ea typeface="微软雅黑" panose="020B0503020204020204" charset="-122"/>
+              </a:rPr>
+              <a:t>编写了</a:t>
+            </a:r>
+            <a:r>
+              <a:rPr lang="en-US" altLang="zh-CN" sz="1800" dirty="0">
+                <a:solidFill>
+                  <a:srgbClr val="262626"/>
+                </a:solidFill>
+                <a:latin typeface="微软雅黑" panose="020B0503020204020204" charset="-122"/>
+                <a:ea typeface="微软雅黑" panose="020B0503020204020204" charset="-122"/>
+              </a:rPr>
+              <a:t>4</a:t>
+            </a:r>
+            <a:r>
+              <a:rPr lang="zh-CN" altLang="en-US" sz="1800" dirty="0">
+                <a:solidFill>
+                  <a:srgbClr val="262626"/>
+                </a:solidFill>
+                <a:latin typeface="微软雅黑" panose="020B0503020204020204" charset="-122"/>
+                <a:ea typeface="微软雅黑" panose="020B0503020204020204" charset="-122"/>
+              </a:rPr>
+              <a:t>个公共组件和一些工具方法，方便以后其他模块的开发</a:t>
+            </a:r>
+            <a:endParaRPr lang="en-US" altLang="zh-CN" sz="1800" dirty="0">
+              <a:solidFill>
+                <a:srgbClr val="262626"/>
+              </a:solidFill>
+              <a:latin typeface="微软雅黑" panose="020B0503020204020204" charset="-122"/>
+              <a:ea typeface="微软雅黑" panose="020B0503020204020204" charset="-122"/>
+            </a:endParaRPr>
+          </a:p>
+          <a:p>
+            <a:pPr algn="l">
+              <a:lnSpc>
+                <a:spcPts val="5120"/>
+              </a:lnSpc>
+            </a:pPr>
+            <a:r>
+              <a:rPr lang="en-US" altLang="zh-CN" sz="1800" dirty="0">
+                <a:solidFill>
+                  <a:srgbClr val="262626"/>
+                </a:solidFill>
+                <a:latin typeface="微软雅黑" panose="020B0503020204020204" charset="-122"/>
+                <a:ea typeface="微软雅黑" panose="020B0503020204020204" charset="-122"/>
+              </a:rPr>
               <a:t>3.帮助特效同事同步</a:t>
             </a:r>
             <a:r>
@@ -6818,54 +6928,6 @@
                 <a:ea typeface="微软雅黑" panose="020B0503020204020204" charset="-122"/>
               </a:rPr>
               <a:t>部分美术资源，内存优化</a:t>
-            </a:r>
-            <a:endParaRPr lang="en-US" altLang="zh-CN" sz="1800" dirty="0">
-              <a:solidFill>
-                <a:srgbClr val="262626"/>
-              </a:solidFill>
-              <a:latin typeface="微软雅黑" panose="020B0503020204020204" charset="-122"/>
-              <a:ea typeface="微软雅黑" panose="020B0503020204020204" charset="-122"/>
-            </a:endParaRPr>
-          </a:p>
-          <a:p>
-            <a:pPr algn="l">
-              <a:lnSpc>
-                <a:spcPts val="5120"/>
-              </a:lnSpc>
-            </a:pPr>
-            <a:r>
-              <a:rPr lang="en-US" altLang="zh-CN" sz="1800" dirty="0">
-                <a:solidFill>
-                  <a:srgbClr val="262626"/>
-                </a:solidFill>
-                <a:latin typeface="微软雅黑" panose="020B0503020204020204" charset="-122"/>
-                <a:ea typeface="微软雅黑" panose="020B0503020204020204" charset="-122"/>
-              </a:rPr>
-              <a:t>5. </a:t>
-            </a:r>
-            <a:endParaRPr lang="zh-CN" altLang="en-US" sz="1800" dirty="0">
-              <a:solidFill>
-                <a:srgbClr val="262626"/>
-              </a:solidFill>
-              <a:latin typeface="微软雅黑" panose="020B0503020204020204" charset="-122"/>
-              <a:ea typeface="微软雅黑" panose="020B0503020204020204" charset="-122"/>
-            </a:endParaRPr>
-          </a:p>
-          <a:p>
-            <a:pPr algn="l">
-              <a:lnSpc>
-                <a:spcPts val="5120"/>
-              </a:lnSpc>
-            </a:pPr>
-            <a:r>
-              <a:rPr lang="en-US" altLang="zh-CN" sz="1800" dirty="0">
-                <a:solidFill>
-                  <a:srgbClr val="262626"/>
-                </a:solidFill>
-                <a:latin typeface="微软雅黑" panose="020B0503020204020204" charset="-122"/>
-                <a:ea typeface="微软雅黑" panose="020B0503020204020204" charset="-122"/>
-              </a:rPr>
-              <a:t>6. </a:t>
             </a:r>
             <a:endParaRPr lang="zh-CN" altLang="en-US" sz="1800" dirty="0">
               <a:solidFill>
@@ -7005,6 +7067,16 @@
               </a:rPr>
               <a:t>项目组所带来的惊喜变化和对其他的同事的帮助。</a:t>
             </a:r>
+            <a:endParaRPr lang="zh-CN" altLang="en-US">
+              <a:solidFill>
+                <a:schemeClr val="tx1">
+                  <a:lumMod val="50000"/>
+                  <a:lumOff val="50000"/>
+                </a:schemeClr>
+              </a:solidFill>
+              <a:latin typeface="微软雅黑" panose="020B0503020204020204" charset="-122"/>
+              <a:ea typeface="微软雅黑" panose="020B0503020204020204" charset="-122"/>
+            </a:endParaRPr>
           </a:p>
         </p:txBody>
       </p:sp>
@@ -7042,7 +7114,7 @@
           <p:nvPr/>
         </p:nvPicPr>
         <p:blipFill>
-          <a:blip r:embed="rId3"/>
+          <a:blip r:embed="rId1"/>
           <a:stretch>
             <a:fillRect/>
           </a:stretch>
@@ -7166,7 +7238,7 @@
         <p:spPr>
           <a:xfrm>
             <a:off x="2118995" y="852170"/>
-            <a:ext cx="9592945" cy="5692775"/>
+            <a:ext cx="9592945" cy="4379595"/>
           </a:xfrm>
           <a:prstGeom prst="rect">
             <a:avLst/>
@@ -7315,57 +7387,6 @@
               </a:rPr>
               <a:t>了解到开发时的注意点，隐患等</a:t>
             </a:r>
-          </a:p>
-          <a:p>
-            <a:pPr algn="l">
-              <a:lnSpc>
-                <a:spcPts val="5120"/>
-              </a:lnSpc>
-            </a:pPr>
-            <a:r>
-              <a:rPr lang="en-US" altLang="zh-CN" sz="1800" dirty="0">
-                <a:solidFill>
-                  <a:srgbClr val="262626"/>
-                </a:solidFill>
-                <a:latin typeface="微软雅黑" panose="020B0503020204020204" charset="-122"/>
-                <a:ea typeface="微软雅黑" panose="020B0503020204020204" charset="-122"/>
-              </a:rPr>
-              <a:t>4.</a:t>
-            </a:r>
-            <a:r>
-              <a:rPr lang="zh-CN" altLang="en-US" sz="1800" dirty="0">
-                <a:solidFill>
-                  <a:srgbClr val="262626"/>
-                </a:solidFill>
-                <a:latin typeface="微软雅黑" panose="020B0503020204020204" charset="-122"/>
-                <a:ea typeface="微软雅黑" panose="020B0503020204020204" charset="-122"/>
-              </a:rPr>
-              <a:t>通过讲座了解到前沿的渲染技术</a:t>
-            </a:r>
-            <a:endParaRPr lang="en-US" altLang="zh-CN" sz="1800" dirty="0">
-              <a:solidFill>
-                <a:srgbClr val="262626"/>
-              </a:solidFill>
-              <a:latin typeface="微软雅黑" panose="020B0503020204020204" charset="-122"/>
-              <a:ea typeface="微软雅黑" panose="020B0503020204020204" charset="-122"/>
-            </a:endParaRPr>
-          </a:p>
-          <a:p>
-            <a:pPr algn="l">
-              <a:lnSpc>
-                <a:spcPts val="5120"/>
-              </a:lnSpc>
-            </a:pPr>
-            <a:r>
-              <a:rPr lang="en-US" altLang="zh-CN" sz="1800" dirty="0">
-                <a:solidFill>
-                  <a:srgbClr val="262626"/>
-                </a:solidFill>
-                <a:latin typeface="微软雅黑" panose="020B0503020204020204" charset="-122"/>
-                <a:ea typeface="微软雅黑" panose="020B0503020204020204" charset="-122"/>
-              </a:rPr>
-              <a:t>5. </a:t>
-            </a:r>
             <a:endParaRPr lang="zh-CN" altLang="en-US" sz="1800" dirty="0">
               <a:solidFill>
                 <a:srgbClr val="262626"/>
@@ -7388,7 +7409,17 @@
                 <a:latin typeface="微软雅黑" panose="020B0503020204020204" charset="-122"/>
                 <a:ea typeface="微软雅黑" panose="020B0503020204020204" charset="-122"/>
               </a:rPr>
-              <a:t>6. </a:t>
+              <a:t>4.</a:t>
+            </a:r>
+            <a:r>
+              <a:rPr lang="zh-CN" altLang="en-US" sz="1800" dirty="0">
+                <a:solidFill>
+                  <a:srgbClr val="262626"/>
+                </a:solidFill>
+                <a:latin typeface="微软雅黑" panose="020B0503020204020204" charset="-122"/>
+                <a:ea typeface="微软雅黑" panose="020B0503020204020204" charset="-122"/>
+              </a:rPr>
+              <a:t>通过讲座了解到前沿的渲染技术</a:t>
             </a:r>
             <a:endParaRPr lang="zh-CN" altLang="en-US" sz="1800" dirty="0">
               <a:solidFill>
@@ -7503,6 +7534,16 @@
               </a:rPr>
               <a:t>入职以来这段时间自己的成长。</a:t>
             </a:r>
+            <a:endParaRPr lang="zh-CN" altLang="en-US">
+              <a:solidFill>
+                <a:schemeClr val="tx1">
+                  <a:lumMod val="50000"/>
+                  <a:lumOff val="50000"/>
+                </a:schemeClr>
+              </a:solidFill>
+              <a:latin typeface="微软雅黑" panose="020B0503020204020204" charset="-122"/>
+              <a:ea typeface="微软雅黑" panose="020B0503020204020204" charset="-122"/>
+            </a:endParaRPr>
           </a:p>
         </p:txBody>
       </p:sp>
@@ -7540,7 +7581,7 @@
           <p:nvPr/>
         </p:nvPicPr>
         <p:blipFill>
-          <a:blip r:embed="rId3"/>
+          <a:blip r:embed="rId1"/>
           <a:stretch>
             <a:fillRect/>
           </a:stretch>
@@ -7664,7 +7705,7 @@
         <p:spPr>
           <a:xfrm>
             <a:off x="2118995" y="852170"/>
-            <a:ext cx="10072371" cy="5024452"/>
+            <a:ext cx="10072371" cy="4379595"/>
           </a:xfrm>
           <a:prstGeom prst="rect">
             <a:avLst/>
@@ -7785,16 +7826,6 @@
               </a:rPr>
               <a:t>如何解决：百度</a:t>
             </a:r>
-            <a:r>
-              <a:rPr lang="en-US" altLang="zh-CN" sz="1800" dirty="0">
-                <a:solidFill>
-                  <a:srgbClr val="262626"/>
-                </a:solidFill>
-                <a:latin typeface="微软雅黑" panose="020B0503020204020204" charset="-122"/>
-                <a:ea typeface="微软雅黑" panose="020B0503020204020204" charset="-122"/>
-              </a:rPr>
-              <a:t>&amp;Google</a:t>
-            </a:r>
             <a:endParaRPr lang="zh-CN" altLang="en-US" sz="1800" dirty="0">
               <a:solidFill>
                 <a:srgbClr val="262626"/>
@@ -7816,6 +7847,7 @@
                 </a:solidFill>
                 <a:latin typeface="微软雅黑" panose="020B0503020204020204" charset="-122"/>
                 <a:ea typeface="微软雅黑" panose="020B0503020204020204" charset="-122"/>
+                <a:sym typeface="+mn-ea"/>
               </a:rPr>
               <a:t>问题</a:t>
             </a:r>
@@ -7826,8 +7858,9 @@
                 </a:solidFill>
                 <a:latin typeface="微软雅黑" panose="020B0503020204020204" charset="-122"/>
                 <a:ea typeface="微软雅黑" panose="020B0503020204020204" charset="-122"/>
-              </a:rPr>
-              <a:t>2.                                                          </a:t>
+                <a:sym typeface="+mn-ea"/>
+              </a:rPr>
+              <a:t>2.  </a:t>
             </a:r>
             <a:r>
               <a:rPr lang="zh-CN" altLang="en-US" sz="1800" dirty="0">
@@ -7838,22 +7871,19 @@
                 <a:ea typeface="微软雅黑" panose="020B0503020204020204" charset="-122"/>
                 <a:sym typeface="+mn-ea"/>
               </a:rPr>
-              <a:t>如何解决：</a:t>
-            </a:r>
-            <a:endParaRPr lang="en-US" altLang="zh-CN" sz="1800" dirty="0">
-              <a:solidFill>
-                <a:srgbClr val="262626"/>
-              </a:solidFill>
-              <a:latin typeface="微软雅黑" panose="020B0503020204020204" charset="-122"/>
-              <a:ea typeface="微软雅黑" panose="020B0503020204020204" charset="-122"/>
-            </a:endParaRPr>
-          </a:p>
-          <a:p>
-            <a:pPr algn="l">
-              <a:lnSpc>
-                <a:spcPts val="5120"/>
-              </a:lnSpc>
-            </a:pPr>
+              <a:t>同时加载大量图片时候卡顿</a:t>
+            </a:r>
+            <a:r>
+              <a:rPr lang="en-US" altLang="zh-CN" sz="1800" dirty="0">
+                <a:solidFill>
+                  <a:srgbClr val="262626"/>
+                </a:solidFill>
+                <a:latin typeface="微软雅黑" panose="020B0503020204020204" charset="-122"/>
+                <a:ea typeface="微软雅黑" panose="020B0503020204020204" charset="-122"/>
+                <a:sym typeface="+mn-ea"/>
+              </a:rPr>
+              <a:t>		</a:t>
+            </a:r>
             <a:r>
               <a:rPr lang="zh-CN" altLang="en-US" sz="1800" dirty="0">
                 <a:solidFill>
@@ -7861,29 +7891,9 @@
                 </a:solidFill>
                 <a:latin typeface="微软雅黑" panose="020B0503020204020204" charset="-122"/>
                 <a:ea typeface="微软雅黑" panose="020B0503020204020204" charset="-122"/>
-              </a:rPr>
-              <a:t>问题</a:t>
-            </a:r>
-            <a:r>
-              <a:rPr lang="en-US" altLang="zh-CN" sz="1800" dirty="0">
-                <a:solidFill>
-                  <a:srgbClr val="262626"/>
-                </a:solidFill>
-                <a:latin typeface="微软雅黑" panose="020B0503020204020204" charset="-122"/>
-                <a:ea typeface="微软雅黑" panose="020B0503020204020204" charset="-122"/>
-              </a:rPr>
-              <a:t>3.                                                          </a:t>
-            </a:r>
-            <a:r>
-              <a:rPr lang="zh-CN" altLang="en-US" sz="1800" dirty="0">
-                <a:solidFill>
-                  <a:srgbClr val="262626"/>
-                </a:solidFill>
-                <a:latin typeface="微软雅黑" panose="020B0503020204020204" charset="-122"/>
-                <a:ea typeface="微软雅黑" panose="020B0503020204020204" charset="-122"/>
                 <a:sym typeface="+mn-ea"/>
               </a:rPr>
-              <a:t>如何解决：</a:t>
+              <a:t>如何解决：同事们的指导</a:t>
             </a:r>
             <a:endParaRPr lang="zh-CN" altLang="en-US" sz="1800" dirty="0">
               <a:solidFill>
@@ -7917,7 +7927,7 @@
                 <a:latin typeface="微软雅黑" panose="020B0503020204020204" charset="-122"/>
                 <a:ea typeface="微软雅黑" panose="020B0503020204020204" charset="-122"/>
               </a:rPr>
-              <a:t>4.  </a:t>
+              <a:t>3.  </a:t>
             </a:r>
             <a:r>
               <a:rPr lang="zh-CN" altLang="en-US" sz="1800" dirty="0">
@@ -7927,7 +7937,7 @@
                 <a:latin typeface="微软雅黑" panose="020B0503020204020204" charset="-122"/>
                 <a:ea typeface="微软雅黑" panose="020B0503020204020204" charset="-122"/>
               </a:rPr>
-              <a:t>同时加载大量图片时候卡顿</a:t>
+              <a:t>由于深浅拷贝导致的</a:t>
             </a:r>
             <a:r>
               <a:rPr lang="en-US" altLang="zh-CN" sz="1800" dirty="0">
@@ -7937,6 +7947,16 @@
                 <a:latin typeface="微软雅黑" panose="020B0503020204020204" charset="-122"/>
                 <a:ea typeface="微软雅黑" panose="020B0503020204020204" charset="-122"/>
               </a:rPr>
+              <a:t>bug</a:t>
+            </a:r>
+            <a:r>
+              <a:rPr lang="en-US" altLang="zh-CN" sz="1800" dirty="0">
+                <a:solidFill>
+                  <a:srgbClr val="262626"/>
+                </a:solidFill>
+                <a:latin typeface="微软雅黑" panose="020B0503020204020204" charset="-122"/>
+                <a:ea typeface="微软雅黑" panose="020B0503020204020204" charset="-122"/>
+              </a:rPr>
               <a:t>		</a:t>
             </a:r>
             <a:r>
@@ -7948,7 +7968,7 @@
                 <a:ea typeface="微软雅黑" panose="020B0503020204020204" charset="-122"/>
                 <a:sym typeface="+mn-ea"/>
               </a:rPr>
-              <a:t>如何解决：同事们的指导</a:t>
+              <a:t>如何解决：查看技术博客</a:t>
             </a:r>
             <a:endParaRPr lang="en-US" altLang="zh-CN" sz="1800" dirty="0">
               <a:solidFill>
@@ -8050,6 +8070,16 @@
               </a:rPr>
               <a:t>注：请列出入职以来工作中遇到的比较棘手的问题以及解决途径。</a:t>
             </a:r>
+            <a:endParaRPr lang="zh-CN" altLang="en-US">
+              <a:solidFill>
+                <a:schemeClr val="tx1">
+                  <a:lumMod val="50000"/>
+                  <a:lumOff val="50000"/>
+                </a:schemeClr>
+              </a:solidFill>
+              <a:latin typeface="微软雅黑" panose="020B0503020204020204" charset="-122"/>
+              <a:ea typeface="微软雅黑" panose="020B0503020204020204" charset="-122"/>
+            </a:endParaRPr>
           </a:p>
         </p:txBody>
       </p:sp>
@@ -8087,7 +8117,7 @@
           <p:nvPr/>
         </p:nvPicPr>
         <p:blipFill>
-          <a:blip r:embed="rId3"/>
+          <a:blip r:embed="rId1"/>
           <a:stretch>
             <a:fillRect/>
           </a:stretch>
@@ -8238,6 +8268,16 @@
               </a:rPr>
               <a:t>注：包含且不限于从自身职业发展生涯规划、工作相关技能提升、当前工作中存在的不足等。</a:t>
             </a:r>
+            <a:endParaRPr lang="zh-CN" altLang="en-US">
+              <a:solidFill>
+                <a:schemeClr val="tx1">
+                  <a:lumMod val="50000"/>
+                  <a:lumOff val="50000"/>
+                </a:schemeClr>
+              </a:solidFill>
+              <a:latin typeface="微软雅黑" panose="020B0503020204020204" charset="-122"/>
+              <a:ea typeface="微软雅黑" panose="020B0503020204020204" charset="-122"/>
+            </a:endParaRPr>
           </a:p>
         </p:txBody>
       </p:sp>
@@ -8250,7 +8290,7 @@
         <p:spPr>
           <a:xfrm>
             <a:off x="706120" y="1172845"/>
-            <a:ext cx="7738745" cy="2862322"/>
+            <a:ext cx="7738745" cy="3138170"/>
           </a:xfrm>
           <a:prstGeom prst="rect">
             <a:avLst/>
@@ -8263,75 +8303,136 @@
           </a:bodyPr>
           <a:lstStyle/>
           <a:p>
+            <a:pPr marL="285750" indent="-285750">
+              <a:buFont typeface="Arial" panose="020B0604020202020204" pitchFamily="34" charset="0"/>
+              <a:buChar char="•"/>
+            </a:pPr>
             <a:r>
               <a:rPr lang="zh-CN" altLang="en-US" dirty="0"/>
-              <a:t>职业发展规划：夯实基础，积累经验</a:t>
-            </a:r>
-          </a:p>
-          <a:p>
+              <a:t>职业发展规划：</a:t>
+            </a:r>
+            <a:endParaRPr lang="zh-CN" altLang="en-US" dirty="0"/>
+          </a:p>
+          <a:p>
+            <a:pPr marL="800100" lvl="1" indent="-342900">
+              <a:buFont typeface="Arial" panose="020B0604020202020204" pitchFamily="34" charset="0"/>
+              <a:buAutoNum type="arabicPeriod"/>
+            </a:pPr>
             <a:r>
               <a:rPr lang="zh-CN" altLang="en-US" dirty="0"/>
-              <a:t>基础知识：</a:t>
-            </a:r>
+              <a:t>夯实基础</a:t>
+            </a:r>
+            <a:endParaRPr lang="zh-CN" altLang="en-US" dirty="0"/>
+          </a:p>
+          <a:p>
+            <a:pPr marL="800100" lvl="1" indent="-342900">
+              <a:buFont typeface="Arial" panose="020B0604020202020204" pitchFamily="34" charset="0"/>
+              <a:buAutoNum type="arabicPeriod"/>
+            </a:pPr>
+            <a:r>
+              <a:rPr lang="zh-CN" altLang="en-US" dirty="0"/>
+              <a:t>积累经验</a:t>
+            </a:r>
+            <a:endParaRPr lang="zh-CN" altLang="en-US" dirty="0"/>
+          </a:p>
+          <a:p>
+            <a:pPr marL="285750" indent="-285750">
+              <a:buFont typeface="Arial" panose="020B0604020202020204" pitchFamily="34" charset="0"/>
+              <a:buChar char="•"/>
+            </a:pPr>
+            <a:r>
+              <a:rPr lang="zh-CN" altLang="en-US" dirty="0"/>
+              <a:t>存在提升空间：</a:t>
+            </a:r>
+            <a:endParaRPr lang="zh-CN" altLang="en-US" dirty="0"/>
+          </a:p>
+          <a:p>
+            <a:pPr marL="800100" lvl="1" indent="-342900">
+              <a:buFont typeface="Arial" panose="020B0604020202020204" pitchFamily="34" charset="0"/>
+              <a:buAutoNum type="arabicPeriod"/>
+            </a:pPr>
+            <a:r>
+              <a:rPr lang="zh-CN" altLang="en-US" dirty="0">
+                <a:sym typeface="+mn-ea"/>
+              </a:rPr>
+              <a:t>对</a:t>
+            </a:r>
+            <a:r>
+              <a:rPr lang="en-US" altLang="zh-CN" dirty="0">
+                <a:sym typeface="+mn-ea"/>
+              </a:rPr>
+              <a:t>Unity API</a:t>
+            </a:r>
+            <a:r>
+              <a:rPr lang="zh-CN" altLang="en-US" dirty="0">
+                <a:sym typeface="+mn-ea"/>
+              </a:rPr>
+              <a:t>和</a:t>
+            </a:r>
+            <a:r>
+              <a:rPr lang="en-US" altLang="zh-CN" dirty="0">
+                <a:sym typeface="+mn-ea"/>
+              </a:rPr>
+              <a:t>C#</a:t>
+            </a:r>
+            <a:r>
+              <a:rPr lang="zh-CN" altLang="en-US" dirty="0">
+                <a:sym typeface="+mn-ea"/>
+              </a:rPr>
+              <a:t>的了解</a:t>
+            </a:r>
+            <a:endParaRPr lang="zh-CN" altLang="en-US" dirty="0"/>
+          </a:p>
+          <a:p>
+            <a:pPr marL="285750" indent="-285750">
+              <a:buFont typeface="Arial" panose="020B0604020202020204" pitchFamily="34" charset="0"/>
+              <a:buChar char="•"/>
+            </a:pPr>
+            <a:r>
+              <a:rPr lang="zh-CN" altLang="en-US" dirty="0">
+                <a:sym typeface="+mn-ea"/>
+              </a:rPr>
+              <a:t>努力的方向</a:t>
+            </a:r>
+            <a:endParaRPr lang="zh-CN" altLang="en-US" dirty="0"/>
           </a:p>
           <a:p>
             <a:pPr marL="800100" lvl="1" indent="-342900">
               <a:buAutoNum type="arabicPeriod"/>
             </a:pPr>
             <a:r>
+              <a:rPr lang="zh-CN" altLang="en-US" dirty="0"/>
+              <a:t>设计模式</a:t>
+            </a:r>
+            <a:r>
               <a:rPr lang="en-US" altLang="zh-CN" dirty="0"/>
-              <a:t>Unity API</a:t>
-            </a:r>
+              <a:t>&amp;</a:t>
+            </a:r>
+            <a:r>
+              <a:rPr lang="zh-CN" altLang="en-US" dirty="0"/>
+              <a:t>客户端架构</a:t>
+            </a:r>
+            <a:endParaRPr lang="zh-CN" altLang="en-US" dirty="0"/>
           </a:p>
           <a:p>
             <a:pPr marL="800100" lvl="1" indent="-342900">
               <a:buAutoNum type="arabicPeriod"/>
             </a:pPr>
             <a:r>
-              <a:rPr lang="en-US" altLang="zh-CN" dirty="0"/>
-              <a:t>C# API</a:t>
-            </a:r>
-          </a:p>
-          <a:p>
-            <a:r>
               <a:rPr lang="zh-CN" altLang="en-US" dirty="0"/>
-              <a:t>学习计划：</a:t>
-            </a:r>
+              <a:t>性能优化</a:t>
+            </a:r>
+            <a:endParaRPr lang="zh-CN" altLang="en-US" dirty="0"/>
           </a:p>
           <a:p>
             <a:pPr marL="800100" lvl="1" indent="-342900">
               <a:buAutoNum type="arabicPeriod"/>
             </a:pPr>
             <a:r>
-              <a:rPr lang="zh-CN" altLang="en-US" dirty="0"/>
-              <a:t>设计模式</a:t>
-            </a:r>
-            <a:r>
-              <a:rPr lang="en-US" altLang="zh-CN" dirty="0"/>
-              <a:t>&amp;</a:t>
-            </a:r>
-            <a:r>
-              <a:rPr lang="zh-CN" altLang="en-US" dirty="0"/>
-              <a:t>客户端架构</a:t>
-            </a:r>
-          </a:p>
-          <a:p>
-            <a:pPr marL="800100" lvl="1" indent="-342900">
-              <a:buAutoNum type="arabicPeriod"/>
-            </a:pPr>
-            <a:r>
-              <a:rPr lang="zh-CN" altLang="en-US" dirty="0"/>
-              <a:t>性能优化</a:t>
-            </a:r>
-          </a:p>
-          <a:p>
-            <a:pPr marL="800100" lvl="1" indent="-342900">
-              <a:buAutoNum type="arabicPeriod"/>
-            </a:pPr>
-            <a:r>
               <a:rPr lang="en-US" altLang="zh-CN" dirty="0"/>
               <a:t>Shader</a:t>
             </a:r>
+            <a:endParaRPr lang="en-US" altLang="zh-CN" dirty="0"/>
           </a:p>
           <a:p>
             <a:pPr marL="342900" indent="-342900">
@@ -8378,7 +8479,7 @@
           <p:nvPr/>
         </p:nvPicPr>
         <p:blipFill>
-          <a:blip r:embed="rId3"/>
+          <a:blip r:embed="rId1"/>
           <a:srcRect l="4951"/>
           <a:stretch>
             <a:fillRect/>
@@ -8503,7 +8604,7 @@
         <p:spPr>
           <a:xfrm>
             <a:off x="2118995" y="852170"/>
-            <a:ext cx="9592945" cy="5036185"/>
+            <a:ext cx="9592945" cy="4379595"/>
           </a:xfrm>
           <a:prstGeom prst="rect">
             <a:avLst/>
@@ -8562,17 +8663,7 @@
                 <a:latin typeface="微软雅黑" panose="020B0503020204020204" charset="-122"/>
                 <a:ea typeface="微软雅黑" panose="020B0503020204020204" charset="-122"/>
               </a:rPr>
-              <a:t>热更语言配置文件</a:t>
-            </a:r>
-            <a:r>
-              <a:rPr lang="en-US" altLang="zh-CN" sz="1800" dirty="0">
-                <a:solidFill>
-                  <a:srgbClr val="262626"/>
-                </a:solidFill>
-                <a:latin typeface="微软雅黑" panose="020B0503020204020204" charset="-122"/>
-                <a:ea typeface="微软雅黑" panose="020B0503020204020204" charset="-122"/>
-              </a:rPr>
-              <a:t>json</a:t>
+              <a:t>工作环境很好</a:t>
             </a:r>
             <a:endParaRPr lang="zh-CN" altLang="en-US" sz="1800" dirty="0">
               <a:solidFill>
@@ -8606,18 +8697,15 @@
                 <a:latin typeface="微软雅黑" panose="020B0503020204020204" charset="-122"/>
                 <a:ea typeface="微软雅黑" panose="020B0503020204020204" charset="-122"/>
               </a:rPr>
-              <a:t>热更</a:t>
-            </a:r>
-            <a:r>
-              <a:rPr lang="en-US" altLang="zh-CN" sz="1800" dirty="0">
-                <a:solidFill>
-                  <a:srgbClr val="262626"/>
-                </a:solidFill>
-                <a:latin typeface="微软雅黑" panose="020B0503020204020204" charset="-122"/>
-                <a:ea typeface="微软雅黑" panose="020B0503020204020204" charset="-122"/>
-              </a:rPr>
-              <a:t>asssetbundle</a:t>
-            </a:r>
+              <a:t>技术氛围也很好</a:t>
+            </a:r>
+            <a:endParaRPr lang="en-US" altLang="zh-CN" sz="1800" dirty="0">
+              <a:solidFill>
+                <a:srgbClr val="262626"/>
+              </a:solidFill>
+              <a:latin typeface="微软雅黑" panose="020B0503020204020204" charset="-122"/>
+              <a:ea typeface="微软雅黑" panose="020B0503020204020204" charset="-122"/>
+            </a:endParaRPr>
           </a:p>
           <a:p>
             <a:pPr algn="l">
@@ -8643,25 +8731,15 @@
                 <a:latin typeface="微软雅黑" panose="020B0503020204020204" charset="-122"/>
                 <a:ea typeface="微软雅黑" panose="020B0503020204020204" charset="-122"/>
               </a:rPr>
-              <a:t>图集</a:t>
-            </a:r>
-          </a:p>
-          <a:p>
-            <a:pPr algn="l">
-              <a:lnSpc>
-                <a:spcPts val="5120"/>
-              </a:lnSpc>
-            </a:pPr>
-            <a:r>
-              <a:rPr lang="en-US" altLang="zh-CN" sz="1800" dirty="0">
-                <a:solidFill>
-                  <a:srgbClr val="262626"/>
-                </a:solidFill>
-                <a:latin typeface="微软雅黑" panose="020B0503020204020204" charset="-122"/>
-                <a:ea typeface="微软雅黑" panose="020B0503020204020204" charset="-122"/>
-              </a:rPr>
-              <a:t>4.</a:t>
-            </a:r>
+              <a:t>只想踏踏实实继续工作、学习</a:t>
+            </a:r>
+            <a:endParaRPr lang="en-US" altLang="zh-CN" sz="1800" dirty="0">
+              <a:solidFill>
+                <a:srgbClr val="262626"/>
+              </a:solidFill>
+              <a:latin typeface="微软雅黑" panose="020B0503020204020204" charset="-122"/>
+              <a:ea typeface="微软雅黑" panose="020B0503020204020204" charset="-122"/>
+            </a:endParaRPr>
           </a:p>
           <a:p>
             <a:pPr algn="l">
@@ -8848,6 +8926,16 @@
               </a:rPr>
               <a:t>等角度提出自己的想法。</a:t>
             </a:r>
+            <a:endParaRPr lang="zh-CN" altLang="en-US">
+              <a:solidFill>
+                <a:schemeClr val="tx1">
+                  <a:lumMod val="50000"/>
+                  <a:lumOff val="50000"/>
+                </a:schemeClr>
+              </a:solidFill>
+              <a:latin typeface="微软雅黑" panose="020B0503020204020204" charset="-122"/>
+              <a:ea typeface="微软雅黑" panose="020B0503020204020204" charset="-122"/>
+            </a:endParaRPr>
           </a:p>
         </p:txBody>
       </p:sp>
@@ -8885,7 +8973,7 @@
           <p:nvPr/>
         </p:nvPicPr>
         <p:blipFill>
-          <a:blip r:embed="rId2"/>
+          <a:blip r:embed="rId1"/>
           <a:stretch>
             <a:fillRect/>
           </a:stretch>
@@ -8988,6 +9076,13 @@
               </a:rPr>
               <a:t>谢谢！</a:t>
             </a:r>
+            <a:endParaRPr lang="zh-CN" altLang="en-US" sz="4400" b="1" dirty="0">
+              <a:solidFill>
+                <a:srgbClr val="595959"/>
+              </a:solidFill>
+              <a:latin typeface="微软雅黑" panose="020B0503020204020204" charset="-122"/>
+              <a:ea typeface="微软雅黑" panose="020B0503020204020204" charset="-122"/>
+            </a:endParaRPr>
           </a:p>
         </p:txBody>
       </p:sp>
@@ -9000,7 +9095,7 @@
           <p:nvPr/>
         </p:nvPicPr>
         <p:blipFill>
-          <a:blip r:embed="rId3"/>
+          <a:blip r:embed="rId2"/>
           <a:stretch>
             <a:fillRect/>
           </a:stretch>
@@ -9028,7 +9123,7 @@
 </file>
 
 <file path=ppt/tags/tag1.xml><?xml version="1.0" encoding="utf-8"?>
-<p:tagLst xmlns:a="http://schemas.openxmlformats.org/drawingml/2006/main" xmlns:r="http://schemas.openxmlformats.org/officeDocument/2006/relationships" xmlns:p="http://schemas.openxmlformats.org/presentationml/2006/main">
+<p:tagLst xmlns:p="http://schemas.openxmlformats.org/presentationml/2006/main">
   <p:tag name="KSO_WM_SLIDE_MODEL_TYPE" val="timeline"/>
 </p:tagLst>
 </file>
@@ -9284,8 +9379,6 @@
       </a:bgFillStyleLst>
     </a:fmtScheme>
   </a:themeElements>
-  <a:objectDefaults/>
-  <a:extraClrSchemeLst/>
   <a:extLst>
     <a:ext uri="{05A4C25C-085E-4340-85A3-A5531E510DB2}">
       <thm15:themeFamily xmlns:thm15="http://schemas.microsoft.com/office/thememl/2012/main" name="Office Theme" id="{62F939B6-93AF-4DB8-9C6B-D6C7DFDC589F}" vid="{4A3C46E8-61CC-4603-A589-7422A47A8E4A}"/>
@@ -9545,8 +9638,6 @@
       </a:bgFillStyleLst>
     </a:fmtScheme>
   </a:themeElements>
-  <a:objectDefaults/>
-  <a:extraClrSchemeLst/>
   <a:extLst>
     <a:ext uri="{05A4C25C-085E-4340-85A3-A5531E510DB2}">
       <thm15:themeFamily xmlns:thm15="http://schemas.microsoft.com/office/thememl/2012/main" name="Office Theme" id="{62F939B6-93AF-4DB8-9C6B-D6C7DFDC589F}" vid="{4A3C46E8-61CC-4603-A589-7422A47A8E4A}"/>
